--- a/Bizjuks_Eksamens.pptx
+++ b/Bizjuks_Eksamens.pptx
@@ -11,8 +11,15 @@
     <p:sldId id="262" r:id="rId5"/>
     <p:sldId id="263" r:id="rId6"/>
     <p:sldId id="264" r:id="rId7"/>
-    <p:sldId id="260" r:id="rId8"/>
-    <p:sldId id="261" r:id="rId9"/>
+    <p:sldId id="267" r:id="rId8"/>
+    <p:sldId id="265" r:id="rId9"/>
+    <p:sldId id="266" r:id="rId10"/>
+    <p:sldId id="268" r:id="rId11"/>
+    <p:sldId id="269" r:id="rId12"/>
+    <p:sldId id="270" r:id="rId13"/>
+    <p:sldId id="271" r:id="rId14"/>
+    <p:sldId id="260" r:id="rId15"/>
+    <p:sldId id="261" r:id="rId16"/>
   </p:sldIdLst>
   <p:sldSz cx="12192000" cy="6858000"/>
   <p:notesSz cx="6858000" cy="9144000"/>
@@ -111,6 +118,11 @@
       </a:defRPr>
     </a:lvl9pPr>
   </p:defaultTextStyle>
+  <p:extLst>
+    <p:ext uri="{EFAFB233-063F-42B5-8137-9DF3F51BA10A}">
+      <p15:sldGuideLst xmlns:p15="http://schemas.microsoft.com/office/powerpoint/2012/main"/>
+    </p:ext>
+  </p:extLst>
 </p:presentation>
 </file>
 
@@ -171,7 +183,7 @@
           <a:noFill/>
           <a:extLst>
             <a:ext uri="{909E8E84-426E-40dd-AFC4-6F175D3DCCD1}">
-              <a14:hiddenFill xmlns:a14="http://schemas.microsoft.com/office/drawing/2010/main" xmlns="">
+              <a14:hiddenFill xmlns="" xmlns:a14="http://schemas.microsoft.com/office/drawing/2010/main">
                 <a:solidFill>
                   <a:srgbClr val="FFFFFF"/>
                 </a:solidFill>
@@ -230,7 +242,7 @@
             </a:ln>
             <a:extLst>
               <a:ext uri="{91240B29-F687-4f45-9708-019B960494DF}">
-                <a14:hiddenLine xmlns:a14="http://schemas.microsoft.com/office/drawing/2010/main" xmlns="" w="9525">
+                <a14:hiddenLine xmlns="" xmlns:a14="http://schemas.microsoft.com/office/drawing/2010/main" w="9525">
                   <a:solidFill>
                     <a:srgbClr val="000000"/>
                   </a:solidFill>
@@ -320,7 +332,7 @@
             </a:ln>
             <a:extLst>
               <a:ext uri="{91240B29-F687-4f45-9708-019B960494DF}">
-                <a14:hiddenLine xmlns:a14="http://schemas.microsoft.com/office/drawing/2010/main" xmlns="" w="9525">
+                <a14:hiddenLine xmlns="" xmlns:a14="http://schemas.microsoft.com/office/drawing/2010/main" w="9525">
                   <a:solidFill>
                     <a:srgbClr val="000000"/>
                   </a:solidFill>
@@ -410,7 +422,7 @@
             </a:ln>
             <a:extLst>
               <a:ext uri="{91240B29-F687-4f45-9708-019B960494DF}">
-                <a14:hiddenLine xmlns:a14="http://schemas.microsoft.com/office/drawing/2010/main" xmlns="" w="9525">
+                <a14:hiddenLine xmlns="" xmlns:a14="http://schemas.microsoft.com/office/drawing/2010/main" w="9525">
                   <a:solidFill>
                     <a:srgbClr val="000000"/>
                   </a:solidFill>
@@ -444,7 +456,7 @@
             </a:ln>
             <a:extLst>
               <a:ext uri="{91240B29-F687-4f45-9708-019B960494DF}">
-                <a14:hiddenLine xmlns:a14="http://schemas.microsoft.com/office/drawing/2010/main" xmlns="" w="9525">
+                <a14:hiddenLine xmlns="" xmlns:a14="http://schemas.microsoft.com/office/drawing/2010/main" w="9525">
                   <a:solidFill>
                     <a:srgbClr val="000000"/>
                   </a:solidFill>
@@ -534,7 +546,7 @@
             </a:ln>
             <a:extLst>
               <a:ext uri="{91240B29-F687-4f45-9708-019B960494DF}">
-                <a14:hiddenLine xmlns:a14="http://schemas.microsoft.com/office/drawing/2010/main" xmlns="" w="9525">
+                <a14:hiddenLine xmlns="" xmlns:a14="http://schemas.microsoft.com/office/drawing/2010/main" w="9525">
                   <a:solidFill>
                     <a:srgbClr val="000000"/>
                   </a:solidFill>
@@ -596,7 +608,7 @@
             </a:ln>
             <a:extLst>
               <a:ext uri="{91240B29-F687-4f45-9708-019B960494DF}">
-                <a14:hiddenLine xmlns:a14="http://schemas.microsoft.com/office/drawing/2010/main" xmlns="" w="9525">
+                <a14:hiddenLine xmlns="" xmlns:a14="http://schemas.microsoft.com/office/drawing/2010/main" w="9525">
                   <a:solidFill>
                     <a:srgbClr val="000000"/>
                   </a:solidFill>
@@ -658,7 +670,7 @@
             </a:ln>
             <a:extLst>
               <a:ext uri="{91240B29-F687-4f45-9708-019B960494DF}">
-                <a14:hiddenLine xmlns:a14="http://schemas.microsoft.com/office/drawing/2010/main" xmlns="" w="9525">
+                <a14:hiddenLine xmlns="" xmlns:a14="http://schemas.microsoft.com/office/drawing/2010/main" w="9525">
                   <a:solidFill>
                     <a:srgbClr val="000000"/>
                   </a:solidFill>
@@ -748,7 +760,7 @@
             </a:ln>
             <a:extLst>
               <a:ext uri="{91240B29-F687-4f45-9708-019B960494DF}">
-                <a14:hiddenLine xmlns:a14="http://schemas.microsoft.com/office/drawing/2010/main" xmlns="" w="9525">
+                <a14:hiddenLine xmlns="" xmlns:a14="http://schemas.microsoft.com/office/drawing/2010/main" w="9525">
                   <a:solidFill>
                     <a:srgbClr val="000000"/>
                   </a:solidFill>
@@ -810,7 +822,7 @@
             </a:ln>
             <a:extLst>
               <a:ext uri="{91240B29-F687-4f45-9708-019B960494DF}">
-                <a14:hiddenLine xmlns:a14="http://schemas.microsoft.com/office/drawing/2010/main" xmlns="" w="9525">
+                <a14:hiddenLine xmlns="" xmlns:a14="http://schemas.microsoft.com/office/drawing/2010/main" w="9525">
                   <a:solidFill>
                     <a:srgbClr val="000000"/>
                   </a:solidFill>
@@ -872,7 +884,7 @@
             </a:ln>
             <a:extLst>
               <a:ext uri="{91240B29-F687-4f45-9708-019B960494DF}">
-                <a14:hiddenLine xmlns:a14="http://schemas.microsoft.com/office/drawing/2010/main" xmlns="" w="9525">
+                <a14:hiddenLine xmlns="" xmlns:a14="http://schemas.microsoft.com/office/drawing/2010/main" w="9525">
                   <a:solidFill>
                     <a:srgbClr val="000000"/>
                   </a:solidFill>
@@ -962,7 +974,7 @@
             </a:ln>
             <a:extLst>
               <a:ext uri="{91240B29-F687-4f45-9708-019B960494DF}">
-                <a14:hiddenLine xmlns:a14="http://schemas.microsoft.com/office/drawing/2010/main" xmlns="" w="9525">
+                <a14:hiddenLine xmlns="" xmlns:a14="http://schemas.microsoft.com/office/drawing/2010/main" w="9525">
                   <a:solidFill>
                     <a:srgbClr val="000000"/>
                   </a:solidFill>
@@ -1052,7 +1064,7 @@
             </a:ln>
             <a:extLst>
               <a:ext uri="{91240B29-F687-4f45-9708-019B960494DF}">
-                <a14:hiddenLine xmlns:a14="http://schemas.microsoft.com/office/drawing/2010/main" xmlns="" w="9525">
+                <a14:hiddenLine xmlns="" xmlns:a14="http://schemas.microsoft.com/office/drawing/2010/main" w="9525">
                   <a:solidFill>
                     <a:srgbClr val="000000"/>
                   </a:solidFill>
@@ -1114,7 +1126,7 @@
             </a:ln>
             <a:extLst>
               <a:ext uri="{91240B29-F687-4f45-9708-019B960494DF}">
-                <a14:hiddenLine xmlns:a14="http://schemas.microsoft.com/office/drawing/2010/main" xmlns="" w="9525">
+                <a14:hiddenLine xmlns="" xmlns:a14="http://schemas.microsoft.com/office/drawing/2010/main" w="9525">
                   <a:solidFill>
                     <a:srgbClr val="000000"/>
                   </a:solidFill>
@@ -1224,7 +1236,7 @@
             </a:ln>
             <a:extLst>
               <a:ext uri="{91240B29-F687-4f45-9708-019B960494DF}">
-                <a14:hiddenLine xmlns:a14="http://schemas.microsoft.com/office/drawing/2010/main" xmlns="" w="9525">
+                <a14:hiddenLine xmlns="" xmlns:a14="http://schemas.microsoft.com/office/drawing/2010/main" w="9525">
                   <a:solidFill>
                     <a:srgbClr val="000000"/>
                   </a:solidFill>
@@ -1286,7 +1298,7 @@
             </a:ln>
             <a:extLst>
               <a:ext uri="{91240B29-F687-4f45-9708-019B960494DF}">
-                <a14:hiddenLine xmlns:a14="http://schemas.microsoft.com/office/drawing/2010/main" xmlns="" w="9525">
+                <a14:hiddenLine xmlns="" xmlns:a14="http://schemas.microsoft.com/office/drawing/2010/main" w="9525">
                   <a:solidFill>
                     <a:srgbClr val="000000"/>
                   </a:solidFill>
@@ -1376,7 +1388,7 @@
             </a:ln>
             <a:extLst>
               <a:ext uri="{91240B29-F687-4f45-9708-019B960494DF}">
-                <a14:hiddenLine xmlns:a14="http://schemas.microsoft.com/office/drawing/2010/main" xmlns="" w="9525">
+                <a14:hiddenLine xmlns="" xmlns:a14="http://schemas.microsoft.com/office/drawing/2010/main" w="9525">
                   <a:solidFill>
                     <a:srgbClr val="000000"/>
                   </a:solidFill>
@@ -1466,7 +1478,7 @@
             </a:ln>
             <a:extLst>
               <a:ext uri="{91240B29-F687-4f45-9708-019B960494DF}">
-                <a14:hiddenLine xmlns:a14="http://schemas.microsoft.com/office/drawing/2010/main" xmlns="" w="9525">
+                <a14:hiddenLine xmlns="" xmlns:a14="http://schemas.microsoft.com/office/drawing/2010/main" w="9525">
                   <a:solidFill>
                     <a:srgbClr val="000000"/>
                   </a:solidFill>
@@ -1528,7 +1540,7 @@
             </a:ln>
             <a:extLst>
               <a:ext uri="{91240B29-F687-4f45-9708-019B960494DF}">
-                <a14:hiddenLine xmlns:a14="http://schemas.microsoft.com/office/drawing/2010/main" xmlns="" w="9525">
+                <a14:hiddenLine xmlns="" xmlns:a14="http://schemas.microsoft.com/office/drawing/2010/main" w="9525">
                   <a:solidFill>
                     <a:srgbClr val="000000"/>
                   </a:solidFill>
@@ -1618,7 +1630,7 @@
             </a:ln>
             <a:extLst>
               <a:ext uri="{91240B29-F687-4f45-9708-019B960494DF}">
-                <a14:hiddenLine xmlns:a14="http://schemas.microsoft.com/office/drawing/2010/main" xmlns="" w="9525">
+                <a14:hiddenLine xmlns="" xmlns:a14="http://schemas.microsoft.com/office/drawing/2010/main" w="9525">
                   <a:solidFill>
                     <a:srgbClr val="000000"/>
                   </a:solidFill>
@@ -1708,7 +1720,7 @@
             </a:ln>
             <a:extLst>
               <a:ext uri="{91240B29-F687-4f45-9708-019B960494DF}">
-                <a14:hiddenLine xmlns:a14="http://schemas.microsoft.com/office/drawing/2010/main" xmlns="" w="9525">
+                <a14:hiddenLine xmlns="" xmlns:a14="http://schemas.microsoft.com/office/drawing/2010/main" w="9525">
                   <a:solidFill>
                     <a:srgbClr val="000000"/>
                   </a:solidFill>
@@ -1764,7 +1776,7 @@
             </a:ln>
             <a:extLst>
               <a:ext uri="{91240B29-F687-4f45-9708-019B960494DF}">
-                <a14:hiddenLine xmlns:a14="http://schemas.microsoft.com/office/drawing/2010/main" xmlns="" w="9525">
+                <a14:hiddenLine xmlns="" xmlns:a14="http://schemas.microsoft.com/office/drawing/2010/main" w="9525">
                   <a:solidFill>
                     <a:srgbClr val="000000"/>
                   </a:solidFill>
@@ -1854,7 +1866,7 @@
             </a:ln>
             <a:extLst>
               <a:ext uri="{91240B29-F687-4f45-9708-019B960494DF}">
-                <a14:hiddenLine xmlns:a14="http://schemas.microsoft.com/office/drawing/2010/main" xmlns="" w="9525">
+                <a14:hiddenLine xmlns="" xmlns:a14="http://schemas.microsoft.com/office/drawing/2010/main" w="9525">
                   <a:solidFill>
                     <a:srgbClr val="000000"/>
                   </a:solidFill>
@@ -1910,7 +1922,7 @@
             </a:ln>
             <a:extLst>
               <a:ext uri="{91240B29-F687-4f45-9708-019B960494DF}">
-                <a14:hiddenLine xmlns:a14="http://schemas.microsoft.com/office/drawing/2010/main" xmlns="" w="9525">
+                <a14:hiddenLine xmlns="" xmlns:a14="http://schemas.microsoft.com/office/drawing/2010/main" w="9525">
                   <a:solidFill>
                     <a:srgbClr val="000000"/>
                   </a:solidFill>
@@ -2000,7 +2012,7 @@
             </a:ln>
             <a:extLst>
               <a:ext uri="{91240B29-F687-4f45-9708-019B960494DF}">
-                <a14:hiddenLine xmlns:a14="http://schemas.microsoft.com/office/drawing/2010/main" xmlns="" w="9525">
+                <a14:hiddenLine xmlns="" xmlns:a14="http://schemas.microsoft.com/office/drawing/2010/main" w="9525">
                   <a:solidFill>
                     <a:srgbClr val="000000"/>
                   </a:solidFill>
@@ -2068,7 +2080,7 @@
             </a:ln>
             <a:extLst>
               <a:ext uri="{91240B29-F687-4f45-9708-019B960494DF}">
-                <a14:hiddenLine xmlns:a14="http://schemas.microsoft.com/office/drawing/2010/main" xmlns="" w="9525">
+                <a14:hiddenLine xmlns="" xmlns:a14="http://schemas.microsoft.com/office/drawing/2010/main" w="9525">
                   <a:solidFill>
                     <a:srgbClr val="000000"/>
                   </a:solidFill>
@@ -2158,7 +2170,7 @@
             </a:ln>
             <a:extLst>
               <a:ext uri="{91240B29-F687-4f45-9708-019B960494DF}">
-                <a14:hiddenLine xmlns:a14="http://schemas.microsoft.com/office/drawing/2010/main" xmlns="" w="9525">
+                <a14:hiddenLine xmlns="" xmlns:a14="http://schemas.microsoft.com/office/drawing/2010/main" w="9525">
                   <a:solidFill>
                     <a:srgbClr val="000000"/>
                   </a:solidFill>
@@ -2226,7 +2238,7 @@
             </a:ln>
             <a:extLst>
               <a:ext uri="{91240B29-F687-4f45-9708-019B960494DF}">
-                <a14:hiddenLine xmlns:a14="http://schemas.microsoft.com/office/drawing/2010/main" xmlns="" w="9525">
+                <a14:hiddenLine xmlns="" xmlns:a14="http://schemas.microsoft.com/office/drawing/2010/main" w="9525">
                   <a:solidFill>
                     <a:srgbClr val="000000"/>
                   </a:solidFill>
@@ -2316,7 +2328,7 @@
             </a:ln>
             <a:extLst>
               <a:ext uri="{91240B29-F687-4f45-9708-019B960494DF}">
-                <a14:hiddenLine xmlns:a14="http://schemas.microsoft.com/office/drawing/2010/main" xmlns="" w="9525">
+                <a14:hiddenLine xmlns="" xmlns:a14="http://schemas.microsoft.com/office/drawing/2010/main" w="9525">
                   <a:solidFill>
                     <a:srgbClr val="000000"/>
                   </a:solidFill>
@@ -2350,7 +2362,7 @@
             </a:ln>
             <a:extLst>
               <a:ext uri="{91240B29-F687-4f45-9708-019B960494DF}">
-                <a14:hiddenLine xmlns:a14="http://schemas.microsoft.com/office/drawing/2010/main" xmlns="" w="9525">
+                <a14:hiddenLine xmlns="" xmlns:a14="http://schemas.microsoft.com/office/drawing/2010/main" w="9525">
                   <a:solidFill>
                     <a:srgbClr val="000000"/>
                   </a:solidFill>
@@ -2440,7 +2452,7 @@
             </a:ln>
             <a:extLst>
               <a:ext uri="{91240B29-F687-4f45-9708-019B960494DF}">
-                <a14:hiddenLine xmlns:a14="http://schemas.microsoft.com/office/drawing/2010/main" xmlns="" w="9525">
+                <a14:hiddenLine xmlns="" xmlns:a14="http://schemas.microsoft.com/office/drawing/2010/main" w="9525">
                   <a:solidFill>
                     <a:srgbClr val="000000"/>
                   </a:solidFill>
@@ -2502,7 +2514,7 @@
             </a:ln>
             <a:extLst>
               <a:ext uri="{91240B29-F687-4f45-9708-019B960494DF}">
-                <a14:hiddenLine xmlns:a14="http://schemas.microsoft.com/office/drawing/2010/main" xmlns="" w="9525">
+                <a14:hiddenLine xmlns="" xmlns:a14="http://schemas.microsoft.com/office/drawing/2010/main" w="9525">
                   <a:solidFill>
                     <a:srgbClr val="000000"/>
                   </a:solidFill>
@@ -2564,7 +2576,7 @@
             </a:ln>
             <a:extLst>
               <a:ext uri="{91240B29-F687-4f45-9708-019B960494DF}">
-                <a14:hiddenLine xmlns:a14="http://schemas.microsoft.com/office/drawing/2010/main" xmlns="" w="9525">
+                <a14:hiddenLine xmlns="" xmlns:a14="http://schemas.microsoft.com/office/drawing/2010/main" w="9525">
                   <a:solidFill>
                     <a:srgbClr val="000000"/>
                   </a:solidFill>
@@ -2654,7 +2666,7 @@
             </a:ln>
             <a:extLst>
               <a:ext uri="{91240B29-F687-4f45-9708-019B960494DF}">
-                <a14:hiddenLine xmlns:a14="http://schemas.microsoft.com/office/drawing/2010/main" xmlns="" w="9525">
+                <a14:hiddenLine xmlns="" xmlns:a14="http://schemas.microsoft.com/office/drawing/2010/main" w="9525">
                   <a:solidFill>
                     <a:srgbClr val="000000"/>
                   </a:solidFill>
@@ -2722,7 +2734,7 @@
             </a:ln>
             <a:extLst>
               <a:ext uri="{91240B29-F687-4f45-9708-019B960494DF}">
-                <a14:hiddenLine xmlns:a14="http://schemas.microsoft.com/office/drawing/2010/main" xmlns="" w="9525">
+                <a14:hiddenLine xmlns="" xmlns:a14="http://schemas.microsoft.com/office/drawing/2010/main" w="9525">
                   <a:solidFill>
                     <a:srgbClr val="000000"/>
                   </a:solidFill>
@@ -2784,7 +2796,7 @@
             </a:ln>
             <a:extLst>
               <a:ext uri="{91240B29-F687-4f45-9708-019B960494DF}">
-                <a14:hiddenLine xmlns:a14="http://schemas.microsoft.com/office/drawing/2010/main" xmlns="" w="9525">
+                <a14:hiddenLine xmlns="" xmlns:a14="http://schemas.microsoft.com/office/drawing/2010/main" w="9525">
                   <a:solidFill>
                     <a:srgbClr val="000000"/>
                   </a:solidFill>
@@ -2874,7 +2886,7 @@
             </a:ln>
             <a:extLst>
               <a:ext uri="{91240B29-F687-4f45-9708-019B960494DF}">
-                <a14:hiddenLine xmlns:a14="http://schemas.microsoft.com/office/drawing/2010/main" xmlns="" w="9525">
+                <a14:hiddenLine xmlns="" xmlns:a14="http://schemas.microsoft.com/office/drawing/2010/main" w="9525">
                   <a:solidFill>
                     <a:srgbClr val="000000"/>
                   </a:solidFill>
@@ -2936,7 +2948,7 @@
             </a:ln>
             <a:extLst>
               <a:ext uri="{91240B29-F687-4f45-9708-019B960494DF}">
-                <a14:hiddenLine xmlns:a14="http://schemas.microsoft.com/office/drawing/2010/main" xmlns="" w="9525">
+                <a14:hiddenLine xmlns="" xmlns:a14="http://schemas.microsoft.com/office/drawing/2010/main" w="9525">
                   <a:solidFill>
                     <a:srgbClr val="000000"/>
                   </a:solidFill>
@@ -3026,7 +3038,7 @@
             </a:ln>
             <a:extLst>
               <a:ext uri="{91240B29-F687-4f45-9708-019B960494DF}">
-                <a14:hiddenLine xmlns:a14="http://schemas.microsoft.com/office/drawing/2010/main" xmlns="" w="9525">
+                <a14:hiddenLine xmlns="" xmlns:a14="http://schemas.microsoft.com/office/drawing/2010/main" w="9525">
                   <a:solidFill>
                     <a:srgbClr val="000000"/>
                   </a:solidFill>
@@ -3088,7 +3100,7 @@
             </a:ln>
             <a:extLst>
               <a:ext uri="{91240B29-F687-4f45-9708-019B960494DF}">
-                <a14:hiddenLine xmlns:a14="http://schemas.microsoft.com/office/drawing/2010/main" xmlns="" w="9525">
+                <a14:hiddenLine xmlns="" xmlns:a14="http://schemas.microsoft.com/office/drawing/2010/main" w="9525">
                   <a:solidFill>
                     <a:srgbClr val="000000"/>
                   </a:solidFill>
@@ -3178,7 +3190,7 @@
             </a:ln>
             <a:extLst>
               <a:ext uri="{91240B29-F687-4f45-9708-019B960494DF}">
-                <a14:hiddenLine xmlns:a14="http://schemas.microsoft.com/office/drawing/2010/main" xmlns="" w="9525">
+                <a14:hiddenLine xmlns="" xmlns:a14="http://schemas.microsoft.com/office/drawing/2010/main" w="9525">
                   <a:solidFill>
                     <a:srgbClr val="000000"/>
                   </a:solidFill>
@@ -3212,7 +3224,7 @@
             </a:ln>
             <a:extLst>
               <a:ext uri="{91240B29-F687-4f45-9708-019B960494DF}">
-                <a14:hiddenLine xmlns:a14="http://schemas.microsoft.com/office/drawing/2010/main" xmlns="" w="9525">
+                <a14:hiddenLine xmlns="" xmlns:a14="http://schemas.microsoft.com/office/drawing/2010/main" w="9525">
                   <a:solidFill>
                     <a:srgbClr val="000000"/>
                   </a:solidFill>
@@ -3277,7 +3289,7 @@
             </a:ln>
             <a:extLst>
               <a:ext uri="{91240B29-F687-4f45-9708-019B960494DF}">
-                <a14:hiddenLine xmlns:a14="http://schemas.microsoft.com/office/drawing/2010/main" xmlns="" w="9525">
+                <a14:hiddenLine xmlns="" xmlns:a14="http://schemas.microsoft.com/office/drawing/2010/main" w="9525">
                   <a:solidFill>
                     <a:srgbClr val="000000"/>
                   </a:solidFill>
@@ -3367,7 +3379,7 @@
             </a:ln>
             <a:extLst>
               <a:ext uri="{91240B29-F687-4f45-9708-019B960494DF}">
-                <a14:hiddenLine xmlns:a14="http://schemas.microsoft.com/office/drawing/2010/main" xmlns="" w="9525">
+                <a14:hiddenLine xmlns="" xmlns:a14="http://schemas.microsoft.com/office/drawing/2010/main" w="9525">
                   <a:solidFill>
                     <a:srgbClr val="000000"/>
                   </a:solidFill>
@@ -3429,7 +3441,7 @@
             </a:ln>
             <a:extLst>
               <a:ext uri="{91240B29-F687-4f45-9708-019B960494DF}">
-                <a14:hiddenLine xmlns:a14="http://schemas.microsoft.com/office/drawing/2010/main" xmlns="" w="9525">
+                <a14:hiddenLine xmlns="" xmlns:a14="http://schemas.microsoft.com/office/drawing/2010/main" w="9525">
                   <a:solidFill>
                     <a:srgbClr val="000000"/>
                   </a:solidFill>
@@ -3519,7 +3531,7 @@
             </a:ln>
             <a:extLst>
               <a:ext uri="{91240B29-F687-4f45-9708-019B960494DF}">
-                <a14:hiddenLine xmlns:a14="http://schemas.microsoft.com/office/drawing/2010/main" xmlns="" w="9525">
+                <a14:hiddenLine xmlns="" xmlns:a14="http://schemas.microsoft.com/office/drawing/2010/main" w="9525">
                   <a:solidFill>
                     <a:srgbClr val="000000"/>
                   </a:solidFill>
@@ -3609,7 +3621,7 @@
             </a:ln>
             <a:extLst>
               <a:ext uri="{91240B29-F687-4f45-9708-019B960494DF}">
-                <a14:hiddenLine xmlns:a14="http://schemas.microsoft.com/office/drawing/2010/main" xmlns="" w="9525">
+                <a14:hiddenLine xmlns="" xmlns:a14="http://schemas.microsoft.com/office/drawing/2010/main" w="9525">
                   <a:solidFill>
                     <a:srgbClr val="000000"/>
                   </a:solidFill>
@@ -3674,7 +3686,7 @@
             </a:ln>
             <a:extLst>
               <a:ext uri="{91240B29-F687-4f45-9708-019B960494DF}">
-                <a14:hiddenLine xmlns:a14="http://schemas.microsoft.com/office/drawing/2010/main" xmlns="" w="9525">
+                <a14:hiddenLine xmlns="" xmlns:a14="http://schemas.microsoft.com/office/drawing/2010/main" w="9525">
                   <a:solidFill>
                     <a:srgbClr val="000000"/>
                   </a:solidFill>
@@ -3736,7 +3748,7 @@
             </a:ln>
             <a:extLst>
               <a:ext uri="{91240B29-F687-4f45-9708-019B960494DF}">
-                <a14:hiddenLine xmlns:a14="http://schemas.microsoft.com/office/drawing/2010/main" xmlns="" w="9525">
+                <a14:hiddenLine xmlns="" xmlns:a14="http://schemas.microsoft.com/office/drawing/2010/main" w="9525">
                   <a:solidFill>
                     <a:srgbClr val="000000"/>
                   </a:solidFill>
@@ -3826,7 +3838,7 @@
             </a:ln>
             <a:extLst>
               <a:ext uri="{91240B29-F687-4f45-9708-019B960494DF}">
-                <a14:hiddenLine xmlns:a14="http://schemas.microsoft.com/office/drawing/2010/main" xmlns="" w="9525">
+                <a14:hiddenLine xmlns="" xmlns:a14="http://schemas.microsoft.com/office/drawing/2010/main" w="9525">
                   <a:solidFill>
                     <a:srgbClr val="000000"/>
                   </a:solidFill>
@@ -3916,7 +3928,7 @@
             </a:ln>
             <a:extLst>
               <a:ext uri="{91240B29-F687-4f45-9708-019B960494DF}">
-                <a14:hiddenLine xmlns:a14="http://schemas.microsoft.com/office/drawing/2010/main" xmlns="" w="9525">
+                <a14:hiddenLine xmlns="" xmlns:a14="http://schemas.microsoft.com/office/drawing/2010/main" w="9525">
                   <a:solidFill>
                     <a:srgbClr val="000000"/>
                   </a:solidFill>
@@ -3978,7 +3990,7 @@
             </a:ln>
             <a:extLst>
               <a:ext uri="{91240B29-F687-4f45-9708-019B960494DF}">
-                <a14:hiddenLine xmlns:a14="http://schemas.microsoft.com/office/drawing/2010/main" xmlns="" w="9525">
+                <a14:hiddenLine xmlns="" xmlns:a14="http://schemas.microsoft.com/office/drawing/2010/main" w="9525">
                   <a:solidFill>
                     <a:srgbClr val="000000"/>
                   </a:solidFill>
@@ -4098,7 +4110,7 @@
             </a:ln>
             <a:extLst>
               <a:ext uri="{91240B29-F687-4f45-9708-019B960494DF}">
-                <a14:hiddenLine xmlns:a14="http://schemas.microsoft.com/office/drawing/2010/main" xmlns="" w="9525">
+                <a14:hiddenLine xmlns="" xmlns:a14="http://schemas.microsoft.com/office/drawing/2010/main" w="9525">
                   <a:solidFill>
                     <a:srgbClr val="000000"/>
                   </a:solidFill>
@@ -4166,7 +4178,7 @@
             </a:ln>
             <a:extLst>
               <a:ext uri="{91240B29-F687-4f45-9708-019B960494DF}">
-                <a14:hiddenLine xmlns:a14="http://schemas.microsoft.com/office/drawing/2010/main" xmlns="" w="9525">
+                <a14:hiddenLine xmlns="" xmlns:a14="http://schemas.microsoft.com/office/drawing/2010/main" w="9525">
                   <a:solidFill>
                     <a:srgbClr val="000000"/>
                   </a:solidFill>
@@ -4256,7 +4268,7 @@
             </a:ln>
             <a:extLst>
               <a:ext uri="{91240B29-F687-4f45-9708-019B960494DF}">
-                <a14:hiddenLine xmlns:a14="http://schemas.microsoft.com/office/drawing/2010/main" xmlns="" w="9525">
+                <a14:hiddenLine xmlns="" xmlns:a14="http://schemas.microsoft.com/office/drawing/2010/main" w="9525">
                   <a:solidFill>
                     <a:srgbClr val="000000"/>
                   </a:solidFill>
@@ -4398,7 +4410,7 @@
             <a:fld id="{E1ADD138-1F21-40DC-85EB-3D779985BA7E}" type="datetime1">
               <a:rPr lang="ru-RU" smtClean="0"/>
               <a:pPr lvl="0"/>
-              <a:t>07.06.2024</a:t>
+              <a:t>08.06.2024</a:t>
             </a:fld>
             <a:endParaRPr lang="ru-RU"/>
           </a:p>
@@ -4670,7 +4682,7 @@
             <a:fld id="{3C094329-D99E-4201-8B47-41520771E845}" type="datetime1">
               <a:rPr lang="ru-RU" smtClean="0"/>
               <a:pPr lvl="0"/>
-              <a:t>07.06.2024</a:t>
+              <a:t>08.06.2024</a:t>
             </a:fld>
             <a:endParaRPr lang="ru-RU"/>
           </a:p>
@@ -4870,7 +4882,7 @@
             <a:fld id="{3C094329-D99E-4201-8B47-41520771E845}" type="datetime1">
               <a:rPr lang="ru-RU" smtClean="0"/>
               <a:pPr lvl="0"/>
-              <a:t>07.06.2024</a:t>
+              <a:t>08.06.2024</a:t>
             </a:fld>
             <a:endParaRPr lang="ru-RU"/>
           </a:p>
@@ -5137,7 +5149,7 @@
             <a:fld id="{3C094329-D99E-4201-8B47-41520771E845}" type="datetime1">
               <a:rPr lang="ru-RU" smtClean="0"/>
               <a:pPr lvl="0"/>
-              <a:t>07.06.2024</a:t>
+              <a:t>08.06.2024</a:t>
             </a:fld>
             <a:endParaRPr lang="ru-RU"/>
           </a:p>
@@ -5575,7 +5587,7 @@
             <a:fld id="{3C094329-D99E-4201-8B47-41520771E845}" type="datetime1">
               <a:rPr lang="ru-RU" smtClean="0"/>
               <a:pPr lvl="0"/>
-              <a:t>07.06.2024</a:t>
+              <a:t>08.06.2024</a:t>
             </a:fld>
             <a:endParaRPr lang="ru-RU"/>
           </a:p>
@@ -6125,7 +6137,7 @@
             <a:fld id="{3C094329-D99E-4201-8B47-41520771E845}" type="datetime1">
               <a:rPr lang="ru-RU" smtClean="0"/>
               <a:pPr lvl="0"/>
-              <a:t>07.06.2024</a:t>
+              <a:t>08.06.2024</a:t>
             </a:fld>
             <a:endParaRPr lang="ru-RU"/>
           </a:p>
@@ -6849,7 +6861,7 @@
             <a:fld id="{3C094329-D99E-4201-8B47-41520771E845}" type="datetime1">
               <a:rPr lang="ru-RU" smtClean="0"/>
               <a:pPr lvl="0"/>
-              <a:t>07.06.2024</a:t>
+              <a:t>08.06.2024</a:t>
             </a:fld>
             <a:endParaRPr lang="ru-RU"/>
           </a:p>
@@ -7023,7 +7035,7 @@
             <a:fld id="{A3E7D224-F363-40DC-ACBE-E035C0CB316D}" type="datetime1">
               <a:rPr lang="ru-RU" smtClean="0"/>
               <a:pPr lvl="0"/>
-              <a:t>07.06.2024</a:t>
+              <a:t>08.06.2024</a:t>
             </a:fld>
             <a:endParaRPr lang="ru-RU"/>
           </a:p>
@@ -7207,7 +7219,7 @@
             <a:fld id="{CA1919F7-E112-40CB-83DC-15624BD76272}" type="datetime1">
               <a:rPr lang="ru-RU" smtClean="0"/>
               <a:pPr lvl="0"/>
-              <a:t>07.06.2024</a:t>
+              <a:t>08.06.2024</a:t>
             </a:fld>
             <a:endParaRPr lang="ru-RU"/>
           </a:p>
@@ -7381,7 +7393,7 @@
             <a:fld id="{4793C550-FB5D-4634-9D09-68BC84FE8FC8}" type="datetime1">
               <a:rPr lang="ru-RU" smtClean="0"/>
               <a:pPr lvl="0"/>
-              <a:t>07.06.2024</a:t>
+              <a:t>08.06.2024</a:t>
             </a:fld>
             <a:endParaRPr lang="ru-RU"/>
           </a:p>
@@ -7635,7 +7647,7 @@
             <a:fld id="{C40D43CA-7E07-49A8-A9CE-B963370085A8}" type="datetime1">
               <a:rPr lang="ru-RU" smtClean="0"/>
               <a:pPr lvl="0"/>
-              <a:t>07.06.2024</a:t>
+              <a:t>08.06.2024</a:t>
             </a:fld>
             <a:endParaRPr lang="ru-RU"/>
           </a:p>
@@ -7871,7 +7883,7 @@
             <a:fld id="{E296A6F9-AA23-4A1C-A463-E962E6D806AD}" type="datetime1">
               <a:rPr lang="ru-RU" smtClean="0"/>
               <a:pPr lvl="0"/>
-              <a:t>07.06.2024</a:t>
+              <a:t>08.06.2024</a:t>
             </a:fld>
             <a:endParaRPr lang="ru-RU"/>
           </a:p>
@@ -8256,7 +8268,7 @@
             <a:fld id="{9140A572-9E5C-4529-890C-631624C958F8}" type="datetime1">
               <a:rPr lang="ru-RU" smtClean="0"/>
               <a:pPr lvl="0"/>
-              <a:t>07.06.2024</a:t>
+              <a:t>08.06.2024</a:t>
             </a:fld>
             <a:endParaRPr lang="ru-RU"/>
           </a:p>
@@ -8378,7 +8390,7 @@
             <a:fld id="{D96BD53F-DB76-47EB-902E-458B38ECFFF0}" type="datetime1">
               <a:rPr lang="ru-RU" smtClean="0"/>
               <a:pPr lvl="0"/>
-              <a:t>07.06.2024</a:t>
+              <a:t>08.06.2024</a:t>
             </a:fld>
             <a:endParaRPr lang="ru-RU"/>
           </a:p>
@@ -8477,7 +8489,7 @@
             <a:fld id="{647B4488-D861-484C-8E8D-837AB3D48256}" type="datetime1">
               <a:rPr lang="ru-RU" smtClean="0"/>
               <a:pPr lvl="0"/>
-              <a:t>07.06.2024</a:t>
+              <a:t>08.06.2024</a:t>
             </a:fld>
             <a:endParaRPr lang="ru-RU"/>
           </a:p>
@@ -8730,7 +8742,7 @@
             <a:fld id="{D36D8137-88A6-4518-B99C-174159A3F9C5}" type="datetime1">
               <a:rPr lang="ru-RU" smtClean="0"/>
               <a:pPr lvl="0"/>
-              <a:t>07.06.2024</a:t>
+              <a:t>08.06.2024</a:t>
             </a:fld>
             <a:endParaRPr lang="ru-RU"/>
           </a:p>
@@ -9014,7 +9026,7 @@
             <a:fld id="{A31CA203-A175-4912-9ED7-529DBF6E373C}" type="datetime1">
               <a:rPr lang="ru-RU" smtClean="0"/>
               <a:pPr lvl="0"/>
-              <a:t>07.06.2024</a:t>
+              <a:t>08.06.2024</a:t>
             </a:fld>
             <a:endParaRPr lang="ru-RU"/>
           </a:p>
@@ -9139,7 +9151,7 @@
           <a:noFill/>
           <a:extLst>
             <a:ext uri="{909E8E84-426E-40dd-AFC4-6F175D3DCCD1}">
-              <a14:hiddenFill xmlns:a14="http://schemas.microsoft.com/office/drawing/2010/main" xmlns="">
+              <a14:hiddenFill xmlns="" xmlns:a14="http://schemas.microsoft.com/office/drawing/2010/main">
                 <a:solidFill>
                   <a:srgbClr val="FFFFFF"/>
                 </a:solidFill>
@@ -9213,7 +9225,7 @@
               </a:ln>
               <a:extLst>
                 <a:ext uri="{91240B29-F687-4f45-9708-019B960494DF}">
-                  <a14:hiddenLine xmlns:a14="http://schemas.microsoft.com/office/drawing/2010/main" xmlns="" w="9525">
+                  <a14:hiddenLine xmlns="" xmlns:a14="http://schemas.microsoft.com/office/drawing/2010/main" w="9525">
                     <a:solidFill>
                       <a:srgbClr val="000000"/>
                     </a:solidFill>
@@ -9303,7 +9315,7 @@
               </a:ln>
               <a:extLst>
                 <a:ext uri="{91240B29-F687-4f45-9708-019B960494DF}">
-                  <a14:hiddenLine xmlns:a14="http://schemas.microsoft.com/office/drawing/2010/main" xmlns="" w="9525">
+                  <a14:hiddenLine xmlns="" xmlns:a14="http://schemas.microsoft.com/office/drawing/2010/main" w="9525">
                     <a:solidFill>
                       <a:srgbClr val="000000"/>
                     </a:solidFill>
@@ -9393,7 +9405,7 @@
               </a:ln>
               <a:extLst>
                 <a:ext uri="{91240B29-F687-4f45-9708-019B960494DF}">
-                  <a14:hiddenLine xmlns:a14="http://schemas.microsoft.com/office/drawing/2010/main" xmlns="" w="9525">
+                  <a14:hiddenLine xmlns="" xmlns:a14="http://schemas.microsoft.com/office/drawing/2010/main" w="9525">
                     <a:solidFill>
                       <a:srgbClr val="000000"/>
                     </a:solidFill>
@@ -9455,7 +9467,7 @@
               </a:ln>
               <a:extLst>
                 <a:ext uri="{91240B29-F687-4f45-9708-019B960494DF}">
-                  <a14:hiddenLine xmlns:a14="http://schemas.microsoft.com/office/drawing/2010/main" xmlns="" w="9525">
+                  <a14:hiddenLine xmlns="" xmlns:a14="http://schemas.microsoft.com/office/drawing/2010/main" w="9525">
                     <a:solidFill>
                       <a:srgbClr val="000000"/>
                     </a:solidFill>
@@ -9545,7 +9557,7 @@
               </a:ln>
               <a:extLst>
                 <a:ext uri="{91240B29-F687-4f45-9708-019B960494DF}">
-                  <a14:hiddenLine xmlns:a14="http://schemas.microsoft.com/office/drawing/2010/main" xmlns="" w="9525">
+                  <a14:hiddenLine xmlns="" xmlns:a14="http://schemas.microsoft.com/office/drawing/2010/main" w="9525">
                     <a:solidFill>
                       <a:srgbClr val="000000"/>
                     </a:solidFill>
@@ -9607,7 +9619,7 @@
               </a:ln>
               <a:extLst>
                 <a:ext uri="{91240B29-F687-4f45-9708-019B960494DF}">
-                  <a14:hiddenLine xmlns:a14="http://schemas.microsoft.com/office/drawing/2010/main" xmlns="" w="9525">
+                  <a14:hiddenLine xmlns="" xmlns:a14="http://schemas.microsoft.com/office/drawing/2010/main" w="9525">
                     <a:solidFill>
                       <a:srgbClr val="000000"/>
                     </a:solidFill>
@@ -9669,7 +9681,7 @@
               </a:ln>
               <a:extLst>
                 <a:ext uri="{91240B29-F687-4f45-9708-019B960494DF}">
-                  <a14:hiddenLine xmlns:a14="http://schemas.microsoft.com/office/drawing/2010/main" xmlns="" w="9525">
+                  <a14:hiddenLine xmlns="" xmlns:a14="http://schemas.microsoft.com/office/drawing/2010/main" w="9525">
                     <a:solidFill>
                       <a:srgbClr val="000000"/>
                     </a:solidFill>
@@ -9759,7 +9771,7 @@
               </a:ln>
               <a:extLst>
                 <a:ext uri="{91240B29-F687-4f45-9708-019B960494DF}">
-                  <a14:hiddenLine xmlns:a14="http://schemas.microsoft.com/office/drawing/2010/main" xmlns="" w="9525">
+                  <a14:hiddenLine xmlns="" xmlns:a14="http://schemas.microsoft.com/office/drawing/2010/main" w="9525">
                     <a:solidFill>
                       <a:srgbClr val="000000"/>
                     </a:solidFill>
@@ -9849,7 +9861,7 @@
               </a:ln>
               <a:extLst>
                 <a:ext uri="{91240B29-F687-4f45-9708-019B960494DF}">
-                  <a14:hiddenLine xmlns:a14="http://schemas.microsoft.com/office/drawing/2010/main" xmlns="" w="9525">
+                  <a14:hiddenLine xmlns="" xmlns:a14="http://schemas.microsoft.com/office/drawing/2010/main" w="9525">
                     <a:solidFill>
                       <a:srgbClr val="000000"/>
                     </a:solidFill>
@@ -9911,7 +9923,7 @@
               </a:ln>
               <a:extLst>
                 <a:ext uri="{91240B29-F687-4f45-9708-019B960494DF}">
-                  <a14:hiddenLine xmlns:a14="http://schemas.microsoft.com/office/drawing/2010/main" xmlns="" w="9525">
+                  <a14:hiddenLine xmlns="" xmlns:a14="http://schemas.microsoft.com/office/drawing/2010/main" w="9525">
                     <a:solidFill>
                       <a:srgbClr val="000000"/>
                     </a:solidFill>
@@ -10021,7 +10033,7 @@
               </a:ln>
               <a:extLst>
                 <a:ext uri="{91240B29-F687-4f45-9708-019B960494DF}">
-                  <a14:hiddenLine xmlns:a14="http://schemas.microsoft.com/office/drawing/2010/main" xmlns="" w="9525">
+                  <a14:hiddenLine xmlns="" xmlns:a14="http://schemas.microsoft.com/office/drawing/2010/main" w="9525">
                     <a:solidFill>
                       <a:srgbClr val="000000"/>
                     </a:solidFill>
@@ -10105,7 +10117,7 @@
               </a:ln>
               <a:extLst>
                 <a:ext uri="{91240B29-F687-4f45-9708-019B960494DF}">
-                  <a14:hiddenLine xmlns:a14="http://schemas.microsoft.com/office/drawing/2010/main" xmlns="" w="9525">
+                  <a14:hiddenLine xmlns="" xmlns:a14="http://schemas.microsoft.com/office/drawing/2010/main" w="9525">
                     <a:solidFill>
                       <a:srgbClr val="000000"/>
                     </a:solidFill>
@@ -10167,7 +10179,7 @@
               </a:ln>
               <a:extLst>
                 <a:ext uri="{91240B29-F687-4f45-9708-019B960494DF}">
-                  <a14:hiddenLine xmlns:a14="http://schemas.microsoft.com/office/drawing/2010/main" xmlns="" w="9525">
+                  <a14:hiddenLine xmlns="" xmlns:a14="http://schemas.microsoft.com/office/drawing/2010/main" w="9525">
                     <a:solidFill>
                       <a:srgbClr val="000000"/>
                     </a:solidFill>
@@ -10229,7 +10241,7 @@
               </a:ln>
               <a:extLst>
                 <a:ext uri="{91240B29-F687-4f45-9708-019B960494DF}">
-                  <a14:hiddenLine xmlns:a14="http://schemas.microsoft.com/office/drawing/2010/main" xmlns="" w="9525">
+                  <a14:hiddenLine xmlns="" xmlns:a14="http://schemas.microsoft.com/office/drawing/2010/main" w="9525">
                     <a:solidFill>
                       <a:srgbClr val="000000"/>
                     </a:solidFill>
@@ -10319,7 +10331,7 @@
               </a:ln>
               <a:extLst>
                 <a:ext uri="{91240B29-F687-4f45-9708-019B960494DF}">
-                  <a14:hiddenLine xmlns:a14="http://schemas.microsoft.com/office/drawing/2010/main" xmlns="" w="9525">
+                  <a14:hiddenLine xmlns="" xmlns:a14="http://schemas.microsoft.com/office/drawing/2010/main" w="9525">
                     <a:solidFill>
                       <a:srgbClr val="000000"/>
                     </a:solidFill>
@@ -10353,7 +10365,7 @@
               </a:ln>
               <a:extLst>
                 <a:ext uri="{91240B29-F687-4f45-9708-019B960494DF}">
-                  <a14:hiddenLine xmlns:a14="http://schemas.microsoft.com/office/drawing/2010/main" xmlns="" w="9525">
+                  <a14:hiddenLine xmlns="" xmlns:a14="http://schemas.microsoft.com/office/drawing/2010/main" w="9525">
                     <a:solidFill>
                       <a:srgbClr val="000000"/>
                     </a:solidFill>
@@ -10418,7 +10430,7 @@
               </a:ln>
               <a:extLst>
                 <a:ext uri="{91240B29-F687-4f45-9708-019B960494DF}">
-                  <a14:hiddenLine xmlns:a14="http://schemas.microsoft.com/office/drawing/2010/main" xmlns="" w="9525">
+                  <a14:hiddenLine xmlns="" xmlns:a14="http://schemas.microsoft.com/office/drawing/2010/main" w="9525">
                     <a:solidFill>
                       <a:srgbClr val="000000"/>
                     </a:solidFill>
@@ -10508,7 +10520,7 @@
               </a:ln>
               <a:extLst>
                 <a:ext uri="{91240B29-F687-4f45-9708-019B960494DF}">
-                  <a14:hiddenLine xmlns:a14="http://schemas.microsoft.com/office/drawing/2010/main" xmlns="" w="9525">
+                  <a14:hiddenLine xmlns="" xmlns:a14="http://schemas.microsoft.com/office/drawing/2010/main" w="9525">
                     <a:solidFill>
                       <a:srgbClr val="000000"/>
                     </a:solidFill>
@@ -10570,7 +10582,7 @@
               </a:ln>
               <a:extLst>
                 <a:ext uri="{91240B29-F687-4f45-9708-019B960494DF}">
-                  <a14:hiddenLine xmlns:a14="http://schemas.microsoft.com/office/drawing/2010/main" xmlns="" w="9525">
+                  <a14:hiddenLine xmlns="" xmlns:a14="http://schemas.microsoft.com/office/drawing/2010/main" w="9525">
                     <a:solidFill>
                       <a:srgbClr val="000000"/>
                     </a:solidFill>
@@ -10660,7 +10672,7 @@
               </a:ln>
               <a:extLst>
                 <a:ext uri="{91240B29-F687-4f45-9708-019B960494DF}">
-                  <a14:hiddenLine xmlns:a14="http://schemas.microsoft.com/office/drawing/2010/main" xmlns="" w="9525">
+                  <a14:hiddenLine xmlns="" xmlns:a14="http://schemas.microsoft.com/office/drawing/2010/main" w="9525">
                     <a:solidFill>
                       <a:srgbClr val="000000"/>
                     </a:solidFill>
@@ -10725,7 +10737,7 @@
               </a:ln>
               <a:extLst>
                 <a:ext uri="{91240B29-F687-4f45-9708-019B960494DF}">
-                  <a14:hiddenLine xmlns:a14="http://schemas.microsoft.com/office/drawing/2010/main" xmlns="" w="9525">
+                  <a14:hiddenLine xmlns="" xmlns:a14="http://schemas.microsoft.com/office/drawing/2010/main" w="9525">
                     <a:solidFill>
                       <a:srgbClr val="000000"/>
                     </a:solidFill>
@@ -10787,7 +10799,7 @@
               </a:ln>
               <a:extLst>
                 <a:ext uri="{91240B29-F687-4f45-9708-019B960494DF}">
-                  <a14:hiddenLine xmlns:a14="http://schemas.microsoft.com/office/drawing/2010/main" xmlns="" w="9525">
+                  <a14:hiddenLine xmlns="" xmlns:a14="http://schemas.microsoft.com/office/drawing/2010/main" w="9525">
                     <a:solidFill>
                       <a:srgbClr val="000000"/>
                     </a:solidFill>
@@ -10877,7 +10889,7 @@
               </a:ln>
               <a:extLst>
                 <a:ext uri="{91240B29-F687-4f45-9708-019B960494DF}">
-                  <a14:hiddenLine xmlns:a14="http://schemas.microsoft.com/office/drawing/2010/main" xmlns="" w="9525">
+                  <a14:hiddenLine xmlns="" xmlns:a14="http://schemas.microsoft.com/office/drawing/2010/main" w="9525">
                     <a:solidFill>
                       <a:srgbClr val="000000"/>
                     </a:solidFill>
@@ -10967,7 +10979,7 @@
               </a:ln>
               <a:extLst>
                 <a:ext uri="{91240B29-F687-4f45-9708-019B960494DF}">
-                  <a14:hiddenLine xmlns:a14="http://schemas.microsoft.com/office/drawing/2010/main" xmlns="" w="9525">
+                  <a14:hiddenLine xmlns="" xmlns:a14="http://schemas.microsoft.com/office/drawing/2010/main" w="9525">
                     <a:solidFill>
                       <a:srgbClr val="000000"/>
                     </a:solidFill>
@@ -11032,7 +11044,7 @@
               </a:ln>
               <a:extLst>
                 <a:ext uri="{91240B29-F687-4f45-9708-019B960494DF}">
-                  <a14:hiddenLine xmlns:a14="http://schemas.microsoft.com/office/drawing/2010/main" xmlns="" w="9525">
+                  <a14:hiddenLine xmlns="" xmlns:a14="http://schemas.microsoft.com/office/drawing/2010/main" w="9525">
                     <a:solidFill>
                       <a:srgbClr val="000000"/>
                     </a:solidFill>
@@ -11152,7 +11164,7 @@
               </a:ln>
               <a:extLst>
                 <a:ext uri="{91240B29-F687-4f45-9708-019B960494DF}">
-                  <a14:hiddenLine xmlns:a14="http://schemas.microsoft.com/office/drawing/2010/main" xmlns="" w="9525">
+                  <a14:hiddenLine xmlns="" xmlns:a14="http://schemas.microsoft.com/office/drawing/2010/main" w="9525">
                     <a:solidFill>
                       <a:srgbClr val="000000"/>
                     </a:solidFill>
@@ -11233,7 +11245,7 @@
               </a:ln>
               <a:extLst>
                 <a:ext uri="{91240B29-F687-4f45-9708-019B960494DF}">
-                  <a14:hiddenLine xmlns:a14="http://schemas.microsoft.com/office/drawing/2010/main" xmlns="" w="9525">
+                  <a14:hiddenLine xmlns="" xmlns:a14="http://schemas.microsoft.com/office/drawing/2010/main" w="9525">
                     <a:solidFill>
                       <a:srgbClr val="000000"/>
                     </a:solidFill>
@@ -11348,7 +11360,7 @@
               </a:ln>
               <a:extLst>
                 <a:ext uri="{91240B29-F687-4f45-9708-019B960494DF}">
-                  <a14:hiddenLine xmlns:a14="http://schemas.microsoft.com/office/drawing/2010/main" xmlns="" w="9525">
+                  <a14:hiddenLine xmlns="" xmlns:a14="http://schemas.microsoft.com/office/drawing/2010/main" w="9525">
                     <a:solidFill>
                       <a:srgbClr val="000000"/>
                     </a:solidFill>
@@ -11438,7 +11450,7 @@
               </a:ln>
               <a:extLst>
                 <a:ext uri="{91240B29-F687-4f45-9708-019B960494DF}">
-                  <a14:hiddenLine xmlns:a14="http://schemas.microsoft.com/office/drawing/2010/main" xmlns="" w="9525">
+                  <a14:hiddenLine xmlns="" xmlns:a14="http://schemas.microsoft.com/office/drawing/2010/main" w="9525">
                     <a:solidFill>
                       <a:srgbClr val="000000"/>
                     </a:solidFill>
@@ -11503,7 +11515,7 @@
               </a:ln>
               <a:extLst>
                 <a:ext uri="{91240B29-F687-4f45-9708-019B960494DF}">
-                  <a14:hiddenLine xmlns:a14="http://schemas.microsoft.com/office/drawing/2010/main" xmlns="" w="9525">
+                  <a14:hiddenLine xmlns="" xmlns:a14="http://schemas.microsoft.com/office/drawing/2010/main" w="9525">
                     <a:solidFill>
                       <a:srgbClr val="000000"/>
                     </a:solidFill>
@@ -11593,7 +11605,7 @@
               </a:ln>
               <a:extLst>
                 <a:ext uri="{91240B29-F687-4f45-9708-019B960494DF}">
-                  <a14:hiddenLine xmlns:a14="http://schemas.microsoft.com/office/drawing/2010/main" xmlns="" w="9525">
+                  <a14:hiddenLine xmlns="" xmlns:a14="http://schemas.microsoft.com/office/drawing/2010/main" w="9525">
                     <a:solidFill>
                       <a:srgbClr val="000000"/>
                     </a:solidFill>
@@ -11661,7 +11673,7 @@
               </a:ln>
               <a:extLst>
                 <a:ext uri="{91240B29-F687-4f45-9708-019B960494DF}">
-                  <a14:hiddenLine xmlns:a14="http://schemas.microsoft.com/office/drawing/2010/main" xmlns="" w="9525">
+                  <a14:hiddenLine xmlns="" xmlns:a14="http://schemas.microsoft.com/office/drawing/2010/main" w="9525">
                     <a:solidFill>
                       <a:srgbClr val="000000"/>
                     </a:solidFill>
@@ -11751,7 +11763,7 @@
               </a:ln>
               <a:extLst>
                 <a:ext uri="{91240B29-F687-4f45-9708-019B960494DF}">
-                  <a14:hiddenLine xmlns:a14="http://schemas.microsoft.com/office/drawing/2010/main" xmlns="" w="9525">
+                  <a14:hiddenLine xmlns="" xmlns:a14="http://schemas.microsoft.com/office/drawing/2010/main" w="9525">
                     <a:solidFill>
                       <a:srgbClr val="000000"/>
                     </a:solidFill>
@@ -11819,7 +11831,7 @@
               </a:ln>
               <a:extLst>
                 <a:ext uri="{91240B29-F687-4f45-9708-019B960494DF}">
-                  <a14:hiddenLine xmlns:a14="http://schemas.microsoft.com/office/drawing/2010/main" xmlns="" w="9525">
+                  <a14:hiddenLine xmlns="" xmlns:a14="http://schemas.microsoft.com/office/drawing/2010/main" w="9525">
                     <a:solidFill>
                       <a:srgbClr val="000000"/>
                     </a:solidFill>
@@ -11909,7 +11921,7 @@
               </a:ln>
               <a:extLst>
                 <a:ext uri="{91240B29-F687-4f45-9708-019B960494DF}">
-                  <a14:hiddenLine xmlns:a14="http://schemas.microsoft.com/office/drawing/2010/main" xmlns="" w="9525">
+                  <a14:hiddenLine xmlns="" xmlns:a14="http://schemas.microsoft.com/office/drawing/2010/main" w="9525">
                     <a:solidFill>
                       <a:srgbClr val="000000"/>
                     </a:solidFill>
@@ -11943,7 +11955,7 @@
               </a:ln>
               <a:extLst>
                 <a:ext uri="{91240B29-F687-4f45-9708-019B960494DF}">
-                  <a14:hiddenLine xmlns:a14="http://schemas.microsoft.com/office/drawing/2010/main" xmlns="" w="9525">
+                  <a14:hiddenLine xmlns="" xmlns:a14="http://schemas.microsoft.com/office/drawing/2010/main" w="9525">
                     <a:solidFill>
                       <a:srgbClr val="000000"/>
                     </a:solidFill>
@@ -12085,7 +12097,7 @@
             <a:fld id="{3C094329-D99E-4201-8B47-41520771E845}" type="datetime1">
               <a:rPr lang="ru-RU" smtClean="0"/>
               <a:pPr lvl="0"/>
-              <a:t>07.06.2024</a:t>
+              <a:t>08.06.2024</a:t>
             </a:fld>
             <a:endParaRPr lang="ru-RU"/>
           </a:p>
@@ -12614,6 +12626,677 @@
 </p:sld>
 </file>
 
+<file path=ppt/slides/slide10.xml><?xml version="1.0" encoding="utf-8"?>
+<p:sld xmlns:a="http://schemas.openxmlformats.org/drawingml/2006/main" xmlns:r="http://schemas.openxmlformats.org/officeDocument/2006/relationships" xmlns:p="http://schemas.openxmlformats.org/presentationml/2006/main">
+  <p:cSld>
+    <p:spTree>
+      <p:nvGrpSpPr>
+        <p:cNvPr id="1" name=""/>
+        <p:cNvGrpSpPr/>
+        <p:nvPr/>
+      </p:nvGrpSpPr>
+      <p:grpSpPr>
+        <a:xfrm>
+          <a:off x="0" y="0"/>
+          <a:ext cx="0" cy="0"/>
+          <a:chOff x="0" y="0"/>
+          <a:chExt cx="0" cy="0"/>
+        </a:xfrm>
+      </p:grpSpPr>
+      <p:sp>
+        <p:nvSpPr>
+          <p:cNvPr id="2" name="Заголовок 1">
+            <a:extLst>
+              <a:ext uri="{FF2B5EF4-FFF2-40B4-BE49-F238E27FC236}">
+                <a16:creationId xmlns:a16="http://schemas.microsoft.com/office/drawing/2014/main" id="{507A71C5-8E1A-4B56-8ABB-1AD8B6E12EB7}"/>
+              </a:ext>
+            </a:extLst>
+          </p:cNvPr>
+          <p:cNvSpPr>
+            <a:spLocks noGrp="1"/>
+          </p:cNvSpPr>
+          <p:nvPr>
+            <p:ph type="title"/>
+          </p:nvPr>
+        </p:nvSpPr>
+        <p:spPr/>
+        <p:txBody>
+          <a:bodyPr/>
+          <a:lstStyle/>
+          <a:p>
+            <a:pPr algn="ctr"/>
+            <a:r>
+              <a:rPr lang="lv-LV" dirty="0">
+                <a:latin typeface="Times New Roman" panose="02020603050405020304" pitchFamily="18" charset="0"/>
+                <a:cs typeface="Times New Roman" panose="02020603050405020304" pitchFamily="18" charset="0"/>
+              </a:rPr>
+              <a:t>Koda piemērs 3</a:t>
+            </a:r>
+            <a:endParaRPr lang="ru-RU" dirty="0">
+              <a:latin typeface="Times New Roman" panose="02020603050405020304" pitchFamily="18" charset="0"/>
+              <a:cs typeface="Times New Roman" panose="02020603050405020304" pitchFamily="18" charset="0"/>
+            </a:endParaRPr>
+          </a:p>
+        </p:txBody>
+      </p:sp>
+      <p:pic>
+        <p:nvPicPr>
+          <p:cNvPr id="5" name="Объект 4">
+            <a:extLst>
+              <a:ext uri="{FF2B5EF4-FFF2-40B4-BE49-F238E27FC236}">
+                <a16:creationId xmlns:a16="http://schemas.microsoft.com/office/drawing/2014/main" id="{3F01D149-8093-4372-8F1F-0417C2F5D7EA}"/>
+              </a:ext>
+            </a:extLst>
+          </p:cNvPr>
+          <p:cNvPicPr>
+            <a:picLocks noGrp="1" noChangeAspect="1"/>
+          </p:cNvPicPr>
+          <p:nvPr>
+            <p:ph idx="1"/>
+          </p:nvPr>
+        </p:nvPicPr>
+        <p:blipFill>
+          <a:blip r:embed="rId2"/>
+          <a:stretch>
+            <a:fillRect/>
+          </a:stretch>
+        </p:blipFill>
+        <p:spPr>
+          <a:xfrm>
+            <a:off x="1818455" y="1929453"/>
+            <a:ext cx="4029075" cy="2647950"/>
+          </a:xfrm>
+        </p:spPr>
+      </p:pic>
+      <p:pic>
+        <p:nvPicPr>
+          <p:cNvPr id="7" name="Рисунок 6">
+            <a:extLst>
+              <a:ext uri="{FF2B5EF4-FFF2-40B4-BE49-F238E27FC236}">
+                <a16:creationId xmlns:a16="http://schemas.microsoft.com/office/drawing/2014/main" id="{60E1E5D3-10C7-49BC-861A-06090BBB7BA8}"/>
+              </a:ext>
+            </a:extLst>
+          </p:cNvPr>
+          <p:cNvPicPr>
+            <a:picLocks noChangeAspect="1"/>
+          </p:cNvPicPr>
+          <p:nvPr/>
+        </p:nvPicPr>
+        <p:blipFill>
+          <a:blip r:embed="rId3"/>
+          <a:stretch>
+            <a:fillRect/>
+          </a:stretch>
+        </p:blipFill>
+        <p:spPr>
+          <a:xfrm>
+            <a:off x="3992357" y="4690294"/>
+            <a:ext cx="3990975" cy="2000250"/>
+          </a:xfrm>
+          <a:prstGeom prst="rect">
+            <a:avLst/>
+          </a:prstGeom>
+        </p:spPr>
+      </p:pic>
+    </p:spTree>
+    <p:extLst>
+      <p:ext uri="{BB962C8B-B14F-4D97-AF65-F5344CB8AC3E}">
+        <p14:creationId xmlns:p14="http://schemas.microsoft.com/office/powerpoint/2010/main" val="708181410"/>
+      </p:ext>
+    </p:extLst>
+  </p:cSld>
+  <p:clrMapOvr>
+    <a:masterClrMapping/>
+  </p:clrMapOvr>
+</p:sld>
+</file>
+
+<file path=ppt/slides/slide11.xml><?xml version="1.0" encoding="utf-8"?>
+<p:sld xmlns:a="http://schemas.openxmlformats.org/drawingml/2006/main" xmlns:r="http://schemas.openxmlformats.org/officeDocument/2006/relationships" xmlns:p="http://schemas.openxmlformats.org/presentationml/2006/main">
+  <p:cSld>
+    <p:spTree>
+      <p:nvGrpSpPr>
+        <p:cNvPr id="1" name=""/>
+        <p:cNvGrpSpPr/>
+        <p:nvPr/>
+      </p:nvGrpSpPr>
+      <p:grpSpPr>
+        <a:xfrm>
+          <a:off x="0" y="0"/>
+          <a:ext cx="0" cy="0"/>
+          <a:chOff x="0" y="0"/>
+          <a:chExt cx="0" cy="0"/>
+        </a:xfrm>
+      </p:grpSpPr>
+      <p:sp>
+        <p:nvSpPr>
+          <p:cNvPr id="2" name="Заголовок 1">
+            <a:extLst>
+              <a:ext uri="{FF2B5EF4-FFF2-40B4-BE49-F238E27FC236}">
+                <a16:creationId xmlns:a16="http://schemas.microsoft.com/office/drawing/2014/main" id="{5731C391-4227-43B2-BD1F-C5049E9CC25D}"/>
+              </a:ext>
+            </a:extLst>
+          </p:cNvPr>
+          <p:cNvSpPr>
+            <a:spLocks noGrp="1"/>
+          </p:cNvSpPr>
+          <p:nvPr>
+            <p:ph type="title"/>
+          </p:nvPr>
+        </p:nvSpPr>
+        <p:spPr/>
+        <p:txBody>
+          <a:bodyPr/>
+          <a:lstStyle/>
+          <a:p>
+            <a:pPr algn="ctr"/>
+            <a:r>
+              <a:rPr lang="lv-LV" dirty="0">
+                <a:latin typeface="Times New Roman" panose="02020603050405020304" pitchFamily="18" charset="0"/>
+                <a:cs typeface="Times New Roman" panose="02020603050405020304" pitchFamily="18" charset="0"/>
+              </a:rPr>
+              <a:t>Koda piemērs 4</a:t>
+            </a:r>
+            <a:endParaRPr lang="ru-RU" dirty="0">
+              <a:latin typeface="Times New Roman" panose="02020603050405020304" pitchFamily="18" charset="0"/>
+              <a:cs typeface="Times New Roman" panose="02020603050405020304" pitchFamily="18" charset="0"/>
+            </a:endParaRPr>
+          </a:p>
+        </p:txBody>
+      </p:sp>
+      <p:pic>
+        <p:nvPicPr>
+          <p:cNvPr id="5" name="Объект 4">
+            <a:extLst>
+              <a:ext uri="{FF2B5EF4-FFF2-40B4-BE49-F238E27FC236}">
+                <a16:creationId xmlns:a16="http://schemas.microsoft.com/office/drawing/2014/main" id="{0C46BB3D-62A5-4F93-B965-9220A7D31C69}"/>
+              </a:ext>
+            </a:extLst>
+          </p:cNvPr>
+          <p:cNvPicPr>
+            <a:picLocks noGrp="1" noChangeAspect="1"/>
+          </p:cNvPicPr>
+          <p:nvPr>
+            <p:ph idx="1"/>
+          </p:nvPr>
+        </p:nvPicPr>
+        <p:blipFill>
+          <a:blip r:embed="rId2"/>
+          <a:stretch>
+            <a:fillRect/>
+          </a:stretch>
+        </p:blipFill>
+        <p:spPr>
+          <a:xfrm>
+            <a:off x="2105127" y="1790572"/>
+            <a:ext cx="3514725" cy="2571750"/>
+          </a:xfrm>
+        </p:spPr>
+      </p:pic>
+      <p:pic>
+        <p:nvPicPr>
+          <p:cNvPr id="7" name="Рисунок 6">
+            <a:extLst>
+              <a:ext uri="{FF2B5EF4-FFF2-40B4-BE49-F238E27FC236}">
+                <a16:creationId xmlns:a16="http://schemas.microsoft.com/office/drawing/2014/main" id="{43DEAFFD-1174-44D9-BC53-856A9E9BBE28}"/>
+              </a:ext>
+            </a:extLst>
+          </p:cNvPr>
+          <p:cNvPicPr>
+            <a:picLocks noChangeAspect="1"/>
+          </p:cNvPicPr>
+          <p:nvPr/>
+        </p:nvPicPr>
+        <p:blipFill>
+          <a:blip r:embed="rId3"/>
+          <a:stretch>
+            <a:fillRect/>
+          </a:stretch>
+        </p:blipFill>
+        <p:spPr>
+          <a:xfrm>
+            <a:off x="5734817" y="3971925"/>
+            <a:ext cx="3514725" cy="2571750"/>
+          </a:xfrm>
+          <a:prstGeom prst="rect">
+            <a:avLst/>
+          </a:prstGeom>
+        </p:spPr>
+      </p:pic>
+    </p:spTree>
+    <p:extLst>
+      <p:ext uri="{BB962C8B-B14F-4D97-AF65-F5344CB8AC3E}">
+        <p14:creationId xmlns:p14="http://schemas.microsoft.com/office/powerpoint/2010/main" val="3947683294"/>
+      </p:ext>
+    </p:extLst>
+  </p:cSld>
+  <p:clrMapOvr>
+    <a:masterClrMapping/>
+  </p:clrMapOvr>
+</p:sld>
+</file>
+
+<file path=ppt/slides/slide12.xml><?xml version="1.0" encoding="utf-8"?>
+<p:sld xmlns:a="http://schemas.openxmlformats.org/drawingml/2006/main" xmlns:r="http://schemas.openxmlformats.org/officeDocument/2006/relationships" xmlns:p="http://schemas.openxmlformats.org/presentationml/2006/main">
+  <p:cSld>
+    <p:spTree>
+      <p:nvGrpSpPr>
+        <p:cNvPr id="1" name=""/>
+        <p:cNvGrpSpPr/>
+        <p:nvPr/>
+      </p:nvGrpSpPr>
+      <p:grpSpPr>
+        <a:xfrm>
+          <a:off x="0" y="0"/>
+          <a:ext cx="0" cy="0"/>
+          <a:chOff x="0" y="0"/>
+          <a:chExt cx="0" cy="0"/>
+        </a:xfrm>
+      </p:grpSpPr>
+      <p:sp>
+        <p:nvSpPr>
+          <p:cNvPr id="2" name="Заголовок 1">
+            <a:extLst>
+              <a:ext uri="{FF2B5EF4-FFF2-40B4-BE49-F238E27FC236}">
+                <a16:creationId xmlns:a16="http://schemas.microsoft.com/office/drawing/2014/main" id="{A3E52C67-0D50-4682-AFF3-22844DBE41C3}"/>
+              </a:ext>
+            </a:extLst>
+          </p:cNvPr>
+          <p:cNvSpPr>
+            <a:spLocks noGrp="1"/>
+          </p:cNvSpPr>
+          <p:nvPr>
+            <p:ph type="title"/>
+          </p:nvPr>
+        </p:nvSpPr>
+        <p:spPr/>
+        <p:txBody>
+          <a:bodyPr/>
+          <a:lstStyle/>
+          <a:p>
+            <a:pPr algn="ctr"/>
+            <a:r>
+              <a:rPr lang="lv-LV" dirty="0">
+                <a:latin typeface="Times New Roman" panose="02020603050405020304" pitchFamily="18" charset="0"/>
+                <a:cs typeface="Times New Roman" panose="02020603050405020304" pitchFamily="18" charset="0"/>
+              </a:rPr>
+              <a:t>Koda piemērs 5</a:t>
+            </a:r>
+            <a:endParaRPr lang="ru-RU" dirty="0">
+              <a:latin typeface="Times New Roman" panose="02020603050405020304" pitchFamily="18" charset="0"/>
+              <a:cs typeface="Times New Roman" panose="02020603050405020304" pitchFamily="18" charset="0"/>
+            </a:endParaRPr>
+          </a:p>
+        </p:txBody>
+      </p:sp>
+      <p:pic>
+        <p:nvPicPr>
+          <p:cNvPr id="5" name="Объект 4">
+            <a:extLst>
+              <a:ext uri="{FF2B5EF4-FFF2-40B4-BE49-F238E27FC236}">
+                <a16:creationId xmlns:a16="http://schemas.microsoft.com/office/drawing/2014/main" id="{DCBCB994-6FEC-4A26-BFDB-D35C922777AD}"/>
+              </a:ext>
+            </a:extLst>
+          </p:cNvPr>
+          <p:cNvPicPr>
+            <a:picLocks noGrp="1" noChangeAspect="1"/>
+          </p:cNvPicPr>
+          <p:nvPr>
+            <p:ph idx="1"/>
+          </p:nvPr>
+        </p:nvPicPr>
+        <p:blipFill>
+          <a:blip r:embed="rId2"/>
+          <a:stretch>
+            <a:fillRect/>
+          </a:stretch>
+        </p:blipFill>
+        <p:spPr>
+          <a:xfrm>
+            <a:off x="572217" y="1636713"/>
+            <a:ext cx="4791075" cy="3124200"/>
+          </a:xfrm>
+        </p:spPr>
+      </p:pic>
+      <p:pic>
+        <p:nvPicPr>
+          <p:cNvPr id="7" name="Рисунок 6">
+            <a:extLst>
+              <a:ext uri="{FF2B5EF4-FFF2-40B4-BE49-F238E27FC236}">
+                <a16:creationId xmlns:a16="http://schemas.microsoft.com/office/drawing/2014/main" id="{D1457B5F-8C0A-4ACD-A9C7-BABE752C7099}"/>
+              </a:ext>
+            </a:extLst>
+          </p:cNvPr>
+          <p:cNvPicPr>
+            <a:picLocks noChangeAspect="1"/>
+          </p:cNvPicPr>
+          <p:nvPr/>
+        </p:nvPicPr>
+        <p:blipFill>
+          <a:blip r:embed="rId3"/>
+          <a:stretch>
+            <a:fillRect/>
+          </a:stretch>
+        </p:blipFill>
+        <p:spPr>
+          <a:xfrm>
+            <a:off x="5561063" y="4458929"/>
+            <a:ext cx="4019550" cy="2286000"/>
+          </a:xfrm>
+          <a:prstGeom prst="rect">
+            <a:avLst/>
+          </a:prstGeom>
+        </p:spPr>
+      </p:pic>
+    </p:spTree>
+    <p:extLst>
+      <p:ext uri="{BB962C8B-B14F-4D97-AF65-F5344CB8AC3E}">
+        <p14:creationId xmlns:p14="http://schemas.microsoft.com/office/powerpoint/2010/main" val="1653620785"/>
+      </p:ext>
+    </p:extLst>
+  </p:cSld>
+  <p:clrMapOvr>
+    <a:masterClrMapping/>
+  </p:clrMapOvr>
+</p:sld>
+</file>
+
+<file path=ppt/slides/slide13.xml><?xml version="1.0" encoding="utf-8"?>
+<p:sld xmlns:a="http://schemas.openxmlformats.org/drawingml/2006/main" xmlns:r="http://schemas.openxmlformats.org/officeDocument/2006/relationships" xmlns:p="http://schemas.openxmlformats.org/presentationml/2006/main">
+  <p:cSld>
+    <p:spTree>
+      <p:nvGrpSpPr>
+        <p:cNvPr id="1" name=""/>
+        <p:cNvGrpSpPr/>
+        <p:nvPr/>
+      </p:nvGrpSpPr>
+      <p:grpSpPr>
+        <a:xfrm>
+          <a:off x="0" y="0"/>
+          <a:ext cx="0" cy="0"/>
+          <a:chOff x="0" y="0"/>
+          <a:chExt cx="0" cy="0"/>
+        </a:xfrm>
+      </p:grpSpPr>
+      <p:sp>
+        <p:nvSpPr>
+          <p:cNvPr id="2" name="Заголовок 1">
+            <a:extLst>
+              <a:ext uri="{FF2B5EF4-FFF2-40B4-BE49-F238E27FC236}">
+                <a16:creationId xmlns:a16="http://schemas.microsoft.com/office/drawing/2014/main" id="{8DA1AA53-4164-491F-8C6B-3CD9547A1C09}"/>
+              </a:ext>
+            </a:extLst>
+          </p:cNvPr>
+          <p:cNvSpPr>
+            <a:spLocks noGrp="1"/>
+          </p:cNvSpPr>
+          <p:nvPr>
+            <p:ph type="title"/>
+          </p:nvPr>
+        </p:nvSpPr>
+        <p:spPr/>
+        <p:txBody>
+          <a:bodyPr/>
+          <a:lstStyle/>
+          <a:p>
+            <a:pPr algn="ctr"/>
+            <a:r>
+              <a:rPr lang="lv-LV" dirty="0"/>
+              <a:t>Par eksāmenu</a:t>
+            </a:r>
+            <a:endParaRPr lang="ru-RU" dirty="0"/>
+          </a:p>
+        </p:txBody>
+      </p:sp>
+      <p:sp>
+        <p:nvSpPr>
+          <p:cNvPr id="3" name="Объект 2">
+            <a:extLst>
+              <a:ext uri="{FF2B5EF4-FFF2-40B4-BE49-F238E27FC236}">
+                <a16:creationId xmlns:a16="http://schemas.microsoft.com/office/drawing/2014/main" id="{748A45CA-15F8-4411-A221-B9832A278146}"/>
+              </a:ext>
+            </a:extLst>
+          </p:cNvPr>
+          <p:cNvSpPr>
+            <a:spLocks noGrp="1"/>
+          </p:cNvSpPr>
+          <p:nvPr>
+            <p:ph idx="1"/>
+          </p:nvPr>
+        </p:nvSpPr>
+        <p:spPr/>
+        <p:txBody>
+          <a:bodyPr/>
+          <a:lstStyle/>
+          <a:p>
+            <a:endParaRPr lang="ru-RU"/>
+          </a:p>
+        </p:txBody>
+      </p:sp>
+    </p:spTree>
+    <p:extLst>
+      <p:ext uri="{BB962C8B-B14F-4D97-AF65-F5344CB8AC3E}">
+        <p14:creationId xmlns:p14="http://schemas.microsoft.com/office/powerpoint/2010/main" val="2951086064"/>
+      </p:ext>
+    </p:extLst>
+  </p:cSld>
+  <p:clrMapOvr>
+    <a:masterClrMapping/>
+  </p:clrMapOvr>
+</p:sld>
+</file>
+
+<file path=ppt/slides/slide14.xml><?xml version="1.0" encoding="utf-8"?>
+<p:sld xmlns:a="http://schemas.openxmlformats.org/drawingml/2006/main" xmlns:r="http://schemas.openxmlformats.org/officeDocument/2006/relationships" xmlns:p="http://schemas.openxmlformats.org/presentationml/2006/main">
+  <p:cSld>
+    <p:spTree>
+      <p:nvGrpSpPr>
+        <p:cNvPr id="1" name=""/>
+        <p:cNvGrpSpPr/>
+        <p:nvPr/>
+      </p:nvGrpSpPr>
+      <p:grpSpPr>
+        <a:xfrm>
+          <a:off x="0" y="0"/>
+          <a:ext cx="0" cy="0"/>
+          <a:chOff x="0" y="0"/>
+          <a:chExt cx="0" cy="0"/>
+        </a:xfrm>
+      </p:grpSpPr>
+      <p:sp>
+        <p:nvSpPr>
+          <p:cNvPr id="2" name="Заголовок 1">
+            <a:extLst>
+              <a:ext uri="{FF2B5EF4-FFF2-40B4-BE49-F238E27FC236}">
+                <a16:creationId xmlns:a16="http://schemas.microsoft.com/office/drawing/2014/main" id="{B651B79C-3A0D-49EA-B4DC-84ED5A9C0901}"/>
+              </a:ext>
+            </a:extLst>
+          </p:cNvPr>
+          <p:cNvSpPr>
+            <a:spLocks noGrp="1"/>
+          </p:cNvSpPr>
+          <p:nvPr>
+            <p:ph type="title"/>
+          </p:nvPr>
+        </p:nvSpPr>
+        <p:spPr/>
+        <p:txBody>
+          <a:bodyPr/>
+          <a:lstStyle/>
+          <a:p>
+            <a:pPr algn="ctr"/>
+            <a:r>
+              <a:rPr lang="lv-LV" b="1" dirty="0">
+                <a:latin typeface="Times New Roman" panose="02020603050405020304" pitchFamily="18" charset="0"/>
+                <a:cs typeface="Times New Roman" panose="02020603050405020304" pitchFamily="18" charset="0"/>
+              </a:rPr>
+              <a:t>Izmantojamie Avoti</a:t>
+            </a:r>
+            <a:endParaRPr lang="ru-RU" b="1" dirty="0">
+              <a:latin typeface="Times New Roman" panose="02020603050405020304" pitchFamily="18" charset="0"/>
+              <a:cs typeface="Times New Roman" panose="02020603050405020304" pitchFamily="18" charset="0"/>
+            </a:endParaRPr>
+          </a:p>
+        </p:txBody>
+      </p:sp>
+      <p:sp>
+        <p:nvSpPr>
+          <p:cNvPr id="3" name="Объект 2">
+            <a:extLst>
+              <a:ext uri="{FF2B5EF4-FFF2-40B4-BE49-F238E27FC236}">
+                <a16:creationId xmlns:a16="http://schemas.microsoft.com/office/drawing/2014/main" id="{485AB5B9-2D12-4C8D-89C4-FCA3263DBC47}"/>
+              </a:ext>
+            </a:extLst>
+          </p:cNvPr>
+          <p:cNvSpPr>
+            <a:spLocks noGrp="1"/>
+          </p:cNvSpPr>
+          <p:nvPr>
+            <p:ph idx="1"/>
+          </p:nvPr>
+        </p:nvSpPr>
+        <p:spPr>
+          <a:xfrm>
+            <a:off x="825910" y="1661652"/>
+            <a:ext cx="10221501" cy="4129549"/>
+          </a:xfrm>
+        </p:spPr>
+        <p:txBody>
+          <a:bodyPr/>
+          <a:lstStyle/>
+          <a:p>
+            <a:r>
+              <a:rPr lang="en-US" dirty="0">
+                <a:hlinkClick r:id="rId2"/>
+              </a:rPr>
+              <a:t>https://builtin.com/software-engineering-perspectives/for-loop-vs-while-loop</a:t>
+            </a:r>
+            <a:endParaRPr lang="lv-LV" dirty="0"/>
+          </a:p>
+          <a:p>
+            <a:r>
+              <a:rPr lang="en-US" dirty="0">
+                <a:hlinkClick r:id="rId3"/>
+              </a:rPr>
+              <a:t>https://www.w3schools.com/python/python_while_loops.asp</a:t>
+            </a:r>
+            <a:endParaRPr lang="lv-LV" dirty="0"/>
+          </a:p>
+          <a:p>
+            <a:r>
+              <a:rPr lang="en-US" dirty="0">
+                <a:hlinkClick r:id="rId4"/>
+              </a:rPr>
+              <a:t>https://pythontutor.ru/lessons/while/</a:t>
+            </a:r>
+            <a:endParaRPr lang="lv-LV" dirty="0"/>
+          </a:p>
+          <a:p>
+            <a:r>
+              <a:rPr lang="en-US" dirty="0">
+                <a:hlinkClick r:id="rId5"/>
+              </a:rPr>
+              <a:t>https://skolo.lv/mod/book/view.php?id=81332297&amp;chapterid=343085</a:t>
+            </a:r>
+            <a:endParaRPr lang="lv-LV" dirty="0"/>
+          </a:p>
+          <a:p>
+            <a:r>
+              <a:rPr lang="en-US" dirty="0">
+                <a:hlinkClick r:id="rId6"/>
+              </a:rPr>
+              <a:t>https://medium.com/@rezapurnama1997/pros-cons-using-while-loops-in-python-5b9bf9b464be</a:t>
+            </a:r>
+            <a:endParaRPr lang="ru-RU" dirty="0"/>
+          </a:p>
+        </p:txBody>
+      </p:sp>
+    </p:spTree>
+    <p:extLst>
+      <p:ext uri="{BB962C8B-B14F-4D97-AF65-F5344CB8AC3E}">
+        <p14:creationId xmlns:p14="http://schemas.microsoft.com/office/powerpoint/2010/main" val="3696245583"/>
+      </p:ext>
+    </p:extLst>
+  </p:cSld>
+  <p:clrMapOvr>
+    <a:masterClrMapping/>
+  </p:clrMapOvr>
+</p:sld>
+</file>
+
+<file path=ppt/slides/slide15.xml><?xml version="1.0" encoding="utf-8"?>
+<p:sld xmlns:a="http://schemas.openxmlformats.org/drawingml/2006/main" xmlns:r="http://schemas.openxmlformats.org/officeDocument/2006/relationships" xmlns:p="http://schemas.openxmlformats.org/presentationml/2006/main">
+  <p:cSld>
+    <p:spTree>
+      <p:nvGrpSpPr>
+        <p:cNvPr id="1" name=""/>
+        <p:cNvGrpSpPr/>
+        <p:nvPr/>
+      </p:nvGrpSpPr>
+      <p:grpSpPr>
+        <a:xfrm>
+          <a:off x="0" y="0"/>
+          <a:ext cx="0" cy="0"/>
+          <a:chOff x="0" y="0"/>
+          <a:chExt cx="0" cy="0"/>
+        </a:xfrm>
+      </p:grpSpPr>
+      <p:sp>
+        <p:nvSpPr>
+          <p:cNvPr id="2" name="Заголовок 1">
+            <a:extLst>
+              <a:ext uri="{FF2B5EF4-FFF2-40B4-BE49-F238E27FC236}">
+                <a16:creationId xmlns:a16="http://schemas.microsoft.com/office/drawing/2014/main" id="{6257988C-BD4A-439C-9123-3017E4DF625A}"/>
+              </a:ext>
+            </a:extLst>
+          </p:cNvPr>
+          <p:cNvSpPr>
+            <a:spLocks noGrp="1"/>
+          </p:cNvSpPr>
+          <p:nvPr>
+            <p:ph type="title"/>
+          </p:nvPr>
+        </p:nvSpPr>
+        <p:spPr>
+          <a:xfrm>
+            <a:off x="1143001" y="2761950"/>
+            <a:ext cx="9905998" cy="1478570"/>
+          </a:xfrm>
+        </p:spPr>
+        <p:txBody>
+          <a:bodyPr>
+            <a:normAutofit/>
+          </a:bodyPr>
+          <a:lstStyle/>
+          <a:p>
+            <a:pPr algn="ctr"/>
+            <a:r>
+              <a:rPr lang="lv-LV" sz="5400" b="1" dirty="0">
+                <a:latin typeface="Times New Roman" panose="02020603050405020304" pitchFamily="18" charset="0"/>
+                <a:cs typeface="Times New Roman" panose="02020603050405020304" pitchFamily="18" charset="0"/>
+              </a:rPr>
+              <a:t>Paldies par uzmanību!</a:t>
+            </a:r>
+            <a:endParaRPr lang="ru-RU" sz="5400" b="1" dirty="0">
+              <a:latin typeface="Times New Roman" panose="02020603050405020304" pitchFamily="18" charset="0"/>
+              <a:cs typeface="Times New Roman" panose="02020603050405020304" pitchFamily="18" charset="0"/>
+            </a:endParaRPr>
+          </a:p>
+        </p:txBody>
+      </p:sp>
+    </p:spTree>
+    <p:extLst>
+      <p:ext uri="{BB962C8B-B14F-4D97-AF65-F5344CB8AC3E}">
+        <p14:creationId xmlns:p14="http://schemas.microsoft.com/office/powerpoint/2010/main" val="2283966474"/>
+      </p:ext>
+    </p:extLst>
+  </p:cSld>
+  <p:clrMapOvr>
+    <a:masterClrMapping/>
+  </p:clrMapOvr>
+</p:sld>
+</file>
+
 <file path=ppt/slides/slide2.xml><?xml version="1.0" encoding="utf-8"?>
 <p:sld xmlns:a="http://schemas.openxmlformats.org/drawingml/2006/main" xmlns:r="http://schemas.openxmlformats.org/officeDocument/2006/relationships" xmlns:p="http://schemas.openxmlformats.org/presentationml/2006/main">
   <p:cSld>
@@ -14066,7 +14749,7 @@
           <p:cNvPr id="2" name="Заголовок 1">
             <a:extLst>
               <a:ext uri="{FF2B5EF4-FFF2-40B4-BE49-F238E27FC236}">
-                <a16:creationId xmlns:a16="http://schemas.microsoft.com/office/drawing/2014/main" id="{B651B79C-3A0D-49EA-B4DC-84ED5A9C0901}"/>
+                <a16:creationId xmlns:a16="http://schemas.microsoft.com/office/drawing/2014/main" id="{E4A14466-EDFC-4B59-966A-D5967849371B}"/>
               </a:ext>
             </a:extLst>
           </p:cNvPr>
@@ -14077,20 +14760,32 @@
             <p:ph type="title"/>
           </p:nvPr>
         </p:nvSpPr>
-        <p:spPr/>
+        <p:spPr>
+          <a:xfrm>
+            <a:off x="1052923" y="0"/>
+            <a:ext cx="9905998" cy="1478570"/>
+          </a:xfrm>
+        </p:spPr>
         <p:txBody>
           <a:bodyPr/>
           <a:lstStyle/>
           <a:p>
             <a:pPr algn="ctr"/>
             <a:r>
-              <a:rPr lang="lv-LV" b="1" dirty="0">
+              <a:rPr lang="lv-LV" dirty="0" err="1">
                 <a:latin typeface="Times New Roman" panose="02020603050405020304" pitchFamily="18" charset="0"/>
                 <a:cs typeface="Times New Roman" panose="02020603050405020304" pitchFamily="18" charset="0"/>
               </a:rPr>
-              <a:t>Izmantojamie Avoti</a:t>
-            </a:r>
-            <a:endParaRPr lang="ru-RU" b="1" dirty="0">
+              <a:t>While</a:t>
+            </a:r>
+            <a:r>
+              <a:rPr lang="lv-LV" dirty="0">
+                <a:latin typeface="Times New Roman" panose="02020603050405020304" pitchFamily="18" charset="0"/>
+                <a:cs typeface="Times New Roman" panose="02020603050405020304" pitchFamily="18" charset="0"/>
+              </a:rPr>
+              <a:t> Izmanto</a:t>
+            </a:r>
+            <a:endParaRPr lang="ru-RU" dirty="0">
               <a:latin typeface="Times New Roman" panose="02020603050405020304" pitchFamily="18" charset="0"/>
               <a:cs typeface="Times New Roman" panose="02020603050405020304" pitchFamily="18" charset="0"/>
             </a:endParaRPr>
@@ -14102,7 +14797,7 @@
           <p:cNvPr id="3" name="Объект 2">
             <a:extLst>
               <a:ext uri="{FF2B5EF4-FFF2-40B4-BE49-F238E27FC236}">
-                <a16:creationId xmlns:a16="http://schemas.microsoft.com/office/drawing/2014/main" id="{485AB5B9-2D12-4C8D-89C4-FCA3263DBC47}"/>
+                <a16:creationId xmlns:a16="http://schemas.microsoft.com/office/drawing/2014/main" id="{8509E9A8-F0DE-49FD-985C-A86AE51A8403}"/>
               </a:ext>
             </a:extLst>
           </p:cNvPr>
@@ -14113,66 +14808,301 @@
             <p:ph idx="1"/>
           </p:nvPr>
         </p:nvSpPr>
-        <p:spPr>
-          <a:xfrm>
-            <a:off x="825910" y="1661652"/>
-            <a:ext cx="10221501" cy="4129549"/>
-          </a:xfrm>
-        </p:spPr>
+        <p:spPr/>
         <p:txBody>
           <a:bodyPr/>
           <a:lstStyle/>
           <a:p>
-            <a:r>
-              <a:rPr lang="en-US" dirty="0">
-                <a:hlinkClick r:id="rId2"/>
-              </a:rPr>
-              <a:t>https://builtin.com/software-engineering-perspectives/for-loop-vs-while-loop</a:t>
-            </a:r>
-            <a:endParaRPr lang="lv-LV" dirty="0"/>
-          </a:p>
-          <a:p>
-            <a:r>
-              <a:rPr lang="en-US" dirty="0">
-                <a:hlinkClick r:id="rId3"/>
-              </a:rPr>
-              <a:t>https://www.w3schools.com/python/python_while_loops.asp</a:t>
-            </a:r>
-            <a:endParaRPr lang="lv-LV" dirty="0"/>
-          </a:p>
-          <a:p>
-            <a:r>
-              <a:rPr lang="en-US" dirty="0">
-                <a:hlinkClick r:id="rId4"/>
-              </a:rPr>
-              <a:t>https://pythontutor.ru/lessons/while/</a:t>
-            </a:r>
-            <a:endParaRPr lang="lv-LV" dirty="0"/>
-          </a:p>
-          <a:p>
-            <a:r>
-              <a:rPr lang="en-US" dirty="0">
-                <a:hlinkClick r:id="rId5"/>
-              </a:rPr>
-              <a:t>https://skolo.lv/mod/book/view.php?id=81332297&amp;chapterid=343085</a:t>
-            </a:r>
-            <a:endParaRPr lang="lv-LV" dirty="0"/>
-          </a:p>
-          <a:p>
-            <a:r>
-              <a:rPr lang="en-US" dirty="0">
-                <a:hlinkClick r:id="rId6"/>
-              </a:rPr>
-              <a:t>https://medium.com/@rezapurnama1997/pros-cons-using-while-loops-in-python-5b9bf9b464be</a:t>
-            </a:r>
             <a:endParaRPr lang="ru-RU" dirty="0"/>
           </a:p>
         </p:txBody>
       </p:sp>
+      <p:pic>
+        <p:nvPicPr>
+          <p:cNvPr id="1028" name="Picture 4">
+            <a:extLst>
+              <a:ext uri="{FF2B5EF4-FFF2-40B4-BE49-F238E27FC236}">
+                <a16:creationId xmlns:a16="http://schemas.microsoft.com/office/drawing/2014/main" id="{99292726-A8F5-4DD5-BE1B-4F649073558E}"/>
+              </a:ext>
+            </a:extLst>
+          </p:cNvPr>
+          <p:cNvPicPr>
+            <a:picLocks noChangeAspect="1" noChangeArrowheads="1"/>
+          </p:cNvPicPr>
+          <p:nvPr/>
+        </p:nvPicPr>
+        <p:blipFill>
+          <a:blip r:embed="rId2">
+            <a:extLst>
+              <a:ext uri="{28A0092B-C50C-407E-A947-70E740481C1C}">
+                <a14:useLocalDpi xmlns:a14="http://schemas.microsoft.com/office/drawing/2010/main" val="0"/>
+              </a:ext>
+            </a:extLst>
+          </a:blip>
+          <a:srcRect/>
+          <a:stretch>
+            <a:fillRect/>
+          </a:stretch>
+        </p:blipFill>
+        <p:spPr bwMode="auto">
+          <a:xfrm>
+            <a:off x="1464084" y="1215000"/>
+            <a:ext cx="3494889" cy="1034487"/>
+          </a:xfrm>
+          <a:prstGeom prst="rect">
+            <a:avLst/>
+          </a:prstGeom>
+          <a:noFill/>
+          <a:extLst>
+            <a:ext uri="{909E8E84-426E-40DD-AFC4-6F175D3DCCD1}">
+              <a14:hiddenFill xmlns:a14="http://schemas.microsoft.com/office/drawing/2010/main">
+                <a:solidFill>
+                  <a:srgbClr val="FFFFFF"/>
+                </a:solidFill>
+              </a14:hiddenFill>
+            </a:ext>
+          </a:extLst>
+        </p:spPr>
+      </p:pic>
+      <p:pic>
+        <p:nvPicPr>
+          <p:cNvPr id="1030" name="Picture 6">
+            <a:extLst>
+              <a:ext uri="{FF2B5EF4-FFF2-40B4-BE49-F238E27FC236}">
+                <a16:creationId xmlns:a16="http://schemas.microsoft.com/office/drawing/2014/main" id="{F13A72BA-35E0-4310-AB07-A04A15CE9FD2}"/>
+              </a:ext>
+            </a:extLst>
+          </p:cNvPr>
+          <p:cNvPicPr>
+            <a:picLocks noChangeAspect="1" noChangeArrowheads="1"/>
+          </p:cNvPicPr>
+          <p:nvPr/>
+        </p:nvPicPr>
+        <p:blipFill>
+          <a:blip r:embed="rId3">
+            <a:extLst>
+              <a:ext uri="{28A0092B-C50C-407E-A947-70E740481C1C}">
+                <a14:useLocalDpi xmlns:a14="http://schemas.microsoft.com/office/drawing/2010/main" val="0"/>
+              </a:ext>
+            </a:extLst>
+          </a:blip>
+          <a:srcRect/>
+          <a:stretch>
+            <a:fillRect/>
+          </a:stretch>
+        </p:blipFill>
+        <p:spPr bwMode="auto">
+          <a:xfrm>
+            <a:off x="4605012" y="2592949"/>
+            <a:ext cx="952500" cy="1743075"/>
+          </a:xfrm>
+          <a:prstGeom prst="rect">
+            <a:avLst/>
+          </a:prstGeom>
+          <a:noFill/>
+          <a:extLst>
+            <a:ext uri="{909E8E84-426E-40DD-AFC4-6F175D3DCCD1}">
+              <a14:hiddenFill xmlns:a14="http://schemas.microsoft.com/office/drawing/2010/main">
+                <a:solidFill>
+                  <a:srgbClr val="FFFFFF"/>
+                </a:solidFill>
+              </a14:hiddenFill>
+            </a:ext>
+          </a:extLst>
+        </p:spPr>
+      </p:pic>
+      <p:pic>
+        <p:nvPicPr>
+          <p:cNvPr id="1032" name="Picture 8">
+            <a:extLst>
+              <a:ext uri="{FF2B5EF4-FFF2-40B4-BE49-F238E27FC236}">
+                <a16:creationId xmlns:a16="http://schemas.microsoft.com/office/drawing/2014/main" id="{2DF63D0F-9885-46F4-BFB9-8D6393D5680A}"/>
+              </a:ext>
+            </a:extLst>
+          </p:cNvPr>
+          <p:cNvPicPr>
+            <a:picLocks noChangeAspect="1" noChangeArrowheads="1"/>
+          </p:cNvPicPr>
+          <p:nvPr/>
+        </p:nvPicPr>
+        <p:blipFill>
+          <a:blip r:embed="rId4">
+            <a:extLst>
+              <a:ext uri="{28A0092B-C50C-407E-A947-70E740481C1C}">
+                <a14:useLocalDpi xmlns:a14="http://schemas.microsoft.com/office/drawing/2010/main" val="0"/>
+              </a:ext>
+            </a:extLst>
+          </a:blip>
+          <a:srcRect/>
+          <a:stretch>
+            <a:fillRect/>
+          </a:stretch>
+        </p:blipFill>
+        <p:spPr bwMode="auto">
+          <a:xfrm>
+            <a:off x="6244447" y="1215000"/>
+            <a:ext cx="1143000" cy="1285875"/>
+          </a:xfrm>
+          <a:prstGeom prst="rect">
+            <a:avLst/>
+          </a:prstGeom>
+          <a:noFill/>
+          <a:extLst>
+            <a:ext uri="{909E8E84-426E-40DD-AFC4-6F175D3DCCD1}">
+              <a14:hiddenFill xmlns:a14="http://schemas.microsoft.com/office/drawing/2010/main">
+                <a:solidFill>
+                  <a:srgbClr val="FFFFFF"/>
+                </a:solidFill>
+              </a14:hiddenFill>
+            </a:ext>
+          </a:extLst>
+        </p:spPr>
+      </p:pic>
+      <p:pic>
+        <p:nvPicPr>
+          <p:cNvPr id="1034" name="Picture 10">
+            <a:extLst>
+              <a:ext uri="{FF2B5EF4-FFF2-40B4-BE49-F238E27FC236}">
+                <a16:creationId xmlns:a16="http://schemas.microsoft.com/office/drawing/2014/main" id="{A8AE8C31-4E5F-4AF7-A334-2E19C80AF764}"/>
+              </a:ext>
+            </a:extLst>
+          </p:cNvPr>
+          <p:cNvPicPr>
+            <a:picLocks noChangeAspect="1" noChangeArrowheads="1"/>
+          </p:cNvPicPr>
+          <p:nvPr/>
+        </p:nvPicPr>
+        <p:blipFill>
+          <a:blip r:embed="rId5">
+            <a:extLst>
+              <a:ext uri="{28A0092B-C50C-407E-A947-70E740481C1C}">
+                <a14:useLocalDpi xmlns:a14="http://schemas.microsoft.com/office/drawing/2010/main" val="0"/>
+              </a:ext>
+            </a:extLst>
+          </a:blip>
+          <a:srcRect/>
+          <a:stretch>
+            <a:fillRect/>
+          </a:stretch>
+        </p:blipFill>
+        <p:spPr bwMode="auto">
+          <a:xfrm>
+            <a:off x="8155520" y="1365220"/>
+            <a:ext cx="1835612" cy="985434"/>
+          </a:xfrm>
+          <a:prstGeom prst="rect">
+            <a:avLst/>
+          </a:prstGeom>
+          <a:noFill/>
+          <a:extLst>
+            <a:ext uri="{909E8E84-426E-40DD-AFC4-6F175D3DCCD1}">
+              <a14:hiddenFill xmlns:a14="http://schemas.microsoft.com/office/drawing/2010/main">
+                <a:solidFill>
+                  <a:srgbClr val="FFFFFF"/>
+                </a:solidFill>
+              </a14:hiddenFill>
+            </a:ext>
+          </a:extLst>
+        </p:spPr>
+      </p:pic>
+      <p:pic>
+        <p:nvPicPr>
+          <p:cNvPr id="1036" name="Picture 12">
+            <a:extLst>
+              <a:ext uri="{FF2B5EF4-FFF2-40B4-BE49-F238E27FC236}">
+                <a16:creationId xmlns:a16="http://schemas.microsoft.com/office/drawing/2014/main" id="{8EB7E60A-4F63-445B-A97F-969FD1189265}"/>
+              </a:ext>
+            </a:extLst>
+          </p:cNvPr>
+          <p:cNvPicPr>
+            <a:picLocks noChangeAspect="1" noChangeArrowheads="1"/>
+          </p:cNvPicPr>
+          <p:nvPr/>
+        </p:nvPicPr>
+        <p:blipFill>
+          <a:blip r:embed="rId6">
+            <a:extLst>
+              <a:ext uri="{28A0092B-C50C-407E-A947-70E740481C1C}">
+                <a14:useLocalDpi xmlns:a14="http://schemas.microsoft.com/office/drawing/2010/main" val="0"/>
+              </a:ext>
+            </a:extLst>
+          </a:blip>
+          <a:srcRect/>
+          <a:stretch>
+            <a:fillRect/>
+          </a:stretch>
+        </p:blipFill>
+        <p:spPr bwMode="auto">
+          <a:xfrm>
+            <a:off x="1464084" y="2936060"/>
+            <a:ext cx="1905000" cy="1905000"/>
+          </a:xfrm>
+          <a:prstGeom prst="rect">
+            <a:avLst/>
+          </a:prstGeom>
+          <a:noFill/>
+          <a:extLst>
+            <a:ext uri="{909E8E84-426E-40DD-AFC4-6F175D3DCCD1}">
+              <a14:hiddenFill xmlns:a14="http://schemas.microsoft.com/office/drawing/2010/main">
+                <a:solidFill>
+                  <a:srgbClr val="FFFFFF"/>
+                </a:solidFill>
+              </a14:hiddenFill>
+            </a:ext>
+          </a:extLst>
+        </p:spPr>
+      </p:pic>
+      <p:pic>
+        <p:nvPicPr>
+          <p:cNvPr id="1038" name="Picture 14">
+            <a:extLst>
+              <a:ext uri="{FF2B5EF4-FFF2-40B4-BE49-F238E27FC236}">
+                <a16:creationId xmlns:a16="http://schemas.microsoft.com/office/drawing/2014/main" id="{41379D87-49DC-4A44-9415-430750B3ABB7}"/>
+              </a:ext>
+            </a:extLst>
+          </p:cNvPr>
+          <p:cNvPicPr>
+            <a:picLocks noChangeAspect="1" noChangeArrowheads="1"/>
+          </p:cNvPicPr>
+          <p:nvPr/>
+        </p:nvPicPr>
+        <p:blipFill>
+          <a:blip r:embed="rId7">
+            <a:extLst>
+              <a:ext uri="{28A0092B-C50C-407E-A947-70E740481C1C}">
+                <a14:useLocalDpi xmlns:a14="http://schemas.microsoft.com/office/drawing/2010/main" val="0"/>
+              </a:ext>
+            </a:extLst>
+          </a:blip>
+          <a:srcRect/>
+          <a:stretch>
+            <a:fillRect/>
+          </a:stretch>
+        </p:blipFill>
+        <p:spPr bwMode="auto">
+          <a:xfrm>
+            <a:off x="6562860" y="3210814"/>
+            <a:ext cx="2758632" cy="1034487"/>
+          </a:xfrm>
+          <a:prstGeom prst="rect">
+            <a:avLst/>
+          </a:prstGeom>
+          <a:noFill/>
+          <a:extLst>
+            <a:ext uri="{909E8E84-426E-40DD-AFC4-6F175D3DCCD1}">
+              <a14:hiddenFill xmlns:a14="http://schemas.microsoft.com/office/drawing/2010/main">
+                <a:solidFill>
+                  <a:srgbClr val="FFFFFF"/>
+                </a:solidFill>
+              </a14:hiddenFill>
+            </a:ext>
+          </a:extLst>
+        </p:spPr>
+      </p:pic>
     </p:spTree>
     <p:extLst>
       <p:ext uri="{BB962C8B-B14F-4D97-AF65-F5344CB8AC3E}">
-        <p14:creationId xmlns:p14="http://schemas.microsoft.com/office/powerpoint/2010/main" val="3696245583"/>
+        <p14:creationId xmlns:p14="http://schemas.microsoft.com/office/powerpoint/2010/main" val="4260286431"/>
       </p:ext>
     </p:extLst>
   </p:cSld>
@@ -14204,7 +15134,7 @@
           <p:cNvPr id="2" name="Заголовок 1">
             <a:extLst>
               <a:ext uri="{FF2B5EF4-FFF2-40B4-BE49-F238E27FC236}">
-                <a16:creationId xmlns:a16="http://schemas.microsoft.com/office/drawing/2014/main" id="{6257988C-BD4A-439C-9123-3017E4DF625A}"/>
+                <a16:creationId xmlns:a16="http://schemas.microsoft.com/office/drawing/2014/main" id="{B4310043-50CE-4628-B27F-CC7E63F94D02}"/>
               </a:ext>
             </a:extLst>
           </p:cNvPr>
@@ -14215,37 +15145,244 @@
             <p:ph type="title"/>
           </p:nvPr>
         </p:nvSpPr>
-        <p:spPr>
-          <a:xfrm>
-            <a:off x="1143001" y="2761950"/>
-            <a:ext cx="9905998" cy="1478570"/>
-          </a:xfrm>
-        </p:spPr>
+        <p:spPr/>
         <p:txBody>
-          <a:bodyPr>
-            <a:normAutofit/>
-          </a:bodyPr>
+          <a:bodyPr/>
           <a:lstStyle/>
           <a:p>
             <a:pPr algn="ctr"/>
             <a:r>
-              <a:rPr lang="lv-LV" sz="5400" b="1" dirty="0">
+              <a:rPr lang="en-US" dirty="0" err="1">
                 <a:latin typeface="Times New Roman" panose="02020603050405020304" pitchFamily="18" charset="0"/>
                 <a:cs typeface="Times New Roman" panose="02020603050405020304" pitchFamily="18" charset="0"/>
               </a:rPr>
-              <a:t>Paldies par uzmanību!</a:t>
-            </a:r>
-            <a:endParaRPr lang="ru-RU" sz="5400" b="1" dirty="0">
+              <a:t>Koda</a:t>
+            </a:r>
+            <a:r>
+              <a:rPr lang="en-US" dirty="0">
+                <a:latin typeface="Times New Roman" panose="02020603050405020304" pitchFamily="18" charset="0"/>
+                <a:cs typeface="Times New Roman" panose="02020603050405020304" pitchFamily="18" charset="0"/>
+              </a:rPr>
+              <a:t> </a:t>
+            </a:r>
+            <a:r>
+              <a:rPr lang="en-US" dirty="0" err="1">
+                <a:latin typeface="Times New Roman" panose="02020603050405020304" pitchFamily="18" charset="0"/>
+                <a:cs typeface="Times New Roman" panose="02020603050405020304" pitchFamily="18" charset="0"/>
+              </a:rPr>
+              <a:t>piem</a:t>
+            </a:r>
+            <a:r>
+              <a:rPr lang="lv-LV" dirty="0" err="1">
+                <a:latin typeface="Times New Roman" panose="02020603050405020304" pitchFamily="18" charset="0"/>
+                <a:cs typeface="Times New Roman" panose="02020603050405020304" pitchFamily="18" charset="0"/>
+              </a:rPr>
+              <a:t>ērs</a:t>
+            </a:r>
+            <a:r>
+              <a:rPr lang="lv-LV" dirty="0">
+                <a:latin typeface="Times New Roman" panose="02020603050405020304" pitchFamily="18" charset="0"/>
+                <a:cs typeface="Times New Roman" panose="02020603050405020304" pitchFamily="18" charset="0"/>
+              </a:rPr>
+              <a:t> 1</a:t>
+            </a:r>
+            <a:endParaRPr lang="ru-RU" dirty="0">
               <a:latin typeface="Times New Roman" panose="02020603050405020304" pitchFamily="18" charset="0"/>
               <a:cs typeface="Times New Roman" panose="02020603050405020304" pitchFamily="18" charset="0"/>
             </a:endParaRPr>
           </a:p>
         </p:txBody>
       </p:sp>
+      <p:pic>
+        <p:nvPicPr>
+          <p:cNvPr id="4" name="Рисунок 3">
+            <a:extLst>
+              <a:ext uri="{FF2B5EF4-FFF2-40B4-BE49-F238E27FC236}">
+                <a16:creationId xmlns:a16="http://schemas.microsoft.com/office/drawing/2014/main" id="{F44B4C2E-D055-4160-86A1-B08D0F9643F9}"/>
+              </a:ext>
+            </a:extLst>
+          </p:cNvPr>
+          <p:cNvPicPr>
+            <a:picLocks noChangeAspect="1"/>
+          </p:cNvPicPr>
+          <p:nvPr/>
+        </p:nvPicPr>
+        <p:blipFill>
+          <a:blip r:embed="rId2"/>
+          <a:stretch>
+            <a:fillRect/>
+          </a:stretch>
+        </p:blipFill>
+        <p:spPr>
+          <a:xfrm>
+            <a:off x="2733727" y="1672109"/>
+            <a:ext cx="2886075" cy="1885950"/>
+          </a:xfrm>
+          <a:prstGeom prst="rect">
+            <a:avLst/>
+          </a:prstGeom>
+        </p:spPr>
+      </p:pic>
+      <p:pic>
+        <p:nvPicPr>
+          <p:cNvPr id="6" name="Рисунок 5">
+            <a:extLst>
+              <a:ext uri="{FF2B5EF4-FFF2-40B4-BE49-F238E27FC236}">
+                <a16:creationId xmlns:a16="http://schemas.microsoft.com/office/drawing/2014/main" id="{D2BCE562-6309-451A-A200-A91DCBB863B3}"/>
+              </a:ext>
+            </a:extLst>
+          </p:cNvPr>
+          <p:cNvPicPr>
+            <a:picLocks noChangeAspect="1"/>
+          </p:cNvPicPr>
+          <p:nvPr/>
+        </p:nvPicPr>
+        <p:blipFill>
+          <a:blip r:embed="rId3"/>
+          <a:stretch>
+            <a:fillRect/>
+          </a:stretch>
+        </p:blipFill>
+        <p:spPr>
+          <a:xfrm>
+            <a:off x="6267695" y="3429000"/>
+            <a:ext cx="2102373" cy="1611819"/>
+          </a:xfrm>
+          <a:prstGeom prst="rect">
+            <a:avLst/>
+          </a:prstGeom>
+        </p:spPr>
+      </p:pic>
     </p:spTree>
     <p:extLst>
       <p:ext uri="{BB962C8B-B14F-4D97-AF65-F5344CB8AC3E}">
-        <p14:creationId xmlns:p14="http://schemas.microsoft.com/office/powerpoint/2010/main" val="2283966474"/>
+        <p14:creationId xmlns:p14="http://schemas.microsoft.com/office/powerpoint/2010/main" val="4120637684"/>
+      </p:ext>
+    </p:extLst>
+  </p:cSld>
+  <p:clrMapOvr>
+    <a:masterClrMapping/>
+  </p:clrMapOvr>
+</p:sld>
+</file>
+
+<file path=ppt/slides/slide9.xml><?xml version="1.0" encoding="utf-8"?>
+<p:sld xmlns:a="http://schemas.openxmlformats.org/drawingml/2006/main" xmlns:r="http://schemas.openxmlformats.org/officeDocument/2006/relationships" xmlns:p="http://schemas.openxmlformats.org/presentationml/2006/main">
+  <p:cSld>
+    <p:spTree>
+      <p:nvGrpSpPr>
+        <p:cNvPr id="1" name=""/>
+        <p:cNvGrpSpPr/>
+        <p:nvPr/>
+      </p:nvGrpSpPr>
+      <p:grpSpPr>
+        <a:xfrm>
+          <a:off x="0" y="0"/>
+          <a:ext cx="0" cy="0"/>
+          <a:chOff x="0" y="0"/>
+          <a:chExt cx="0" cy="0"/>
+        </a:xfrm>
+      </p:grpSpPr>
+      <p:sp>
+        <p:nvSpPr>
+          <p:cNvPr id="2" name="Заголовок 1">
+            <a:extLst>
+              <a:ext uri="{FF2B5EF4-FFF2-40B4-BE49-F238E27FC236}">
+                <a16:creationId xmlns:a16="http://schemas.microsoft.com/office/drawing/2014/main" id="{08D23036-D03A-4EF9-B66C-34B1365A0B04}"/>
+              </a:ext>
+            </a:extLst>
+          </p:cNvPr>
+          <p:cNvSpPr>
+            <a:spLocks noGrp="1"/>
+          </p:cNvSpPr>
+          <p:nvPr>
+            <p:ph type="title"/>
+          </p:nvPr>
+        </p:nvSpPr>
+        <p:spPr/>
+        <p:txBody>
+          <a:bodyPr/>
+          <a:lstStyle/>
+          <a:p>
+            <a:pPr algn="ctr"/>
+            <a:r>
+              <a:rPr lang="lv-LV" dirty="0">
+                <a:latin typeface="Times New Roman" panose="02020603050405020304" pitchFamily="18" charset="0"/>
+                <a:cs typeface="Times New Roman" panose="02020603050405020304" pitchFamily="18" charset="0"/>
+              </a:rPr>
+              <a:t>Koda Piemērs 2</a:t>
+            </a:r>
+            <a:endParaRPr lang="ru-RU" dirty="0">
+              <a:latin typeface="Times New Roman" panose="02020603050405020304" pitchFamily="18" charset="0"/>
+              <a:cs typeface="Times New Roman" panose="02020603050405020304" pitchFamily="18" charset="0"/>
+            </a:endParaRPr>
+          </a:p>
+        </p:txBody>
+      </p:sp>
+      <p:pic>
+        <p:nvPicPr>
+          <p:cNvPr id="4" name="Рисунок 3">
+            <a:extLst>
+              <a:ext uri="{FF2B5EF4-FFF2-40B4-BE49-F238E27FC236}">
+                <a16:creationId xmlns:a16="http://schemas.microsoft.com/office/drawing/2014/main" id="{B33A5DAA-F6A2-4643-9C53-D1001B97DC85}"/>
+              </a:ext>
+            </a:extLst>
+          </p:cNvPr>
+          <p:cNvPicPr>
+            <a:picLocks noChangeAspect="1"/>
+          </p:cNvPicPr>
+          <p:nvPr/>
+        </p:nvPicPr>
+        <p:blipFill>
+          <a:blip r:embed="rId2"/>
+          <a:stretch>
+            <a:fillRect/>
+          </a:stretch>
+        </p:blipFill>
+        <p:spPr>
+          <a:xfrm>
+            <a:off x="1480038" y="1689379"/>
+            <a:ext cx="5715000" cy="2514600"/>
+          </a:xfrm>
+          <a:prstGeom prst="rect">
+            <a:avLst/>
+          </a:prstGeom>
+        </p:spPr>
+      </p:pic>
+      <p:pic>
+        <p:nvPicPr>
+          <p:cNvPr id="6" name="Рисунок 5">
+            <a:extLst>
+              <a:ext uri="{FF2B5EF4-FFF2-40B4-BE49-F238E27FC236}">
+                <a16:creationId xmlns:a16="http://schemas.microsoft.com/office/drawing/2014/main" id="{45FBF2DC-F044-42E6-84F1-61B97568E52D}"/>
+              </a:ext>
+            </a:extLst>
+          </p:cNvPr>
+          <p:cNvPicPr>
+            <a:picLocks noChangeAspect="1"/>
+          </p:cNvPicPr>
+          <p:nvPr/>
+        </p:nvPicPr>
+        <p:blipFill>
+          <a:blip r:embed="rId3"/>
+          <a:stretch>
+            <a:fillRect/>
+          </a:stretch>
+        </p:blipFill>
+        <p:spPr>
+          <a:xfrm>
+            <a:off x="1480038" y="4369965"/>
+            <a:ext cx="4600575" cy="1809750"/>
+          </a:xfrm>
+          <a:prstGeom prst="rect">
+            <a:avLst/>
+          </a:prstGeom>
+        </p:spPr>
+      </p:pic>
+    </p:spTree>
+    <p:extLst>
+      <p:ext uri="{BB962C8B-B14F-4D97-AF65-F5344CB8AC3E}">
+        <p14:creationId xmlns:p14="http://schemas.microsoft.com/office/powerpoint/2010/main" val="3703270613"/>
       </p:ext>
     </p:extLst>
   </p:cSld>

--- a/Bizjuks_Eksamens.pptx
+++ b/Bizjuks_Eksamens.pptx
@@ -17,9 +17,10 @@
     <p:sldId id="268" r:id="rId11"/>
     <p:sldId id="269" r:id="rId12"/>
     <p:sldId id="270" r:id="rId13"/>
-    <p:sldId id="271" r:id="rId14"/>
-    <p:sldId id="260" r:id="rId15"/>
-    <p:sldId id="261" r:id="rId16"/>
+    <p:sldId id="272" r:id="rId14"/>
+    <p:sldId id="271" r:id="rId15"/>
+    <p:sldId id="260" r:id="rId16"/>
+    <p:sldId id="261" r:id="rId17"/>
   </p:sldIdLst>
   <p:sldSz cx="12192000" cy="6858000"/>
   <p:notesSz cx="6858000" cy="9144000"/>
@@ -183,7 +184,7 @@
           <a:noFill/>
           <a:extLst>
             <a:ext uri="{909E8E84-426E-40dd-AFC4-6F175D3DCCD1}">
-              <a14:hiddenFill xmlns="" xmlns:a14="http://schemas.microsoft.com/office/drawing/2010/main">
+              <a14:hiddenFill xmlns:a14="http://schemas.microsoft.com/office/drawing/2010/main" xmlns="">
                 <a:solidFill>
                   <a:srgbClr val="FFFFFF"/>
                 </a:solidFill>
@@ -242,7 +243,7 @@
             </a:ln>
             <a:extLst>
               <a:ext uri="{91240B29-F687-4f45-9708-019B960494DF}">
-                <a14:hiddenLine xmlns="" xmlns:a14="http://schemas.microsoft.com/office/drawing/2010/main" w="9525">
+                <a14:hiddenLine xmlns:a14="http://schemas.microsoft.com/office/drawing/2010/main" xmlns="" w="9525">
                   <a:solidFill>
                     <a:srgbClr val="000000"/>
                   </a:solidFill>
@@ -332,7 +333,7 @@
             </a:ln>
             <a:extLst>
               <a:ext uri="{91240B29-F687-4f45-9708-019B960494DF}">
-                <a14:hiddenLine xmlns="" xmlns:a14="http://schemas.microsoft.com/office/drawing/2010/main" w="9525">
+                <a14:hiddenLine xmlns:a14="http://schemas.microsoft.com/office/drawing/2010/main" xmlns="" w="9525">
                   <a:solidFill>
                     <a:srgbClr val="000000"/>
                   </a:solidFill>
@@ -422,7 +423,7 @@
             </a:ln>
             <a:extLst>
               <a:ext uri="{91240B29-F687-4f45-9708-019B960494DF}">
-                <a14:hiddenLine xmlns="" xmlns:a14="http://schemas.microsoft.com/office/drawing/2010/main" w="9525">
+                <a14:hiddenLine xmlns:a14="http://schemas.microsoft.com/office/drawing/2010/main" xmlns="" w="9525">
                   <a:solidFill>
                     <a:srgbClr val="000000"/>
                   </a:solidFill>
@@ -456,7 +457,7 @@
             </a:ln>
             <a:extLst>
               <a:ext uri="{91240B29-F687-4f45-9708-019B960494DF}">
-                <a14:hiddenLine xmlns="" xmlns:a14="http://schemas.microsoft.com/office/drawing/2010/main" w="9525">
+                <a14:hiddenLine xmlns:a14="http://schemas.microsoft.com/office/drawing/2010/main" xmlns="" w="9525">
                   <a:solidFill>
                     <a:srgbClr val="000000"/>
                   </a:solidFill>
@@ -546,7 +547,7 @@
             </a:ln>
             <a:extLst>
               <a:ext uri="{91240B29-F687-4f45-9708-019B960494DF}">
-                <a14:hiddenLine xmlns="" xmlns:a14="http://schemas.microsoft.com/office/drawing/2010/main" w="9525">
+                <a14:hiddenLine xmlns:a14="http://schemas.microsoft.com/office/drawing/2010/main" xmlns="" w="9525">
                   <a:solidFill>
                     <a:srgbClr val="000000"/>
                   </a:solidFill>
@@ -608,7 +609,7 @@
             </a:ln>
             <a:extLst>
               <a:ext uri="{91240B29-F687-4f45-9708-019B960494DF}">
-                <a14:hiddenLine xmlns="" xmlns:a14="http://schemas.microsoft.com/office/drawing/2010/main" w="9525">
+                <a14:hiddenLine xmlns:a14="http://schemas.microsoft.com/office/drawing/2010/main" xmlns="" w="9525">
                   <a:solidFill>
                     <a:srgbClr val="000000"/>
                   </a:solidFill>
@@ -670,7 +671,7 @@
             </a:ln>
             <a:extLst>
               <a:ext uri="{91240B29-F687-4f45-9708-019B960494DF}">
-                <a14:hiddenLine xmlns="" xmlns:a14="http://schemas.microsoft.com/office/drawing/2010/main" w="9525">
+                <a14:hiddenLine xmlns:a14="http://schemas.microsoft.com/office/drawing/2010/main" xmlns="" w="9525">
                   <a:solidFill>
                     <a:srgbClr val="000000"/>
                   </a:solidFill>
@@ -760,7 +761,7 @@
             </a:ln>
             <a:extLst>
               <a:ext uri="{91240B29-F687-4f45-9708-019B960494DF}">
-                <a14:hiddenLine xmlns="" xmlns:a14="http://schemas.microsoft.com/office/drawing/2010/main" w="9525">
+                <a14:hiddenLine xmlns:a14="http://schemas.microsoft.com/office/drawing/2010/main" xmlns="" w="9525">
                   <a:solidFill>
                     <a:srgbClr val="000000"/>
                   </a:solidFill>
@@ -822,7 +823,7 @@
             </a:ln>
             <a:extLst>
               <a:ext uri="{91240B29-F687-4f45-9708-019B960494DF}">
-                <a14:hiddenLine xmlns="" xmlns:a14="http://schemas.microsoft.com/office/drawing/2010/main" w="9525">
+                <a14:hiddenLine xmlns:a14="http://schemas.microsoft.com/office/drawing/2010/main" xmlns="" w="9525">
                   <a:solidFill>
                     <a:srgbClr val="000000"/>
                   </a:solidFill>
@@ -884,7 +885,7 @@
             </a:ln>
             <a:extLst>
               <a:ext uri="{91240B29-F687-4f45-9708-019B960494DF}">
-                <a14:hiddenLine xmlns="" xmlns:a14="http://schemas.microsoft.com/office/drawing/2010/main" w="9525">
+                <a14:hiddenLine xmlns:a14="http://schemas.microsoft.com/office/drawing/2010/main" xmlns="" w="9525">
                   <a:solidFill>
                     <a:srgbClr val="000000"/>
                   </a:solidFill>
@@ -974,7 +975,7 @@
             </a:ln>
             <a:extLst>
               <a:ext uri="{91240B29-F687-4f45-9708-019B960494DF}">
-                <a14:hiddenLine xmlns="" xmlns:a14="http://schemas.microsoft.com/office/drawing/2010/main" w="9525">
+                <a14:hiddenLine xmlns:a14="http://schemas.microsoft.com/office/drawing/2010/main" xmlns="" w="9525">
                   <a:solidFill>
                     <a:srgbClr val="000000"/>
                   </a:solidFill>
@@ -1064,7 +1065,7 @@
             </a:ln>
             <a:extLst>
               <a:ext uri="{91240B29-F687-4f45-9708-019B960494DF}">
-                <a14:hiddenLine xmlns="" xmlns:a14="http://schemas.microsoft.com/office/drawing/2010/main" w="9525">
+                <a14:hiddenLine xmlns:a14="http://schemas.microsoft.com/office/drawing/2010/main" xmlns="" w="9525">
                   <a:solidFill>
                     <a:srgbClr val="000000"/>
                   </a:solidFill>
@@ -1126,7 +1127,7 @@
             </a:ln>
             <a:extLst>
               <a:ext uri="{91240B29-F687-4f45-9708-019B960494DF}">
-                <a14:hiddenLine xmlns="" xmlns:a14="http://schemas.microsoft.com/office/drawing/2010/main" w="9525">
+                <a14:hiddenLine xmlns:a14="http://schemas.microsoft.com/office/drawing/2010/main" xmlns="" w="9525">
                   <a:solidFill>
                     <a:srgbClr val="000000"/>
                   </a:solidFill>
@@ -1236,7 +1237,7 @@
             </a:ln>
             <a:extLst>
               <a:ext uri="{91240B29-F687-4f45-9708-019B960494DF}">
-                <a14:hiddenLine xmlns="" xmlns:a14="http://schemas.microsoft.com/office/drawing/2010/main" w="9525">
+                <a14:hiddenLine xmlns:a14="http://schemas.microsoft.com/office/drawing/2010/main" xmlns="" w="9525">
                   <a:solidFill>
                     <a:srgbClr val="000000"/>
                   </a:solidFill>
@@ -1298,7 +1299,7 @@
             </a:ln>
             <a:extLst>
               <a:ext uri="{91240B29-F687-4f45-9708-019B960494DF}">
-                <a14:hiddenLine xmlns="" xmlns:a14="http://schemas.microsoft.com/office/drawing/2010/main" w="9525">
+                <a14:hiddenLine xmlns:a14="http://schemas.microsoft.com/office/drawing/2010/main" xmlns="" w="9525">
                   <a:solidFill>
                     <a:srgbClr val="000000"/>
                   </a:solidFill>
@@ -1388,7 +1389,7 @@
             </a:ln>
             <a:extLst>
               <a:ext uri="{91240B29-F687-4f45-9708-019B960494DF}">
-                <a14:hiddenLine xmlns="" xmlns:a14="http://schemas.microsoft.com/office/drawing/2010/main" w="9525">
+                <a14:hiddenLine xmlns:a14="http://schemas.microsoft.com/office/drawing/2010/main" xmlns="" w="9525">
                   <a:solidFill>
                     <a:srgbClr val="000000"/>
                   </a:solidFill>
@@ -1478,7 +1479,7 @@
             </a:ln>
             <a:extLst>
               <a:ext uri="{91240B29-F687-4f45-9708-019B960494DF}">
-                <a14:hiddenLine xmlns="" xmlns:a14="http://schemas.microsoft.com/office/drawing/2010/main" w="9525">
+                <a14:hiddenLine xmlns:a14="http://schemas.microsoft.com/office/drawing/2010/main" xmlns="" w="9525">
                   <a:solidFill>
                     <a:srgbClr val="000000"/>
                   </a:solidFill>
@@ -1540,7 +1541,7 @@
             </a:ln>
             <a:extLst>
               <a:ext uri="{91240B29-F687-4f45-9708-019B960494DF}">
-                <a14:hiddenLine xmlns="" xmlns:a14="http://schemas.microsoft.com/office/drawing/2010/main" w="9525">
+                <a14:hiddenLine xmlns:a14="http://schemas.microsoft.com/office/drawing/2010/main" xmlns="" w="9525">
                   <a:solidFill>
                     <a:srgbClr val="000000"/>
                   </a:solidFill>
@@ -1630,7 +1631,7 @@
             </a:ln>
             <a:extLst>
               <a:ext uri="{91240B29-F687-4f45-9708-019B960494DF}">
-                <a14:hiddenLine xmlns="" xmlns:a14="http://schemas.microsoft.com/office/drawing/2010/main" w="9525">
+                <a14:hiddenLine xmlns:a14="http://schemas.microsoft.com/office/drawing/2010/main" xmlns="" w="9525">
                   <a:solidFill>
                     <a:srgbClr val="000000"/>
                   </a:solidFill>
@@ -1720,7 +1721,7 @@
             </a:ln>
             <a:extLst>
               <a:ext uri="{91240B29-F687-4f45-9708-019B960494DF}">
-                <a14:hiddenLine xmlns="" xmlns:a14="http://schemas.microsoft.com/office/drawing/2010/main" w="9525">
+                <a14:hiddenLine xmlns:a14="http://schemas.microsoft.com/office/drawing/2010/main" xmlns="" w="9525">
                   <a:solidFill>
                     <a:srgbClr val="000000"/>
                   </a:solidFill>
@@ -1776,7 +1777,7 @@
             </a:ln>
             <a:extLst>
               <a:ext uri="{91240B29-F687-4f45-9708-019B960494DF}">
-                <a14:hiddenLine xmlns="" xmlns:a14="http://schemas.microsoft.com/office/drawing/2010/main" w="9525">
+                <a14:hiddenLine xmlns:a14="http://schemas.microsoft.com/office/drawing/2010/main" xmlns="" w="9525">
                   <a:solidFill>
                     <a:srgbClr val="000000"/>
                   </a:solidFill>
@@ -1866,7 +1867,7 @@
             </a:ln>
             <a:extLst>
               <a:ext uri="{91240B29-F687-4f45-9708-019B960494DF}">
-                <a14:hiddenLine xmlns="" xmlns:a14="http://schemas.microsoft.com/office/drawing/2010/main" w="9525">
+                <a14:hiddenLine xmlns:a14="http://schemas.microsoft.com/office/drawing/2010/main" xmlns="" w="9525">
                   <a:solidFill>
                     <a:srgbClr val="000000"/>
                   </a:solidFill>
@@ -1922,7 +1923,7 @@
             </a:ln>
             <a:extLst>
               <a:ext uri="{91240B29-F687-4f45-9708-019B960494DF}">
-                <a14:hiddenLine xmlns="" xmlns:a14="http://schemas.microsoft.com/office/drawing/2010/main" w="9525">
+                <a14:hiddenLine xmlns:a14="http://schemas.microsoft.com/office/drawing/2010/main" xmlns="" w="9525">
                   <a:solidFill>
                     <a:srgbClr val="000000"/>
                   </a:solidFill>
@@ -2012,7 +2013,7 @@
             </a:ln>
             <a:extLst>
               <a:ext uri="{91240B29-F687-4f45-9708-019B960494DF}">
-                <a14:hiddenLine xmlns="" xmlns:a14="http://schemas.microsoft.com/office/drawing/2010/main" w="9525">
+                <a14:hiddenLine xmlns:a14="http://schemas.microsoft.com/office/drawing/2010/main" xmlns="" w="9525">
                   <a:solidFill>
                     <a:srgbClr val="000000"/>
                   </a:solidFill>
@@ -2080,7 +2081,7 @@
             </a:ln>
             <a:extLst>
               <a:ext uri="{91240B29-F687-4f45-9708-019B960494DF}">
-                <a14:hiddenLine xmlns="" xmlns:a14="http://schemas.microsoft.com/office/drawing/2010/main" w="9525">
+                <a14:hiddenLine xmlns:a14="http://schemas.microsoft.com/office/drawing/2010/main" xmlns="" w="9525">
                   <a:solidFill>
                     <a:srgbClr val="000000"/>
                   </a:solidFill>
@@ -2170,7 +2171,7 @@
             </a:ln>
             <a:extLst>
               <a:ext uri="{91240B29-F687-4f45-9708-019B960494DF}">
-                <a14:hiddenLine xmlns="" xmlns:a14="http://schemas.microsoft.com/office/drawing/2010/main" w="9525">
+                <a14:hiddenLine xmlns:a14="http://schemas.microsoft.com/office/drawing/2010/main" xmlns="" w="9525">
                   <a:solidFill>
                     <a:srgbClr val="000000"/>
                   </a:solidFill>
@@ -2238,7 +2239,7 @@
             </a:ln>
             <a:extLst>
               <a:ext uri="{91240B29-F687-4f45-9708-019B960494DF}">
-                <a14:hiddenLine xmlns="" xmlns:a14="http://schemas.microsoft.com/office/drawing/2010/main" w="9525">
+                <a14:hiddenLine xmlns:a14="http://schemas.microsoft.com/office/drawing/2010/main" xmlns="" w="9525">
                   <a:solidFill>
                     <a:srgbClr val="000000"/>
                   </a:solidFill>
@@ -2328,7 +2329,7 @@
             </a:ln>
             <a:extLst>
               <a:ext uri="{91240B29-F687-4f45-9708-019B960494DF}">
-                <a14:hiddenLine xmlns="" xmlns:a14="http://schemas.microsoft.com/office/drawing/2010/main" w="9525">
+                <a14:hiddenLine xmlns:a14="http://schemas.microsoft.com/office/drawing/2010/main" xmlns="" w="9525">
                   <a:solidFill>
                     <a:srgbClr val="000000"/>
                   </a:solidFill>
@@ -2362,7 +2363,7 @@
             </a:ln>
             <a:extLst>
               <a:ext uri="{91240B29-F687-4f45-9708-019B960494DF}">
-                <a14:hiddenLine xmlns="" xmlns:a14="http://schemas.microsoft.com/office/drawing/2010/main" w="9525">
+                <a14:hiddenLine xmlns:a14="http://schemas.microsoft.com/office/drawing/2010/main" xmlns="" w="9525">
                   <a:solidFill>
                     <a:srgbClr val="000000"/>
                   </a:solidFill>
@@ -2452,7 +2453,7 @@
             </a:ln>
             <a:extLst>
               <a:ext uri="{91240B29-F687-4f45-9708-019B960494DF}">
-                <a14:hiddenLine xmlns="" xmlns:a14="http://schemas.microsoft.com/office/drawing/2010/main" w="9525">
+                <a14:hiddenLine xmlns:a14="http://schemas.microsoft.com/office/drawing/2010/main" xmlns="" w="9525">
                   <a:solidFill>
                     <a:srgbClr val="000000"/>
                   </a:solidFill>
@@ -2514,7 +2515,7 @@
             </a:ln>
             <a:extLst>
               <a:ext uri="{91240B29-F687-4f45-9708-019B960494DF}">
-                <a14:hiddenLine xmlns="" xmlns:a14="http://schemas.microsoft.com/office/drawing/2010/main" w="9525">
+                <a14:hiddenLine xmlns:a14="http://schemas.microsoft.com/office/drawing/2010/main" xmlns="" w="9525">
                   <a:solidFill>
                     <a:srgbClr val="000000"/>
                   </a:solidFill>
@@ -2576,7 +2577,7 @@
             </a:ln>
             <a:extLst>
               <a:ext uri="{91240B29-F687-4f45-9708-019B960494DF}">
-                <a14:hiddenLine xmlns="" xmlns:a14="http://schemas.microsoft.com/office/drawing/2010/main" w="9525">
+                <a14:hiddenLine xmlns:a14="http://schemas.microsoft.com/office/drawing/2010/main" xmlns="" w="9525">
                   <a:solidFill>
                     <a:srgbClr val="000000"/>
                   </a:solidFill>
@@ -2666,7 +2667,7 @@
             </a:ln>
             <a:extLst>
               <a:ext uri="{91240B29-F687-4f45-9708-019B960494DF}">
-                <a14:hiddenLine xmlns="" xmlns:a14="http://schemas.microsoft.com/office/drawing/2010/main" w="9525">
+                <a14:hiddenLine xmlns:a14="http://schemas.microsoft.com/office/drawing/2010/main" xmlns="" w="9525">
                   <a:solidFill>
                     <a:srgbClr val="000000"/>
                   </a:solidFill>
@@ -2734,7 +2735,7 @@
             </a:ln>
             <a:extLst>
               <a:ext uri="{91240B29-F687-4f45-9708-019B960494DF}">
-                <a14:hiddenLine xmlns="" xmlns:a14="http://schemas.microsoft.com/office/drawing/2010/main" w="9525">
+                <a14:hiddenLine xmlns:a14="http://schemas.microsoft.com/office/drawing/2010/main" xmlns="" w="9525">
                   <a:solidFill>
                     <a:srgbClr val="000000"/>
                   </a:solidFill>
@@ -2796,7 +2797,7 @@
             </a:ln>
             <a:extLst>
               <a:ext uri="{91240B29-F687-4f45-9708-019B960494DF}">
-                <a14:hiddenLine xmlns="" xmlns:a14="http://schemas.microsoft.com/office/drawing/2010/main" w="9525">
+                <a14:hiddenLine xmlns:a14="http://schemas.microsoft.com/office/drawing/2010/main" xmlns="" w="9525">
                   <a:solidFill>
                     <a:srgbClr val="000000"/>
                   </a:solidFill>
@@ -2886,7 +2887,7 @@
             </a:ln>
             <a:extLst>
               <a:ext uri="{91240B29-F687-4f45-9708-019B960494DF}">
-                <a14:hiddenLine xmlns="" xmlns:a14="http://schemas.microsoft.com/office/drawing/2010/main" w="9525">
+                <a14:hiddenLine xmlns:a14="http://schemas.microsoft.com/office/drawing/2010/main" xmlns="" w="9525">
                   <a:solidFill>
                     <a:srgbClr val="000000"/>
                   </a:solidFill>
@@ -2948,7 +2949,7 @@
             </a:ln>
             <a:extLst>
               <a:ext uri="{91240B29-F687-4f45-9708-019B960494DF}">
-                <a14:hiddenLine xmlns="" xmlns:a14="http://schemas.microsoft.com/office/drawing/2010/main" w="9525">
+                <a14:hiddenLine xmlns:a14="http://schemas.microsoft.com/office/drawing/2010/main" xmlns="" w="9525">
                   <a:solidFill>
                     <a:srgbClr val="000000"/>
                   </a:solidFill>
@@ -3038,7 +3039,7 @@
             </a:ln>
             <a:extLst>
               <a:ext uri="{91240B29-F687-4f45-9708-019B960494DF}">
-                <a14:hiddenLine xmlns="" xmlns:a14="http://schemas.microsoft.com/office/drawing/2010/main" w="9525">
+                <a14:hiddenLine xmlns:a14="http://schemas.microsoft.com/office/drawing/2010/main" xmlns="" w="9525">
                   <a:solidFill>
                     <a:srgbClr val="000000"/>
                   </a:solidFill>
@@ -3100,7 +3101,7 @@
             </a:ln>
             <a:extLst>
               <a:ext uri="{91240B29-F687-4f45-9708-019B960494DF}">
-                <a14:hiddenLine xmlns="" xmlns:a14="http://schemas.microsoft.com/office/drawing/2010/main" w="9525">
+                <a14:hiddenLine xmlns:a14="http://schemas.microsoft.com/office/drawing/2010/main" xmlns="" w="9525">
                   <a:solidFill>
                     <a:srgbClr val="000000"/>
                   </a:solidFill>
@@ -3190,7 +3191,7 @@
             </a:ln>
             <a:extLst>
               <a:ext uri="{91240B29-F687-4f45-9708-019B960494DF}">
-                <a14:hiddenLine xmlns="" xmlns:a14="http://schemas.microsoft.com/office/drawing/2010/main" w="9525">
+                <a14:hiddenLine xmlns:a14="http://schemas.microsoft.com/office/drawing/2010/main" xmlns="" w="9525">
                   <a:solidFill>
                     <a:srgbClr val="000000"/>
                   </a:solidFill>
@@ -3224,7 +3225,7 @@
             </a:ln>
             <a:extLst>
               <a:ext uri="{91240B29-F687-4f45-9708-019B960494DF}">
-                <a14:hiddenLine xmlns="" xmlns:a14="http://schemas.microsoft.com/office/drawing/2010/main" w="9525">
+                <a14:hiddenLine xmlns:a14="http://schemas.microsoft.com/office/drawing/2010/main" xmlns="" w="9525">
                   <a:solidFill>
                     <a:srgbClr val="000000"/>
                   </a:solidFill>
@@ -3289,7 +3290,7 @@
             </a:ln>
             <a:extLst>
               <a:ext uri="{91240B29-F687-4f45-9708-019B960494DF}">
-                <a14:hiddenLine xmlns="" xmlns:a14="http://schemas.microsoft.com/office/drawing/2010/main" w="9525">
+                <a14:hiddenLine xmlns:a14="http://schemas.microsoft.com/office/drawing/2010/main" xmlns="" w="9525">
                   <a:solidFill>
                     <a:srgbClr val="000000"/>
                   </a:solidFill>
@@ -3379,7 +3380,7 @@
             </a:ln>
             <a:extLst>
               <a:ext uri="{91240B29-F687-4f45-9708-019B960494DF}">
-                <a14:hiddenLine xmlns="" xmlns:a14="http://schemas.microsoft.com/office/drawing/2010/main" w="9525">
+                <a14:hiddenLine xmlns:a14="http://schemas.microsoft.com/office/drawing/2010/main" xmlns="" w="9525">
                   <a:solidFill>
                     <a:srgbClr val="000000"/>
                   </a:solidFill>
@@ -3441,7 +3442,7 @@
             </a:ln>
             <a:extLst>
               <a:ext uri="{91240B29-F687-4f45-9708-019B960494DF}">
-                <a14:hiddenLine xmlns="" xmlns:a14="http://schemas.microsoft.com/office/drawing/2010/main" w="9525">
+                <a14:hiddenLine xmlns:a14="http://schemas.microsoft.com/office/drawing/2010/main" xmlns="" w="9525">
                   <a:solidFill>
                     <a:srgbClr val="000000"/>
                   </a:solidFill>
@@ -3531,7 +3532,7 @@
             </a:ln>
             <a:extLst>
               <a:ext uri="{91240B29-F687-4f45-9708-019B960494DF}">
-                <a14:hiddenLine xmlns="" xmlns:a14="http://schemas.microsoft.com/office/drawing/2010/main" w="9525">
+                <a14:hiddenLine xmlns:a14="http://schemas.microsoft.com/office/drawing/2010/main" xmlns="" w="9525">
                   <a:solidFill>
                     <a:srgbClr val="000000"/>
                   </a:solidFill>
@@ -3621,7 +3622,7 @@
             </a:ln>
             <a:extLst>
               <a:ext uri="{91240B29-F687-4f45-9708-019B960494DF}">
-                <a14:hiddenLine xmlns="" xmlns:a14="http://schemas.microsoft.com/office/drawing/2010/main" w="9525">
+                <a14:hiddenLine xmlns:a14="http://schemas.microsoft.com/office/drawing/2010/main" xmlns="" w="9525">
                   <a:solidFill>
                     <a:srgbClr val="000000"/>
                   </a:solidFill>
@@ -3686,7 +3687,7 @@
             </a:ln>
             <a:extLst>
               <a:ext uri="{91240B29-F687-4f45-9708-019B960494DF}">
-                <a14:hiddenLine xmlns="" xmlns:a14="http://schemas.microsoft.com/office/drawing/2010/main" w="9525">
+                <a14:hiddenLine xmlns:a14="http://schemas.microsoft.com/office/drawing/2010/main" xmlns="" w="9525">
                   <a:solidFill>
                     <a:srgbClr val="000000"/>
                   </a:solidFill>
@@ -3748,7 +3749,7 @@
             </a:ln>
             <a:extLst>
               <a:ext uri="{91240B29-F687-4f45-9708-019B960494DF}">
-                <a14:hiddenLine xmlns="" xmlns:a14="http://schemas.microsoft.com/office/drawing/2010/main" w="9525">
+                <a14:hiddenLine xmlns:a14="http://schemas.microsoft.com/office/drawing/2010/main" xmlns="" w="9525">
                   <a:solidFill>
                     <a:srgbClr val="000000"/>
                   </a:solidFill>
@@ -3838,7 +3839,7 @@
             </a:ln>
             <a:extLst>
               <a:ext uri="{91240B29-F687-4f45-9708-019B960494DF}">
-                <a14:hiddenLine xmlns="" xmlns:a14="http://schemas.microsoft.com/office/drawing/2010/main" w="9525">
+                <a14:hiddenLine xmlns:a14="http://schemas.microsoft.com/office/drawing/2010/main" xmlns="" w="9525">
                   <a:solidFill>
                     <a:srgbClr val="000000"/>
                   </a:solidFill>
@@ -3928,7 +3929,7 @@
             </a:ln>
             <a:extLst>
               <a:ext uri="{91240B29-F687-4f45-9708-019B960494DF}">
-                <a14:hiddenLine xmlns="" xmlns:a14="http://schemas.microsoft.com/office/drawing/2010/main" w="9525">
+                <a14:hiddenLine xmlns:a14="http://schemas.microsoft.com/office/drawing/2010/main" xmlns="" w="9525">
                   <a:solidFill>
                     <a:srgbClr val="000000"/>
                   </a:solidFill>
@@ -3990,7 +3991,7 @@
             </a:ln>
             <a:extLst>
               <a:ext uri="{91240B29-F687-4f45-9708-019B960494DF}">
-                <a14:hiddenLine xmlns="" xmlns:a14="http://schemas.microsoft.com/office/drawing/2010/main" w="9525">
+                <a14:hiddenLine xmlns:a14="http://schemas.microsoft.com/office/drawing/2010/main" xmlns="" w="9525">
                   <a:solidFill>
                     <a:srgbClr val="000000"/>
                   </a:solidFill>
@@ -4110,7 +4111,7 @@
             </a:ln>
             <a:extLst>
               <a:ext uri="{91240B29-F687-4f45-9708-019B960494DF}">
-                <a14:hiddenLine xmlns="" xmlns:a14="http://schemas.microsoft.com/office/drawing/2010/main" w="9525">
+                <a14:hiddenLine xmlns:a14="http://schemas.microsoft.com/office/drawing/2010/main" xmlns="" w="9525">
                   <a:solidFill>
                     <a:srgbClr val="000000"/>
                   </a:solidFill>
@@ -4178,7 +4179,7 @@
             </a:ln>
             <a:extLst>
               <a:ext uri="{91240B29-F687-4f45-9708-019B960494DF}">
-                <a14:hiddenLine xmlns="" xmlns:a14="http://schemas.microsoft.com/office/drawing/2010/main" w="9525">
+                <a14:hiddenLine xmlns:a14="http://schemas.microsoft.com/office/drawing/2010/main" xmlns="" w="9525">
                   <a:solidFill>
                     <a:srgbClr val="000000"/>
                   </a:solidFill>
@@ -4268,7 +4269,7 @@
             </a:ln>
             <a:extLst>
               <a:ext uri="{91240B29-F687-4f45-9708-019B960494DF}">
-                <a14:hiddenLine xmlns="" xmlns:a14="http://schemas.microsoft.com/office/drawing/2010/main" w="9525">
+                <a14:hiddenLine xmlns:a14="http://schemas.microsoft.com/office/drawing/2010/main" xmlns="" w="9525">
                   <a:solidFill>
                     <a:srgbClr val="000000"/>
                   </a:solidFill>
@@ -4410,7 +4411,7 @@
             <a:fld id="{E1ADD138-1F21-40DC-85EB-3D779985BA7E}" type="datetime1">
               <a:rPr lang="ru-RU" smtClean="0"/>
               <a:pPr lvl="0"/>
-              <a:t>08.06.2024</a:t>
+              <a:t>09.06.2024</a:t>
             </a:fld>
             <a:endParaRPr lang="ru-RU"/>
           </a:p>
@@ -4682,7 +4683,7 @@
             <a:fld id="{3C094329-D99E-4201-8B47-41520771E845}" type="datetime1">
               <a:rPr lang="ru-RU" smtClean="0"/>
               <a:pPr lvl="0"/>
-              <a:t>08.06.2024</a:t>
+              <a:t>09.06.2024</a:t>
             </a:fld>
             <a:endParaRPr lang="ru-RU"/>
           </a:p>
@@ -4882,7 +4883,7 @@
             <a:fld id="{3C094329-D99E-4201-8B47-41520771E845}" type="datetime1">
               <a:rPr lang="ru-RU" smtClean="0"/>
               <a:pPr lvl="0"/>
-              <a:t>08.06.2024</a:t>
+              <a:t>09.06.2024</a:t>
             </a:fld>
             <a:endParaRPr lang="ru-RU"/>
           </a:p>
@@ -5149,7 +5150,7 @@
             <a:fld id="{3C094329-D99E-4201-8B47-41520771E845}" type="datetime1">
               <a:rPr lang="ru-RU" smtClean="0"/>
               <a:pPr lvl="0"/>
-              <a:t>08.06.2024</a:t>
+              <a:t>09.06.2024</a:t>
             </a:fld>
             <a:endParaRPr lang="ru-RU"/>
           </a:p>
@@ -5587,7 +5588,7 @@
             <a:fld id="{3C094329-D99E-4201-8B47-41520771E845}" type="datetime1">
               <a:rPr lang="ru-RU" smtClean="0"/>
               <a:pPr lvl="0"/>
-              <a:t>08.06.2024</a:t>
+              <a:t>09.06.2024</a:t>
             </a:fld>
             <a:endParaRPr lang="ru-RU"/>
           </a:p>
@@ -6137,7 +6138,7 @@
             <a:fld id="{3C094329-D99E-4201-8B47-41520771E845}" type="datetime1">
               <a:rPr lang="ru-RU" smtClean="0"/>
               <a:pPr lvl="0"/>
-              <a:t>08.06.2024</a:t>
+              <a:t>09.06.2024</a:t>
             </a:fld>
             <a:endParaRPr lang="ru-RU"/>
           </a:p>
@@ -6861,7 +6862,7 @@
             <a:fld id="{3C094329-D99E-4201-8B47-41520771E845}" type="datetime1">
               <a:rPr lang="ru-RU" smtClean="0"/>
               <a:pPr lvl="0"/>
-              <a:t>08.06.2024</a:t>
+              <a:t>09.06.2024</a:t>
             </a:fld>
             <a:endParaRPr lang="ru-RU"/>
           </a:p>
@@ -7035,7 +7036,7 @@
             <a:fld id="{A3E7D224-F363-40DC-ACBE-E035C0CB316D}" type="datetime1">
               <a:rPr lang="ru-RU" smtClean="0"/>
               <a:pPr lvl="0"/>
-              <a:t>08.06.2024</a:t>
+              <a:t>09.06.2024</a:t>
             </a:fld>
             <a:endParaRPr lang="ru-RU"/>
           </a:p>
@@ -7219,7 +7220,7 @@
             <a:fld id="{CA1919F7-E112-40CB-83DC-15624BD76272}" type="datetime1">
               <a:rPr lang="ru-RU" smtClean="0"/>
               <a:pPr lvl="0"/>
-              <a:t>08.06.2024</a:t>
+              <a:t>09.06.2024</a:t>
             </a:fld>
             <a:endParaRPr lang="ru-RU"/>
           </a:p>
@@ -7393,7 +7394,7 @@
             <a:fld id="{4793C550-FB5D-4634-9D09-68BC84FE8FC8}" type="datetime1">
               <a:rPr lang="ru-RU" smtClean="0"/>
               <a:pPr lvl="0"/>
-              <a:t>08.06.2024</a:t>
+              <a:t>09.06.2024</a:t>
             </a:fld>
             <a:endParaRPr lang="ru-RU"/>
           </a:p>
@@ -7647,7 +7648,7 @@
             <a:fld id="{C40D43CA-7E07-49A8-A9CE-B963370085A8}" type="datetime1">
               <a:rPr lang="ru-RU" smtClean="0"/>
               <a:pPr lvl="0"/>
-              <a:t>08.06.2024</a:t>
+              <a:t>09.06.2024</a:t>
             </a:fld>
             <a:endParaRPr lang="ru-RU"/>
           </a:p>
@@ -7883,7 +7884,7 @@
             <a:fld id="{E296A6F9-AA23-4A1C-A463-E962E6D806AD}" type="datetime1">
               <a:rPr lang="ru-RU" smtClean="0"/>
               <a:pPr lvl="0"/>
-              <a:t>08.06.2024</a:t>
+              <a:t>09.06.2024</a:t>
             </a:fld>
             <a:endParaRPr lang="ru-RU"/>
           </a:p>
@@ -8268,7 +8269,7 @@
             <a:fld id="{9140A572-9E5C-4529-890C-631624C958F8}" type="datetime1">
               <a:rPr lang="ru-RU" smtClean="0"/>
               <a:pPr lvl="0"/>
-              <a:t>08.06.2024</a:t>
+              <a:t>09.06.2024</a:t>
             </a:fld>
             <a:endParaRPr lang="ru-RU"/>
           </a:p>
@@ -8390,7 +8391,7 @@
             <a:fld id="{D96BD53F-DB76-47EB-902E-458B38ECFFF0}" type="datetime1">
               <a:rPr lang="ru-RU" smtClean="0"/>
               <a:pPr lvl="0"/>
-              <a:t>08.06.2024</a:t>
+              <a:t>09.06.2024</a:t>
             </a:fld>
             <a:endParaRPr lang="ru-RU"/>
           </a:p>
@@ -8489,7 +8490,7 @@
             <a:fld id="{647B4488-D861-484C-8E8D-837AB3D48256}" type="datetime1">
               <a:rPr lang="ru-RU" smtClean="0"/>
               <a:pPr lvl="0"/>
-              <a:t>08.06.2024</a:t>
+              <a:t>09.06.2024</a:t>
             </a:fld>
             <a:endParaRPr lang="ru-RU"/>
           </a:p>
@@ -8742,7 +8743,7 @@
             <a:fld id="{D36D8137-88A6-4518-B99C-174159A3F9C5}" type="datetime1">
               <a:rPr lang="ru-RU" smtClean="0"/>
               <a:pPr lvl="0"/>
-              <a:t>08.06.2024</a:t>
+              <a:t>09.06.2024</a:t>
             </a:fld>
             <a:endParaRPr lang="ru-RU"/>
           </a:p>
@@ -9026,7 +9027,7 @@
             <a:fld id="{A31CA203-A175-4912-9ED7-529DBF6E373C}" type="datetime1">
               <a:rPr lang="ru-RU" smtClean="0"/>
               <a:pPr lvl="0"/>
-              <a:t>08.06.2024</a:t>
+              <a:t>09.06.2024</a:t>
             </a:fld>
             <a:endParaRPr lang="ru-RU"/>
           </a:p>
@@ -9151,7 +9152,7 @@
           <a:noFill/>
           <a:extLst>
             <a:ext uri="{909E8E84-426E-40dd-AFC4-6F175D3DCCD1}">
-              <a14:hiddenFill xmlns="" xmlns:a14="http://schemas.microsoft.com/office/drawing/2010/main">
+              <a14:hiddenFill xmlns:a14="http://schemas.microsoft.com/office/drawing/2010/main" xmlns="">
                 <a:solidFill>
                   <a:srgbClr val="FFFFFF"/>
                 </a:solidFill>
@@ -9225,7 +9226,7 @@
               </a:ln>
               <a:extLst>
                 <a:ext uri="{91240B29-F687-4f45-9708-019B960494DF}">
-                  <a14:hiddenLine xmlns="" xmlns:a14="http://schemas.microsoft.com/office/drawing/2010/main" w="9525">
+                  <a14:hiddenLine xmlns:a14="http://schemas.microsoft.com/office/drawing/2010/main" xmlns="" w="9525">
                     <a:solidFill>
                       <a:srgbClr val="000000"/>
                     </a:solidFill>
@@ -9315,7 +9316,7 @@
               </a:ln>
               <a:extLst>
                 <a:ext uri="{91240B29-F687-4f45-9708-019B960494DF}">
-                  <a14:hiddenLine xmlns="" xmlns:a14="http://schemas.microsoft.com/office/drawing/2010/main" w="9525">
+                  <a14:hiddenLine xmlns:a14="http://schemas.microsoft.com/office/drawing/2010/main" xmlns="" w="9525">
                     <a:solidFill>
                       <a:srgbClr val="000000"/>
                     </a:solidFill>
@@ -9405,7 +9406,7 @@
               </a:ln>
               <a:extLst>
                 <a:ext uri="{91240B29-F687-4f45-9708-019B960494DF}">
-                  <a14:hiddenLine xmlns="" xmlns:a14="http://schemas.microsoft.com/office/drawing/2010/main" w="9525">
+                  <a14:hiddenLine xmlns:a14="http://schemas.microsoft.com/office/drawing/2010/main" xmlns="" w="9525">
                     <a:solidFill>
                       <a:srgbClr val="000000"/>
                     </a:solidFill>
@@ -9467,7 +9468,7 @@
               </a:ln>
               <a:extLst>
                 <a:ext uri="{91240B29-F687-4f45-9708-019B960494DF}">
-                  <a14:hiddenLine xmlns="" xmlns:a14="http://schemas.microsoft.com/office/drawing/2010/main" w="9525">
+                  <a14:hiddenLine xmlns:a14="http://schemas.microsoft.com/office/drawing/2010/main" xmlns="" w="9525">
                     <a:solidFill>
                       <a:srgbClr val="000000"/>
                     </a:solidFill>
@@ -9557,7 +9558,7 @@
               </a:ln>
               <a:extLst>
                 <a:ext uri="{91240B29-F687-4f45-9708-019B960494DF}">
-                  <a14:hiddenLine xmlns="" xmlns:a14="http://schemas.microsoft.com/office/drawing/2010/main" w="9525">
+                  <a14:hiddenLine xmlns:a14="http://schemas.microsoft.com/office/drawing/2010/main" xmlns="" w="9525">
                     <a:solidFill>
                       <a:srgbClr val="000000"/>
                     </a:solidFill>
@@ -9619,7 +9620,7 @@
               </a:ln>
               <a:extLst>
                 <a:ext uri="{91240B29-F687-4f45-9708-019B960494DF}">
-                  <a14:hiddenLine xmlns="" xmlns:a14="http://schemas.microsoft.com/office/drawing/2010/main" w="9525">
+                  <a14:hiddenLine xmlns:a14="http://schemas.microsoft.com/office/drawing/2010/main" xmlns="" w="9525">
                     <a:solidFill>
                       <a:srgbClr val="000000"/>
                     </a:solidFill>
@@ -9681,7 +9682,7 @@
               </a:ln>
               <a:extLst>
                 <a:ext uri="{91240B29-F687-4f45-9708-019B960494DF}">
-                  <a14:hiddenLine xmlns="" xmlns:a14="http://schemas.microsoft.com/office/drawing/2010/main" w="9525">
+                  <a14:hiddenLine xmlns:a14="http://schemas.microsoft.com/office/drawing/2010/main" xmlns="" w="9525">
                     <a:solidFill>
                       <a:srgbClr val="000000"/>
                     </a:solidFill>
@@ -9771,7 +9772,7 @@
               </a:ln>
               <a:extLst>
                 <a:ext uri="{91240B29-F687-4f45-9708-019B960494DF}">
-                  <a14:hiddenLine xmlns="" xmlns:a14="http://schemas.microsoft.com/office/drawing/2010/main" w="9525">
+                  <a14:hiddenLine xmlns:a14="http://schemas.microsoft.com/office/drawing/2010/main" xmlns="" w="9525">
                     <a:solidFill>
                       <a:srgbClr val="000000"/>
                     </a:solidFill>
@@ -9861,7 +9862,7 @@
               </a:ln>
               <a:extLst>
                 <a:ext uri="{91240B29-F687-4f45-9708-019B960494DF}">
-                  <a14:hiddenLine xmlns="" xmlns:a14="http://schemas.microsoft.com/office/drawing/2010/main" w="9525">
+                  <a14:hiddenLine xmlns:a14="http://schemas.microsoft.com/office/drawing/2010/main" xmlns="" w="9525">
                     <a:solidFill>
                       <a:srgbClr val="000000"/>
                     </a:solidFill>
@@ -9923,7 +9924,7 @@
               </a:ln>
               <a:extLst>
                 <a:ext uri="{91240B29-F687-4f45-9708-019B960494DF}">
-                  <a14:hiddenLine xmlns="" xmlns:a14="http://schemas.microsoft.com/office/drawing/2010/main" w="9525">
+                  <a14:hiddenLine xmlns:a14="http://schemas.microsoft.com/office/drawing/2010/main" xmlns="" w="9525">
                     <a:solidFill>
                       <a:srgbClr val="000000"/>
                     </a:solidFill>
@@ -10033,7 +10034,7 @@
               </a:ln>
               <a:extLst>
                 <a:ext uri="{91240B29-F687-4f45-9708-019B960494DF}">
-                  <a14:hiddenLine xmlns="" xmlns:a14="http://schemas.microsoft.com/office/drawing/2010/main" w="9525">
+                  <a14:hiddenLine xmlns:a14="http://schemas.microsoft.com/office/drawing/2010/main" xmlns="" w="9525">
                     <a:solidFill>
                       <a:srgbClr val="000000"/>
                     </a:solidFill>
@@ -10117,7 +10118,7 @@
               </a:ln>
               <a:extLst>
                 <a:ext uri="{91240B29-F687-4f45-9708-019B960494DF}">
-                  <a14:hiddenLine xmlns="" xmlns:a14="http://schemas.microsoft.com/office/drawing/2010/main" w="9525">
+                  <a14:hiddenLine xmlns:a14="http://schemas.microsoft.com/office/drawing/2010/main" xmlns="" w="9525">
                     <a:solidFill>
                       <a:srgbClr val="000000"/>
                     </a:solidFill>
@@ -10179,7 +10180,7 @@
               </a:ln>
               <a:extLst>
                 <a:ext uri="{91240B29-F687-4f45-9708-019B960494DF}">
-                  <a14:hiddenLine xmlns="" xmlns:a14="http://schemas.microsoft.com/office/drawing/2010/main" w="9525">
+                  <a14:hiddenLine xmlns:a14="http://schemas.microsoft.com/office/drawing/2010/main" xmlns="" w="9525">
                     <a:solidFill>
                       <a:srgbClr val="000000"/>
                     </a:solidFill>
@@ -10241,7 +10242,7 @@
               </a:ln>
               <a:extLst>
                 <a:ext uri="{91240B29-F687-4f45-9708-019B960494DF}">
-                  <a14:hiddenLine xmlns="" xmlns:a14="http://schemas.microsoft.com/office/drawing/2010/main" w="9525">
+                  <a14:hiddenLine xmlns:a14="http://schemas.microsoft.com/office/drawing/2010/main" xmlns="" w="9525">
                     <a:solidFill>
                       <a:srgbClr val="000000"/>
                     </a:solidFill>
@@ -10331,7 +10332,7 @@
               </a:ln>
               <a:extLst>
                 <a:ext uri="{91240B29-F687-4f45-9708-019B960494DF}">
-                  <a14:hiddenLine xmlns="" xmlns:a14="http://schemas.microsoft.com/office/drawing/2010/main" w="9525">
+                  <a14:hiddenLine xmlns:a14="http://schemas.microsoft.com/office/drawing/2010/main" xmlns="" w="9525">
                     <a:solidFill>
                       <a:srgbClr val="000000"/>
                     </a:solidFill>
@@ -10365,7 +10366,7 @@
               </a:ln>
               <a:extLst>
                 <a:ext uri="{91240B29-F687-4f45-9708-019B960494DF}">
-                  <a14:hiddenLine xmlns="" xmlns:a14="http://schemas.microsoft.com/office/drawing/2010/main" w="9525">
+                  <a14:hiddenLine xmlns:a14="http://schemas.microsoft.com/office/drawing/2010/main" xmlns="" w="9525">
                     <a:solidFill>
                       <a:srgbClr val="000000"/>
                     </a:solidFill>
@@ -10430,7 +10431,7 @@
               </a:ln>
               <a:extLst>
                 <a:ext uri="{91240B29-F687-4f45-9708-019B960494DF}">
-                  <a14:hiddenLine xmlns="" xmlns:a14="http://schemas.microsoft.com/office/drawing/2010/main" w="9525">
+                  <a14:hiddenLine xmlns:a14="http://schemas.microsoft.com/office/drawing/2010/main" xmlns="" w="9525">
                     <a:solidFill>
                       <a:srgbClr val="000000"/>
                     </a:solidFill>
@@ -10520,7 +10521,7 @@
               </a:ln>
               <a:extLst>
                 <a:ext uri="{91240B29-F687-4f45-9708-019B960494DF}">
-                  <a14:hiddenLine xmlns="" xmlns:a14="http://schemas.microsoft.com/office/drawing/2010/main" w="9525">
+                  <a14:hiddenLine xmlns:a14="http://schemas.microsoft.com/office/drawing/2010/main" xmlns="" w="9525">
                     <a:solidFill>
                       <a:srgbClr val="000000"/>
                     </a:solidFill>
@@ -10582,7 +10583,7 @@
               </a:ln>
               <a:extLst>
                 <a:ext uri="{91240B29-F687-4f45-9708-019B960494DF}">
-                  <a14:hiddenLine xmlns="" xmlns:a14="http://schemas.microsoft.com/office/drawing/2010/main" w="9525">
+                  <a14:hiddenLine xmlns:a14="http://schemas.microsoft.com/office/drawing/2010/main" xmlns="" w="9525">
                     <a:solidFill>
                       <a:srgbClr val="000000"/>
                     </a:solidFill>
@@ -10672,7 +10673,7 @@
               </a:ln>
               <a:extLst>
                 <a:ext uri="{91240B29-F687-4f45-9708-019B960494DF}">
-                  <a14:hiddenLine xmlns="" xmlns:a14="http://schemas.microsoft.com/office/drawing/2010/main" w="9525">
+                  <a14:hiddenLine xmlns:a14="http://schemas.microsoft.com/office/drawing/2010/main" xmlns="" w="9525">
                     <a:solidFill>
                       <a:srgbClr val="000000"/>
                     </a:solidFill>
@@ -10737,7 +10738,7 @@
               </a:ln>
               <a:extLst>
                 <a:ext uri="{91240B29-F687-4f45-9708-019B960494DF}">
-                  <a14:hiddenLine xmlns="" xmlns:a14="http://schemas.microsoft.com/office/drawing/2010/main" w="9525">
+                  <a14:hiddenLine xmlns:a14="http://schemas.microsoft.com/office/drawing/2010/main" xmlns="" w="9525">
                     <a:solidFill>
                       <a:srgbClr val="000000"/>
                     </a:solidFill>
@@ -10799,7 +10800,7 @@
               </a:ln>
               <a:extLst>
                 <a:ext uri="{91240B29-F687-4f45-9708-019B960494DF}">
-                  <a14:hiddenLine xmlns="" xmlns:a14="http://schemas.microsoft.com/office/drawing/2010/main" w="9525">
+                  <a14:hiddenLine xmlns:a14="http://schemas.microsoft.com/office/drawing/2010/main" xmlns="" w="9525">
                     <a:solidFill>
                       <a:srgbClr val="000000"/>
                     </a:solidFill>
@@ -10889,7 +10890,7 @@
               </a:ln>
               <a:extLst>
                 <a:ext uri="{91240B29-F687-4f45-9708-019B960494DF}">
-                  <a14:hiddenLine xmlns="" xmlns:a14="http://schemas.microsoft.com/office/drawing/2010/main" w="9525">
+                  <a14:hiddenLine xmlns:a14="http://schemas.microsoft.com/office/drawing/2010/main" xmlns="" w="9525">
                     <a:solidFill>
                       <a:srgbClr val="000000"/>
                     </a:solidFill>
@@ -10979,7 +10980,7 @@
               </a:ln>
               <a:extLst>
                 <a:ext uri="{91240B29-F687-4f45-9708-019B960494DF}">
-                  <a14:hiddenLine xmlns="" xmlns:a14="http://schemas.microsoft.com/office/drawing/2010/main" w="9525">
+                  <a14:hiddenLine xmlns:a14="http://schemas.microsoft.com/office/drawing/2010/main" xmlns="" w="9525">
                     <a:solidFill>
                       <a:srgbClr val="000000"/>
                     </a:solidFill>
@@ -11044,7 +11045,7 @@
               </a:ln>
               <a:extLst>
                 <a:ext uri="{91240B29-F687-4f45-9708-019B960494DF}">
-                  <a14:hiddenLine xmlns="" xmlns:a14="http://schemas.microsoft.com/office/drawing/2010/main" w="9525">
+                  <a14:hiddenLine xmlns:a14="http://schemas.microsoft.com/office/drawing/2010/main" xmlns="" w="9525">
                     <a:solidFill>
                       <a:srgbClr val="000000"/>
                     </a:solidFill>
@@ -11164,7 +11165,7 @@
               </a:ln>
               <a:extLst>
                 <a:ext uri="{91240B29-F687-4f45-9708-019B960494DF}">
-                  <a14:hiddenLine xmlns="" xmlns:a14="http://schemas.microsoft.com/office/drawing/2010/main" w="9525">
+                  <a14:hiddenLine xmlns:a14="http://schemas.microsoft.com/office/drawing/2010/main" xmlns="" w="9525">
                     <a:solidFill>
                       <a:srgbClr val="000000"/>
                     </a:solidFill>
@@ -11245,7 +11246,7 @@
               </a:ln>
               <a:extLst>
                 <a:ext uri="{91240B29-F687-4f45-9708-019B960494DF}">
-                  <a14:hiddenLine xmlns="" xmlns:a14="http://schemas.microsoft.com/office/drawing/2010/main" w="9525">
+                  <a14:hiddenLine xmlns:a14="http://schemas.microsoft.com/office/drawing/2010/main" xmlns="" w="9525">
                     <a:solidFill>
                       <a:srgbClr val="000000"/>
                     </a:solidFill>
@@ -11360,7 +11361,7 @@
               </a:ln>
               <a:extLst>
                 <a:ext uri="{91240B29-F687-4f45-9708-019B960494DF}">
-                  <a14:hiddenLine xmlns="" xmlns:a14="http://schemas.microsoft.com/office/drawing/2010/main" w="9525">
+                  <a14:hiddenLine xmlns:a14="http://schemas.microsoft.com/office/drawing/2010/main" xmlns="" w="9525">
                     <a:solidFill>
                       <a:srgbClr val="000000"/>
                     </a:solidFill>
@@ -11450,7 +11451,7 @@
               </a:ln>
               <a:extLst>
                 <a:ext uri="{91240B29-F687-4f45-9708-019B960494DF}">
-                  <a14:hiddenLine xmlns="" xmlns:a14="http://schemas.microsoft.com/office/drawing/2010/main" w="9525">
+                  <a14:hiddenLine xmlns:a14="http://schemas.microsoft.com/office/drawing/2010/main" xmlns="" w="9525">
                     <a:solidFill>
                       <a:srgbClr val="000000"/>
                     </a:solidFill>
@@ -11515,7 +11516,7 @@
               </a:ln>
               <a:extLst>
                 <a:ext uri="{91240B29-F687-4f45-9708-019B960494DF}">
-                  <a14:hiddenLine xmlns="" xmlns:a14="http://schemas.microsoft.com/office/drawing/2010/main" w="9525">
+                  <a14:hiddenLine xmlns:a14="http://schemas.microsoft.com/office/drawing/2010/main" xmlns="" w="9525">
                     <a:solidFill>
                       <a:srgbClr val="000000"/>
                     </a:solidFill>
@@ -11605,7 +11606,7 @@
               </a:ln>
               <a:extLst>
                 <a:ext uri="{91240B29-F687-4f45-9708-019B960494DF}">
-                  <a14:hiddenLine xmlns="" xmlns:a14="http://schemas.microsoft.com/office/drawing/2010/main" w="9525">
+                  <a14:hiddenLine xmlns:a14="http://schemas.microsoft.com/office/drawing/2010/main" xmlns="" w="9525">
                     <a:solidFill>
                       <a:srgbClr val="000000"/>
                     </a:solidFill>
@@ -11673,7 +11674,7 @@
               </a:ln>
               <a:extLst>
                 <a:ext uri="{91240B29-F687-4f45-9708-019B960494DF}">
-                  <a14:hiddenLine xmlns="" xmlns:a14="http://schemas.microsoft.com/office/drawing/2010/main" w="9525">
+                  <a14:hiddenLine xmlns:a14="http://schemas.microsoft.com/office/drawing/2010/main" xmlns="" w="9525">
                     <a:solidFill>
                       <a:srgbClr val="000000"/>
                     </a:solidFill>
@@ -11763,7 +11764,7 @@
               </a:ln>
               <a:extLst>
                 <a:ext uri="{91240B29-F687-4f45-9708-019B960494DF}">
-                  <a14:hiddenLine xmlns="" xmlns:a14="http://schemas.microsoft.com/office/drawing/2010/main" w="9525">
+                  <a14:hiddenLine xmlns:a14="http://schemas.microsoft.com/office/drawing/2010/main" xmlns="" w="9525">
                     <a:solidFill>
                       <a:srgbClr val="000000"/>
                     </a:solidFill>
@@ -11831,7 +11832,7 @@
               </a:ln>
               <a:extLst>
                 <a:ext uri="{91240B29-F687-4f45-9708-019B960494DF}">
-                  <a14:hiddenLine xmlns="" xmlns:a14="http://schemas.microsoft.com/office/drawing/2010/main" w="9525">
+                  <a14:hiddenLine xmlns:a14="http://schemas.microsoft.com/office/drawing/2010/main" xmlns="" w="9525">
                     <a:solidFill>
                       <a:srgbClr val="000000"/>
                     </a:solidFill>
@@ -11921,7 +11922,7 @@
               </a:ln>
               <a:extLst>
                 <a:ext uri="{91240B29-F687-4f45-9708-019B960494DF}">
-                  <a14:hiddenLine xmlns="" xmlns:a14="http://schemas.microsoft.com/office/drawing/2010/main" w="9525">
+                  <a14:hiddenLine xmlns:a14="http://schemas.microsoft.com/office/drawing/2010/main" xmlns="" w="9525">
                     <a:solidFill>
                       <a:srgbClr val="000000"/>
                     </a:solidFill>
@@ -11955,7 +11956,7 @@
               </a:ln>
               <a:extLst>
                 <a:ext uri="{91240B29-F687-4f45-9708-019B960494DF}">
-                  <a14:hiddenLine xmlns="" xmlns:a14="http://schemas.microsoft.com/office/drawing/2010/main" w="9525">
+                  <a14:hiddenLine xmlns:a14="http://schemas.microsoft.com/office/drawing/2010/main" xmlns="" w="9525">
                     <a:solidFill>
                       <a:srgbClr val="000000"/>
                     </a:solidFill>
@@ -12097,7 +12098,7 @@
             <a:fld id="{3C094329-D99E-4201-8B47-41520771E845}" type="datetime1">
               <a:rPr lang="ru-RU" smtClean="0"/>
               <a:pPr lvl="0"/>
-              <a:t>08.06.2024</a:t>
+              <a:t>09.06.2024</a:t>
             </a:fld>
             <a:endParaRPr lang="ru-RU"/>
           </a:p>
@@ -13023,6 +13024,110 @@
           <p:cNvPr id="2" name="Заголовок 1">
             <a:extLst>
               <a:ext uri="{FF2B5EF4-FFF2-40B4-BE49-F238E27FC236}">
+                <a16:creationId xmlns:a16="http://schemas.microsoft.com/office/drawing/2014/main" id="{37AFE4C0-ADF0-44D6-838D-B1A560211373}"/>
+              </a:ext>
+            </a:extLst>
+          </p:cNvPr>
+          <p:cNvSpPr>
+            <a:spLocks noGrp="1"/>
+          </p:cNvSpPr>
+          <p:nvPr>
+            <p:ph type="title"/>
+          </p:nvPr>
+        </p:nvSpPr>
+        <p:spPr/>
+        <p:txBody>
+          <a:bodyPr/>
+          <a:lstStyle/>
+          <a:p>
+            <a:pPr algn="ctr"/>
+            <a:r>
+              <a:rPr lang="lv-LV" dirty="0"/>
+              <a:t>USE </a:t>
+            </a:r>
+            <a:r>
+              <a:rPr lang="lv-LV" dirty="0" err="1"/>
+              <a:t>Case</a:t>
+            </a:r>
+            <a:r>
+              <a:rPr lang="lv-LV" dirty="0"/>
+              <a:t> diagramma</a:t>
+            </a:r>
+            <a:endParaRPr lang="ru-RU" dirty="0"/>
+          </a:p>
+        </p:txBody>
+      </p:sp>
+      <p:pic>
+        <p:nvPicPr>
+          <p:cNvPr id="4" name="Рисунок 3">
+            <a:extLst>
+              <a:ext uri="{FF2B5EF4-FFF2-40B4-BE49-F238E27FC236}">
+                <a16:creationId xmlns:a16="http://schemas.microsoft.com/office/drawing/2014/main" id="{11E30D62-3AA9-46C7-94B1-D53DE3754FFB}"/>
+              </a:ext>
+            </a:extLst>
+          </p:cNvPr>
+          <p:cNvPicPr>
+            <a:picLocks noChangeAspect="1"/>
+          </p:cNvPicPr>
+          <p:nvPr/>
+        </p:nvPicPr>
+        <p:blipFill>
+          <a:blip r:embed="rId2">
+            <a:extLst>
+              <a:ext uri="{28A0092B-C50C-407E-A947-70E740481C1C}">
+                <a14:useLocalDpi xmlns:a14="http://schemas.microsoft.com/office/drawing/2010/main" val="0"/>
+              </a:ext>
+            </a:extLst>
+          </a:blip>
+          <a:stretch>
+            <a:fillRect/>
+          </a:stretch>
+        </p:blipFill>
+        <p:spPr>
+          <a:xfrm>
+            <a:off x="3106992" y="1904218"/>
+            <a:ext cx="5850195" cy="4474215"/>
+          </a:xfrm>
+          <a:prstGeom prst="rect">
+            <a:avLst/>
+          </a:prstGeom>
+        </p:spPr>
+      </p:pic>
+    </p:spTree>
+    <p:extLst>
+      <p:ext uri="{BB962C8B-B14F-4D97-AF65-F5344CB8AC3E}">
+        <p14:creationId xmlns:p14="http://schemas.microsoft.com/office/powerpoint/2010/main" val="1656200089"/>
+      </p:ext>
+    </p:extLst>
+  </p:cSld>
+  <p:clrMapOvr>
+    <a:masterClrMapping/>
+  </p:clrMapOvr>
+</p:sld>
+</file>
+
+<file path=ppt/slides/slide14.xml><?xml version="1.0" encoding="utf-8"?>
+<p:sld xmlns:a="http://schemas.openxmlformats.org/drawingml/2006/main" xmlns:r="http://schemas.openxmlformats.org/officeDocument/2006/relationships" xmlns:p="http://schemas.openxmlformats.org/presentationml/2006/main">
+  <p:cSld>
+    <p:spTree>
+      <p:nvGrpSpPr>
+        <p:cNvPr id="1" name=""/>
+        <p:cNvGrpSpPr/>
+        <p:nvPr/>
+      </p:nvGrpSpPr>
+      <p:grpSpPr>
+        <a:xfrm>
+          <a:off x="0" y="0"/>
+          <a:ext cx="0" cy="0"/>
+          <a:chOff x="0" y="0"/>
+          <a:chExt cx="0" cy="0"/>
+        </a:xfrm>
+      </p:grpSpPr>
+      <p:sp>
+        <p:nvSpPr>
+          <p:cNvPr id="2" name="Заголовок 1">
+            <a:extLst>
+              <a:ext uri="{FF2B5EF4-FFF2-40B4-BE49-F238E27FC236}">
                 <a16:creationId xmlns:a16="http://schemas.microsoft.com/office/drawing/2014/main" id="{8DA1AA53-4164-491F-8C6B-3CD9547A1C09}"/>
               </a:ext>
             </a:extLst>
@@ -13050,10 +13155,10 @@
       </p:sp>
       <p:sp>
         <p:nvSpPr>
-          <p:cNvPr id="3" name="Объект 2">
+          <p:cNvPr id="10" name="Текст 9">
             <a:extLst>
               <a:ext uri="{FF2B5EF4-FFF2-40B4-BE49-F238E27FC236}">
-                <a16:creationId xmlns:a16="http://schemas.microsoft.com/office/drawing/2014/main" id="{748A45CA-15F8-4411-A221-B9832A278146}"/>
+                <a16:creationId xmlns:a16="http://schemas.microsoft.com/office/drawing/2014/main" id="{3697D972-CB25-42F0-A4D8-4D59F8EF539A}"/>
               </a:ext>
             </a:extLst>
           </p:cNvPr>
@@ -13061,7 +13166,105 @@
             <a:spLocks noGrp="1"/>
           </p:cNvSpPr>
           <p:nvPr>
-            <p:ph idx="1"/>
+            <p:ph type="body" idx="1"/>
+          </p:nvPr>
+        </p:nvSpPr>
+        <p:spPr>
+          <a:xfrm>
+            <a:off x="1141410" y="1964350"/>
+            <a:ext cx="4649783" cy="823912"/>
+          </a:xfrm>
+        </p:spPr>
+        <p:txBody>
+          <a:bodyPr/>
+          <a:lstStyle/>
+          <a:p>
+            <a:pPr algn="ctr"/>
+            <a:r>
+              <a:rPr lang="en-US" dirty="0"/>
+              <a:t>Pater</a:t>
+            </a:r>
+            <a:r>
+              <a:rPr lang="lv-LV" dirty="0" err="1"/>
+              <a:t>ētais</a:t>
+            </a:r>
+            <a:r>
+              <a:rPr lang="lv-LV" dirty="0"/>
+              <a:t> laiks</a:t>
+            </a:r>
+            <a:endParaRPr lang="ru-RU" dirty="0"/>
+          </a:p>
+        </p:txBody>
+      </p:sp>
+      <p:sp>
+        <p:nvSpPr>
+          <p:cNvPr id="11" name="Объект 10">
+            <a:extLst>
+              <a:ext uri="{FF2B5EF4-FFF2-40B4-BE49-F238E27FC236}">
+                <a16:creationId xmlns:a16="http://schemas.microsoft.com/office/drawing/2014/main" id="{78908FBF-9D49-426C-854C-0D3674CBF2A8}"/>
+              </a:ext>
+            </a:extLst>
+          </p:cNvPr>
+          <p:cNvSpPr>
+            <a:spLocks noGrp="1"/>
+          </p:cNvSpPr>
+          <p:nvPr>
+            <p:ph sz="half" idx="2"/>
+          </p:nvPr>
+        </p:nvSpPr>
+        <p:spPr/>
+        <p:txBody>
+          <a:bodyPr/>
+          <a:lstStyle/>
+          <a:p>
+            <a:endParaRPr lang="ru-RU"/>
+          </a:p>
+        </p:txBody>
+      </p:sp>
+      <p:sp>
+        <p:nvSpPr>
+          <p:cNvPr id="12" name="Текст 11">
+            <a:extLst>
+              <a:ext uri="{FF2B5EF4-FFF2-40B4-BE49-F238E27FC236}">
+                <a16:creationId xmlns:a16="http://schemas.microsoft.com/office/drawing/2014/main" id="{13199FE1-4E0F-41B2-B246-A28E036A186D}"/>
+              </a:ext>
+            </a:extLst>
+          </p:cNvPr>
+          <p:cNvSpPr>
+            <a:spLocks noGrp="1"/>
+          </p:cNvSpPr>
+          <p:nvPr>
+            <p:ph type="body" sz="quarter" idx="3"/>
+          </p:nvPr>
+        </p:nvSpPr>
+        <p:spPr>
+          <a:xfrm>
+            <a:off x="6400808" y="2030719"/>
+            <a:ext cx="4646602" cy="823912"/>
+          </a:xfrm>
+        </p:spPr>
+        <p:txBody>
+          <a:bodyPr/>
+          <a:lstStyle/>
+          <a:p>
+            <a:endParaRPr lang="ru-RU" dirty="0"/>
+          </a:p>
+        </p:txBody>
+      </p:sp>
+      <p:sp>
+        <p:nvSpPr>
+          <p:cNvPr id="13" name="Объект 12">
+            <a:extLst>
+              <a:ext uri="{FF2B5EF4-FFF2-40B4-BE49-F238E27FC236}">
+                <a16:creationId xmlns:a16="http://schemas.microsoft.com/office/drawing/2014/main" id="{FEDEBE9F-D29E-4707-9740-791ADA6EC525}"/>
+              </a:ext>
+            </a:extLst>
+          </p:cNvPr>
+          <p:cNvSpPr>
+            <a:spLocks noGrp="1"/>
+          </p:cNvSpPr>
+          <p:nvPr>
+            <p:ph sz="quarter" idx="4"/>
           </p:nvPr>
         </p:nvSpPr>
         <p:spPr/>
@@ -13086,7 +13289,7 @@
 </p:sld>
 </file>
 
-<file path=ppt/slides/slide14.xml><?xml version="1.0" encoding="utf-8"?>
+<file path=ppt/slides/slide15.xml><?xml version="1.0" encoding="utf-8"?>
 <p:sld xmlns:a="http://schemas.openxmlformats.org/drawingml/2006/main" xmlns:r="http://schemas.openxmlformats.org/officeDocument/2006/relationships" xmlns:p="http://schemas.openxmlformats.org/presentationml/2006/main">
   <p:cSld>
     <p:spTree>
@@ -13224,7 +13427,7 @@
 </p:sld>
 </file>
 
-<file path=ppt/slides/slide15.xml><?xml version="1.0" encoding="utf-8"?>
+<file path=ppt/slides/slide16.xml><?xml version="1.0" encoding="utf-8"?>
 <p:sld xmlns:a="http://schemas.openxmlformats.org/drawingml/2006/main" xmlns:r="http://schemas.openxmlformats.org/officeDocument/2006/relationships" xmlns:p="http://schemas.openxmlformats.org/presentationml/2006/main">
   <p:cSld>
     <p:spTree>

--- a/Bizjuks_Eksamens.pptx
+++ b/Bizjuks_Eksamens.pptx
@@ -18,9 +18,10 @@
     <p:sldId id="269" r:id="rId12"/>
     <p:sldId id="270" r:id="rId13"/>
     <p:sldId id="272" r:id="rId14"/>
-    <p:sldId id="271" r:id="rId15"/>
-    <p:sldId id="260" r:id="rId16"/>
-    <p:sldId id="261" r:id="rId17"/>
+    <p:sldId id="273" r:id="rId15"/>
+    <p:sldId id="271" r:id="rId16"/>
+    <p:sldId id="260" r:id="rId17"/>
+    <p:sldId id="261" r:id="rId18"/>
   </p:sldIdLst>
   <p:sldSz cx="12192000" cy="6858000"/>
   <p:notesSz cx="6858000" cy="9144000"/>
@@ -184,7 +185,7 @@
           <a:noFill/>
           <a:extLst>
             <a:ext uri="{909E8E84-426E-40dd-AFC4-6F175D3DCCD1}">
-              <a14:hiddenFill xmlns:a14="http://schemas.microsoft.com/office/drawing/2010/main" xmlns="">
+              <a14:hiddenFill xmlns="" xmlns:a14="http://schemas.microsoft.com/office/drawing/2010/main">
                 <a:solidFill>
                   <a:srgbClr val="FFFFFF"/>
                 </a:solidFill>
@@ -243,7 +244,7 @@
             </a:ln>
             <a:extLst>
               <a:ext uri="{91240B29-F687-4f45-9708-019B960494DF}">
-                <a14:hiddenLine xmlns:a14="http://schemas.microsoft.com/office/drawing/2010/main" xmlns="" w="9525">
+                <a14:hiddenLine xmlns="" xmlns:a14="http://schemas.microsoft.com/office/drawing/2010/main" w="9525">
                   <a:solidFill>
                     <a:srgbClr val="000000"/>
                   </a:solidFill>
@@ -333,7 +334,7 @@
             </a:ln>
             <a:extLst>
               <a:ext uri="{91240B29-F687-4f45-9708-019B960494DF}">
-                <a14:hiddenLine xmlns:a14="http://schemas.microsoft.com/office/drawing/2010/main" xmlns="" w="9525">
+                <a14:hiddenLine xmlns="" xmlns:a14="http://schemas.microsoft.com/office/drawing/2010/main" w="9525">
                   <a:solidFill>
                     <a:srgbClr val="000000"/>
                   </a:solidFill>
@@ -423,7 +424,7 @@
             </a:ln>
             <a:extLst>
               <a:ext uri="{91240B29-F687-4f45-9708-019B960494DF}">
-                <a14:hiddenLine xmlns:a14="http://schemas.microsoft.com/office/drawing/2010/main" xmlns="" w="9525">
+                <a14:hiddenLine xmlns="" xmlns:a14="http://schemas.microsoft.com/office/drawing/2010/main" w="9525">
                   <a:solidFill>
                     <a:srgbClr val="000000"/>
                   </a:solidFill>
@@ -457,7 +458,7 @@
             </a:ln>
             <a:extLst>
               <a:ext uri="{91240B29-F687-4f45-9708-019B960494DF}">
-                <a14:hiddenLine xmlns:a14="http://schemas.microsoft.com/office/drawing/2010/main" xmlns="" w="9525">
+                <a14:hiddenLine xmlns="" xmlns:a14="http://schemas.microsoft.com/office/drawing/2010/main" w="9525">
                   <a:solidFill>
                     <a:srgbClr val="000000"/>
                   </a:solidFill>
@@ -547,7 +548,7 @@
             </a:ln>
             <a:extLst>
               <a:ext uri="{91240B29-F687-4f45-9708-019B960494DF}">
-                <a14:hiddenLine xmlns:a14="http://schemas.microsoft.com/office/drawing/2010/main" xmlns="" w="9525">
+                <a14:hiddenLine xmlns="" xmlns:a14="http://schemas.microsoft.com/office/drawing/2010/main" w="9525">
                   <a:solidFill>
                     <a:srgbClr val="000000"/>
                   </a:solidFill>
@@ -609,7 +610,7 @@
             </a:ln>
             <a:extLst>
               <a:ext uri="{91240B29-F687-4f45-9708-019B960494DF}">
-                <a14:hiddenLine xmlns:a14="http://schemas.microsoft.com/office/drawing/2010/main" xmlns="" w="9525">
+                <a14:hiddenLine xmlns="" xmlns:a14="http://schemas.microsoft.com/office/drawing/2010/main" w="9525">
                   <a:solidFill>
                     <a:srgbClr val="000000"/>
                   </a:solidFill>
@@ -671,7 +672,7 @@
             </a:ln>
             <a:extLst>
               <a:ext uri="{91240B29-F687-4f45-9708-019B960494DF}">
-                <a14:hiddenLine xmlns:a14="http://schemas.microsoft.com/office/drawing/2010/main" xmlns="" w="9525">
+                <a14:hiddenLine xmlns="" xmlns:a14="http://schemas.microsoft.com/office/drawing/2010/main" w="9525">
                   <a:solidFill>
                     <a:srgbClr val="000000"/>
                   </a:solidFill>
@@ -761,7 +762,7 @@
             </a:ln>
             <a:extLst>
               <a:ext uri="{91240B29-F687-4f45-9708-019B960494DF}">
-                <a14:hiddenLine xmlns:a14="http://schemas.microsoft.com/office/drawing/2010/main" xmlns="" w="9525">
+                <a14:hiddenLine xmlns="" xmlns:a14="http://schemas.microsoft.com/office/drawing/2010/main" w="9525">
                   <a:solidFill>
                     <a:srgbClr val="000000"/>
                   </a:solidFill>
@@ -823,7 +824,7 @@
             </a:ln>
             <a:extLst>
               <a:ext uri="{91240B29-F687-4f45-9708-019B960494DF}">
-                <a14:hiddenLine xmlns:a14="http://schemas.microsoft.com/office/drawing/2010/main" xmlns="" w="9525">
+                <a14:hiddenLine xmlns="" xmlns:a14="http://schemas.microsoft.com/office/drawing/2010/main" w="9525">
                   <a:solidFill>
                     <a:srgbClr val="000000"/>
                   </a:solidFill>
@@ -885,7 +886,7 @@
             </a:ln>
             <a:extLst>
               <a:ext uri="{91240B29-F687-4f45-9708-019B960494DF}">
-                <a14:hiddenLine xmlns:a14="http://schemas.microsoft.com/office/drawing/2010/main" xmlns="" w="9525">
+                <a14:hiddenLine xmlns="" xmlns:a14="http://schemas.microsoft.com/office/drawing/2010/main" w="9525">
                   <a:solidFill>
                     <a:srgbClr val="000000"/>
                   </a:solidFill>
@@ -975,7 +976,7 @@
             </a:ln>
             <a:extLst>
               <a:ext uri="{91240B29-F687-4f45-9708-019B960494DF}">
-                <a14:hiddenLine xmlns:a14="http://schemas.microsoft.com/office/drawing/2010/main" xmlns="" w="9525">
+                <a14:hiddenLine xmlns="" xmlns:a14="http://schemas.microsoft.com/office/drawing/2010/main" w="9525">
                   <a:solidFill>
                     <a:srgbClr val="000000"/>
                   </a:solidFill>
@@ -1065,7 +1066,7 @@
             </a:ln>
             <a:extLst>
               <a:ext uri="{91240B29-F687-4f45-9708-019B960494DF}">
-                <a14:hiddenLine xmlns:a14="http://schemas.microsoft.com/office/drawing/2010/main" xmlns="" w="9525">
+                <a14:hiddenLine xmlns="" xmlns:a14="http://schemas.microsoft.com/office/drawing/2010/main" w="9525">
                   <a:solidFill>
                     <a:srgbClr val="000000"/>
                   </a:solidFill>
@@ -1127,7 +1128,7 @@
             </a:ln>
             <a:extLst>
               <a:ext uri="{91240B29-F687-4f45-9708-019B960494DF}">
-                <a14:hiddenLine xmlns:a14="http://schemas.microsoft.com/office/drawing/2010/main" xmlns="" w="9525">
+                <a14:hiddenLine xmlns="" xmlns:a14="http://schemas.microsoft.com/office/drawing/2010/main" w="9525">
                   <a:solidFill>
                     <a:srgbClr val="000000"/>
                   </a:solidFill>
@@ -1237,7 +1238,7 @@
             </a:ln>
             <a:extLst>
               <a:ext uri="{91240B29-F687-4f45-9708-019B960494DF}">
-                <a14:hiddenLine xmlns:a14="http://schemas.microsoft.com/office/drawing/2010/main" xmlns="" w="9525">
+                <a14:hiddenLine xmlns="" xmlns:a14="http://schemas.microsoft.com/office/drawing/2010/main" w="9525">
                   <a:solidFill>
                     <a:srgbClr val="000000"/>
                   </a:solidFill>
@@ -1299,7 +1300,7 @@
             </a:ln>
             <a:extLst>
               <a:ext uri="{91240B29-F687-4f45-9708-019B960494DF}">
-                <a14:hiddenLine xmlns:a14="http://schemas.microsoft.com/office/drawing/2010/main" xmlns="" w="9525">
+                <a14:hiddenLine xmlns="" xmlns:a14="http://schemas.microsoft.com/office/drawing/2010/main" w="9525">
                   <a:solidFill>
                     <a:srgbClr val="000000"/>
                   </a:solidFill>
@@ -1389,7 +1390,7 @@
             </a:ln>
             <a:extLst>
               <a:ext uri="{91240B29-F687-4f45-9708-019B960494DF}">
-                <a14:hiddenLine xmlns:a14="http://schemas.microsoft.com/office/drawing/2010/main" xmlns="" w="9525">
+                <a14:hiddenLine xmlns="" xmlns:a14="http://schemas.microsoft.com/office/drawing/2010/main" w="9525">
                   <a:solidFill>
                     <a:srgbClr val="000000"/>
                   </a:solidFill>
@@ -1479,7 +1480,7 @@
             </a:ln>
             <a:extLst>
               <a:ext uri="{91240B29-F687-4f45-9708-019B960494DF}">
-                <a14:hiddenLine xmlns:a14="http://schemas.microsoft.com/office/drawing/2010/main" xmlns="" w="9525">
+                <a14:hiddenLine xmlns="" xmlns:a14="http://schemas.microsoft.com/office/drawing/2010/main" w="9525">
                   <a:solidFill>
                     <a:srgbClr val="000000"/>
                   </a:solidFill>
@@ -1541,7 +1542,7 @@
             </a:ln>
             <a:extLst>
               <a:ext uri="{91240B29-F687-4f45-9708-019B960494DF}">
-                <a14:hiddenLine xmlns:a14="http://schemas.microsoft.com/office/drawing/2010/main" xmlns="" w="9525">
+                <a14:hiddenLine xmlns="" xmlns:a14="http://schemas.microsoft.com/office/drawing/2010/main" w="9525">
                   <a:solidFill>
                     <a:srgbClr val="000000"/>
                   </a:solidFill>
@@ -1631,7 +1632,7 @@
             </a:ln>
             <a:extLst>
               <a:ext uri="{91240B29-F687-4f45-9708-019B960494DF}">
-                <a14:hiddenLine xmlns:a14="http://schemas.microsoft.com/office/drawing/2010/main" xmlns="" w="9525">
+                <a14:hiddenLine xmlns="" xmlns:a14="http://schemas.microsoft.com/office/drawing/2010/main" w="9525">
                   <a:solidFill>
                     <a:srgbClr val="000000"/>
                   </a:solidFill>
@@ -1721,7 +1722,7 @@
             </a:ln>
             <a:extLst>
               <a:ext uri="{91240B29-F687-4f45-9708-019B960494DF}">
-                <a14:hiddenLine xmlns:a14="http://schemas.microsoft.com/office/drawing/2010/main" xmlns="" w="9525">
+                <a14:hiddenLine xmlns="" xmlns:a14="http://schemas.microsoft.com/office/drawing/2010/main" w="9525">
                   <a:solidFill>
                     <a:srgbClr val="000000"/>
                   </a:solidFill>
@@ -1777,7 +1778,7 @@
             </a:ln>
             <a:extLst>
               <a:ext uri="{91240B29-F687-4f45-9708-019B960494DF}">
-                <a14:hiddenLine xmlns:a14="http://schemas.microsoft.com/office/drawing/2010/main" xmlns="" w="9525">
+                <a14:hiddenLine xmlns="" xmlns:a14="http://schemas.microsoft.com/office/drawing/2010/main" w="9525">
                   <a:solidFill>
                     <a:srgbClr val="000000"/>
                   </a:solidFill>
@@ -1867,7 +1868,7 @@
             </a:ln>
             <a:extLst>
               <a:ext uri="{91240B29-F687-4f45-9708-019B960494DF}">
-                <a14:hiddenLine xmlns:a14="http://schemas.microsoft.com/office/drawing/2010/main" xmlns="" w="9525">
+                <a14:hiddenLine xmlns="" xmlns:a14="http://schemas.microsoft.com/office/drawing/2010/main" w="9525">
                   <a:solidFill>
                     <a:srgbClr val="000000"/>
                   </a:solidFill>
@@ -1923,7 +1924,7 @@
             </a:ln>
             <a:extLst>
               <a:ext uri="{91240B29-F687-4f45-9708-019B960494DF}">
-                <a14:hiddenLine xmlns:a14="http://schemas.microsoft.com/office/drawing/2010/main" xmlns="" w="9525">
+                <a14:hiddenLine xmlns="" xmlns:a14="http://schemas.microsoft.com/office/drawing/2010/main" w="9525">
                   <a:solidFill>
                     <a:srgbClr val="000000"/>
                   </a:solidFill>
@@ -2013,7 +2014,7 @@
             </a:ln>
             <a:extLst>
               <a:ext uri="{91240B29-F687-4f45-9708-019B960494DF}">
-                <a14:hiddenLine xmlns:a14="http://schemas.microsoft.com/office/drawing/2010/main" xmlns="" w="9525">
+                <a14:hiddenLine xmlns="" xmlns:a14="http://schemas.microsoft.com/office/drawing/2010/main" w="9525">
                   <a:solidFill>
                     <a:srgbClr val="000000"/>
                   </a:solidFill>
@@ -2081,7 +2082,7 @@
             </a:ln>
             <a:extLst>
               <a:ext uri="{91240B29-F687-4f45-9708-019B960494DF}">
-                <a14:hiddenLine xmlns:a14="http://schemas.microsoft.com/office/drawing/2010/main" xmlns="" w="9525">
+                <a14:hiddenLine xmlns="" xmlns:a14="http://schemas.microsoft.com/office/drawing/2010/main" w="9525">
                   <a:solidFill>
                     <a:srgbClr val="000000"/>
                   </a:solidFill>
@@ -2171,7 +2172,7 @@
             </a:ln>
             <a:extLst>
               <a:ext uri="{91240B29-F687-4f45-9708-019B960494DF}">
-                <a14:hiddenLine xmlns:a14="http://schemas.microsoft.com/office/drawing/2010/main" xmlns="" w="9525">
+                <a14:hiddenLine xmlns="" xmlns:a14="http://schemas.microsoft.com/office/drawing/2010/main" w="9525">
                   <a:solidFill>
                     <a:srgbClr val="000000"/>
                   </a:solidFill>
@@ -2239,7 +2240,7 @@
             </a:ln>
             <a:extLst>
               <a:ext uri="{91240B29-F687-4f45-9708-019B960494DF}">
-                <a14:hiddenLine xmlns:a14="http://schemas.microsoft.com/office/drawing/2010/main" xmlns="" w="9525">
+                <a14:hiddenLine xmlns="" xmlns:a14="http://schemas.microsoft.com/office/drawing/2010/main" w="9525">
                   <a:solidFill>
                     <a:srgbClr val="000000"/>
                   </a:solidFill>
@@ -2329,7 +2330,7 @@
             </a:ln>
             <a:extLst>
               <a:ext uri="{91240B29-F687-4f45-9708-019B960494DF}">
-                <a14:hiddenLine xmlns:a14="http://schemas.microsoft.com/office/drawing/2010/main" xmlns="" w="9525">
+                <a14:hiddenLine xmlns="" xmlns:a14="http://schemas.microsoft.com/office/drawing/2010/main" w="9525">
                   <a:solidFill>
                     <a:srgbClr val="000000"/>
                   </a:solidFill>
@@ -2363,7 +2364,7 @@
             </a:ln>
             <a:extLst>
               <a:ext uri="{91240B29-F687-4f45-9708-019B960494DF}">
-                <a14:hiddenLine xmlns:a14="http://schemas.microsoft.com/office/drawing/2010/main" xmlns="" w="9525">
+                <a14:hiddenLine xmlns="" xmlns:a14="http://schemas.microsoft.com/office/drawing/2010/main" w="9525">
                   <a:solidFill>
                     <a:srgbClr val="000000"/>
                   </a:solidFill>
@@ -2453,7 +2454,7 @@
             </a:ln>
             <a:extLst>
               <a:ext uri="{91240B29-F687-4f45-9708-019B960494DF}">
-                <a14:hiddenLine xmlns:a14="http://schemas.microsoft.com/office/drawing/2010/main" xmlns="" w="9525">
+                <a14:hiddenLine xmlns="" xmlns:a14="http://schemas.microsoft.com/office/drawing/2010/main" w="9525">
                   <a:solidFill>
                     <a:srgbClr val="000000"/>
                   </a:solidFill>
@@ -2515,7 +2516,7 @@
             </a:ln>
             <a:extLst>
               <a:ext uri="{91240B29-F687-4f45-9708-019B960494DF}">
-                <a14:hiddenLine xmlns:a14="http://schemas.microsoft.com/office/drawing/2010/main" xmlns="" w="9525">
+                <a14:hiddenLine xmlns="" xmlns:a14="http://schemas.microsoft.com/office/drawing/2010/main" w="9525">
                   <a:solidFill>
                     <a:srgbClr val="000000"/>
                   </a:solidFill>
@@ -2577,7 +2578,7 @@
             </a:ln>
             <a:extLst>
               <a:ext uri="{91240B29-F687-4f45-9708-019B960494DF}">
-                <a14:hiddenLine xmlns:a14="http://schemas.microsoft.com/office/drawing/2010/main" xmlns="" w="9525">
+                <a14:hiddenLine xmlns="" xmlns:a14="http://schemas.microsoft.com/office/drawing/2010/main" w="9525">
                   <a:solidFill>
                     <a:srgbClr val="000000"/>
                   </a:solidFill>
@@ -2667,7 +2668,7 @@
             </a:ln>
             <a:extLst>
               <a:ext uri="{91240B29-F687-4f45-9708-019B960494DF}">
-                <a14:hiddenLine xmlns:a14="http://schemas.microsoft.com/office/drawing/2010/main" xmlns="" w="9525">
+                <a14:hiddenLine xmlns="" xmlns:a14="http://schemas.microsoft.com/office/drawing/2010/main" w="9525">
                   <a:solidFill>
                     <a:srgbClr val="000000"/>
                   </a:solidFill>
@@ -2735,7 +2736,7 @@
             </a:ln>
             <a:extLst>
               <a:ext uri="{91240B29-F687-4f45-9708-019B960494DF}">
-                <a14:hiddenLine xmlns:a14="http://schemas.microsoft.com/office/drawing/2010/main" xmlns="" w="9525">
+                <a14:hiddenLine xmlns="" xmlns:a14="http://schemas.microsoft.com/office/drawing/2010/main" w="9525">
                   <a:solidFill>
                     <a:srgbClr val="000000"/>
                   </a:solidFill>
@@ -2797,7 +2798,7 @@
             </a:ln>
             <a:extLst>
               <a:ext uri="{91240B29-F687-4f45-9708-019B960494DF}">
-                <a14:hiddenLine xmlns:a14="http://schemas.microsoft.com/office/drawing/2010/main" xmlns="" w="9525">
+                <a14:hiddenLine xmlns="" xmlns:a14="http://schemas.microsoft.com/office/drawing/2010/main" w="9525">
                   <a:solidFill>
                     <a:srgbClr val="000000"/>
                   </a:solidFill>
@@ -2887,7 +2888,7 @@
             </a:ln>
             <a:extLst>
               <a:ext uri="{91240B29-F687-4f45-9708-019B960494DF}">
-                <a14:hiddenLine xmlns:a14="http://schemas.microsoft.com/office/drawing/2010/main" xmlns="" w="9525">
+                <a14:hiddenLine xmlns="" xmlns:a14="http://schemas.microsoft.com/office/drawing/2010/main" w="9525">
                   <a:solidFill>
                     <a:srgbClr val="000000"/>
                   </a:solidFill>
@@ -2949,7 +2950,7 @@
             </a:ln>
             <a:extLst>
               <a:ext uri="{91240B29-F687-4f45-9708-019B960494DF}">
-                <a14:hiddenLine xmlns:a14="http://schemas.microsoft.com/office/drawing/2010/main" xmlns="" w="9525">
+                <a14:hiddenLine xmlns="" xmlns:a14="http://schemas.microsoft.com/office/drawing/2010/main" w="9525">
                   <a:solidFill>
                     <a:srgbClr val="000000"/>
                   </a:solidFill>
@@ -3039,7 +3040,7 @@
             </a:ln>
             <a:extLst>
               <a:ext uri="{91240B29-F687-4f45-9708-019B960494DF}">
-                <a14:hiddenLine xmlns:a14="http://schemas.microsoft.com/office/drawing/2010/main" xmlns="" w="9525">
+                <a14:hiddenLine xmlns="" xmlns:a14="http://schemas.microsoft.com/office/drawing/2010/main" w="9525">
                   <a:solidFill>
                     <a:srgbClr val="000000"/>
                   </a:solidFill>
@@ -3101,7 +3102,7 @@
             </a:ln>
             <a:extLst>
               <a:ext uri="{91240B29-F687-4f45-9708-019B960494DF}">
-                <a14:hiddenLine xmlns:a14="http://schemas.microsoft.com/office/drawing/2010/main" xmlns="" w="9525">
+                <a14:hiddenLine xmlns="" xmlns:a14="http://schemas.microsoft.com/office/drawing/2010/main" w="9525">
                   <a:solidFill>
                     <a:srgbClr val="000000"/>
                   </a:solidFill>
@@ -3191,7 +3192,7 @@
             </a:ln>
             <a:extLst>
               <a:ext uri="{91240B29-F687-4f45-9708-019B960494DF}">
-                <a14:hiddenLine xmlns:a14="http://schemas.microsoft.com/office/drawing/2010/main" xmlns="" w="9525">
+                <a14:hiddenLine xmlns="" xmlns:a14="http://schemas.microsoft.com/office/drawing/2010/main" w="9525">
                   <a:solidFill>
                     <a:srgbClr val="000000"/>
                   </a:solidFill>
@@ -3225,7 +3226,7 @@
             </a:ln>
             <a:extLst>
               <a:ext uri="{91240B29-F687-4f45-9708-019B960494DF}">
-                <a14:hiddenLine xmlns:a14="http://schemas.microsoft.com/office/drawing/2010/main" xmlns="" w="9525">
+                <a14:hiddenLine xmlns="" xmlns:a14="http://schemas.microsoft.com/office/drawing/2010/main" w="9525">
                   <a:solidFill>
                     <a:srgbClr val="000000"/>
                   </a:solidFill>
@@ -3290,7 +3291,7 @@
             </a:ln>
             <a:extLst>
               <a:ext uri="{91240B29-F687-4f45-9708-019B960494DF}">
-                <a14:hiddenLine xmlns:a14="http://schemas.microsoft.com/office/drawing/2010/main" xmlns="" w="9525">
+                <a14:hiddenLine xmlns="" xmlns:a14="http://schemas.microsoft.com/office/drawing/2010/main" w="9525">
                   <a:solidFill>
                     <a:srgbClr val="000000"/>
                   </a:solidFill>
@@ -3380,7 +3381,7 @@
             </a:ln>
             <a:extLst>
               <a:ext uri="{91240B29-F687-4f45-9708-019B960494DF}">
-                <a14:hiddenLine xmlns:a14="http://schemas.microsoft.com/office/drawing/2010/main" xmlns="" w="9525">
+                <a14:hiddenLine xmlns="" xmlns:a14="http://schemas.microsoft.com/office/drawing/2010/main" w="9525">
                   <a:solidFill>
                     <a:srgbClr val="000000"/>
                   </a:solidFill>
@@ -3442,7 +3443,7 @@
             </a:ln>
             <a:extLst>
               <a:ext uri="{91240B29-F687-4f45-9708-019B960494DF}">
-                <a14:hiddenLine xmlns:a14="http://schemas.microsoft.com/office/drawing/2010/main" xmlns="" w="9525">
+                <a14:hiddenLine xmlns="" xmlns:a14="http://schemas.microsoft.com/office/drawing/2010/main" w="9525">
                   <a:solidFill>
                     <a:srgbClr val="000000"/>
                   </a:solidFill>
@@ -3532,7 +3533,7 @@
             </a:ln>
             <a:extLst>
               <a:ext uri="{91240B29-F687-4f45-9708-019B960494DF}">
-                <a14:hiddenLine xmlns:a14="http://schemas.microsoft.com/office/drawing/2010/main" xmlns="" w="9525">
+                <a14:hiddenLine xmlns="" xmlns:a14="http://schemas.microsoft.com/office/drawing/2010/main" w="9525">
                   <a:solidFill>
                     <a:srgbClr val="000000"/>
                   </a:solidFill>
@@ -3622,7 +3623,7 @@
             </a:ln>
             <a:extLst>
               <a:ext uri="{91240B29-F687-4f45-9708-019B960494DF}">
-                <a14:hiddenLine xmlns:a14="http://schemas.microsoft.com/office/drawing/2010/main" xmlns="" w="9525">
+                <a14:hiddenLine xmlns="" xmlns:a14="http://schemas.microsoft.com/office/drawing/2010/main" w="9525">
                   <a:solidFill>
                     <a:srgbClr val="000000"/>
                   </a:solidFill>
@@ -3687,7 +3688,7 @@
             </a:ln>
             <a:extLst>
               <a:ext uri="{91240B29-F687-4f45-9708-019B960494DF}">
-                <a14:hiddenLine xmlns:a14="http://schemas.microsoft.com/office/drawing/2010/main" xmlns="" w="9525">
+                <a14:hiddenLine xmlns="" xmlns:a14="http://schemas.microsoft.com/office/drawing/2010/main" w="9525">
                   <a:solidFill>
                     <a:srgbClr val="000000"/>
                   </a:solidFill>
@@ -3749,7 +3750,7 @@
             </a:ln>
             <a:extLst>
               <a:ext uri="{91240B29-F687-4f45-9708-019B960494DF}">
-                <a14:hiddenLine xmlns:a14="http://schemas.microsoft.com/office/drawing/2010/main" xmlns="" w="9525">
+                <a14:hiddenLine xmlns="" xmlns:a14="http://schemas.microsoft.com/office/drawing/2010/main" w="9525">
                   <a:solidFill>
                     <a:srgbClr val="000000"/>
                   </a:solidFill>
@@ -3839,7 +3840,7 @@
             </a:ln>
             <a:extLst>
               <a:ext uri="{91240B29-F687-4f45-9708-019B960494DF}">
-                <a14:hiddenLine xmlns:a14="http://schemas.microsoft.com/office/drawing/2010/main" xmlns="" w="9525">
+                <a14:hiddenLine xmlns="" xmlns:a14="http://schemas.microsoft.com/office/drawing/2010/main" w="9525">
                   <a:solidFill>
                     <a:srgbClr val="000000"/>
                   </a:solidFill>
@@ -3929,7 +3930,7 @@
             </a:ln>
             <a:extLst>
               <a:ext uri="{91240B29-F687-4f45-9708-019B960494DF}">
-                <a14:hiddenLine xmlns:a14="http://schemas.microsoft.com/office/drawing/2010/main" xmlns="" w="9525">
+                <a14:hiddenLine xmlns="" xmlns:a14="http://schemas.microsoft.com/office/drawing/2010/main" w="9525">
                   <a:solidFill>
                     <a:srgbClr val="000000"/>
                   </a:solidFill>
@@ -3991,7 +3992,7 @@
             </a:ln>
             <a:extLst>
               <a:ext uri="{91240B29-F687-4f45-9708-019B960494DF}">
-                <a14:hiddenLine xmlns:a14="http://schemas.microsoft.com/office/drawing/2010/main" xmlns="" w="9525">
+                <a14:hiddenLine xmlns="" xmlns:a14="http://schemas.microsoft.com/office/drawing/2010/main" w="9525">
                   <a:solidFill>
                     <a:srgbClr val="000000"/>
                   </a:solidFill>
@@ -4111,7 +4112,7 @@
             </a:ln>
             <a:extLst>
               <a:ext uri="{91240B29-F687-4f45-9708-019B960494DF}">
-                <a14:hiddenLine xmlns:a14="http://schemas.microsoft.com/office/drawing/2010/main" xmlns="" w="9525">
+                <a14:hiddenLine xmlns="" xmlns:a14="http://schemas.microsoft.com/office/drawing/2010/main" w="9525">
                   <a:solidFill>
                     <a:srgbClr val="000000"/>
                   </a:solidFill>
@@ -4179,7 +4180,7 @@
             </a:ln>
             <a:extLst>
               <a:ext uri="{91240B29-F687-4f45-9708-019B960494DF}">
-                <a14:hiddenLine xmlns:a14="http://schemas.microsoft.com/office/drawing/2010/main" xmlns="" w="9525">
+                <a14:hiddenLine xmlns="" xmlns:a14="http://schemas.microsoft.com/office/drawing/2010/main" w="9525">
                   <a:solidFill>
                     <a:srgbClr val="000000"/>
                   </a:solidFill>
@@ -4269,7 +4270,7 @@
             </a:ln>
             <a:extLst>
               <a:ext uri="{91240B29-F687-4f45-9708-019B960494DF}">
-                <a14:hiddenLine xmlns:a14="http://schemas.microsoft.com/office/drawing/2010/main" xmlns="" w="9525">
+                <a14:hiddenLine xmlns="" xmlns:a14="http://schemas.microsoft.com/office/drawing/2010/main" w="9525">
                   <a:solidFill>
                     <a:srgbClr val="000000"/>
                   </a:solidFill>
@@ -4411,7 +4412,7 @@
             <a:fld id="{E1ADD138-1F21-40DC-85EB-3D779985BA7E}" type="datetime1">
               <a:rPr lang="ru-RU" smtClean="0"/>
               <a:pPr lvl="0"/>
-              <a:t>09.06.2024</a:t>
+              <a:t>10.06.2024</a:t>
             </a:fld>
             <a:endParaRPr lang="ru-RU"/>
           </a:p>
@@ -4683,7 +4684,7 @@
             <a:fld id="{3C094329-D99E-4201-8B47-41520771E845}" type="datetime1">
               <a:rPr lang="ru-RU" smtClean="0"/>
               <a:pPr lvl="0"/>
-              <a:t>09.06.2024</a:t>
+              <a:t>10.06.2024</a:t>
             </a:fld>
             <a:endParaRPr lang="ru-RU"/>
           </a:p>
@@ -4883,7 +4884,7 @@
             <a:fld id="{3C094329-D99E-4201-8B47-41520771E845}" type="datetime1">
               <a:rPr lang="ru-RU" smtClean="0"/>
               <a:pPr lvl="0"/>
-              <a:t>09.06.2024</a:t>
+              <a:t>10.06.2024</a:t>
             </a:fld>
             <a:endParaRPr lang="ru-RU"/>
           </a:p>
@@ -5150,7 +5151,7 @@
             <a:fld id="{3C094329-D99E-4201-8B47-41520771E845}" type="datetime1">
               <a:rPr lang="ru-RU" smtClean="0"/>
               <a:pPr lvl="0"/>
-              <a:t>09.06.2024</a:t>
+              <a:t>10.06.2024</a:t>
             </a:fld>
             <a:endParaRPr lang="ru-RU"/>
           </a:p>
@@ -5588,7 +5589,7 @@
             <a:fld id="{3C094329-D99E-4201-8B47-41520771E845}" type="datetime1">
               <a:rPr lang="ru-RU" smtClean="0"/>
               <a:pPr lvl="0"/>
-              <a:t>09.06.2024</a:t>
+              <a:t>10.06.2024</a:t>
             </a:fld>
             <a:endParaRPr lang="ru-RU"/>
           </a:p>
@@ -6138,7 +6139,7 @@
             <a:fld id="{3C094329-D99E-4201-8B47-41520771E845}" type="datetime1">
               <a:rPr lang="ru-RU" smtClean="0"/>
               <a:pPr lvl="0"/>
-              <a:t>09.06.2024</a:t>
+              <a:t>10.06.2024</a:t>
             </a:fld>
             <a:endParaRPr lang="ru-RU"/>
           </a:p>
@@ -6862,7 +6863,7 @@
             <a:fld id="{3C094329-D99E-4201-8B47-41520771E845}" type="datetime1">
               <a:rPr lang="ru-RU" smtClean="0"/>
               <a:pPr lvl="0"/>
-              <a:t>09.06.2024</a:t>
+              <a:t>10.06.2024</a:t>
             </a:fld>
             <a:endParaRPr lang="ru-RU"/>
           </a:p>
@@ -7036,7 +7037,7 @@
             <a:fld id="{A3E7D224-F363-40DC-ACBE-E035C0CB316D}" type="datetime1">
               <a:rPr lang="ru-RU" smtClean="0"/>
               <a:pPr lvl="0"/>
-              <a:t>09.06.2024</a:t>
+              <a:t>10.06.2024</a:t>
             </a:fld>
             <a:endParaRPr lang="ru-RU"/>
           </a:p>
@@ -7220,7 +7221,7 @@
             <a:fld id="{CA1919F7-E112-40CB-83DC-15624BD76272}" type="datetime1">
               <a:rPr lang="ru-RU" smtClean="0"/>
               <a:pPr lvl="0"/>
-              <a:t>09.06.2024</a:t>
+              <a:t>10.06.2024</a:t>
             </a:fld>
             <a:endParaRPr lang="ru-RU"/>
           </a:p>
@@ -7394,7 +7395,7 @@
             <a:fld id="{4793C550-FB5D-4634-9D09-68BC84FE8FC8}" type="datetime1">
               <a:rPr lang="ru-RU" smtClean="0"/>
               <a:pPr lvl="0"/>
-              <a:t>09.06.2024</a:t>
+              <a:t>10.06.2024</a:t>
             </a:fld>
             <a:endParaRPr lang="ru-RU"/>
           </a:p>
@@ -7648,7 +7649,7 @@
             <a:fld id="{C40D43CA-7E07-49A8-A9CE-B963370085A8}" type="datetime1">
               <a:rPr lang="ru-RU" smtClean="0"/>
               <a:pPr lvl="0"/>
-              <a:t>09.06.2024</a:t>
+              <a:t>10.06.2024</a:t>
             </a:fld>
             <a:endParaRPr lang="ru-RU"/>
           </a:p>
@@ -7884,7 +7885,7 @@
             <a:fld id="{E296A6F9-AA23-4A1C-A463-E962E6D806AD}" type="datetime1">
               <a:rPr lang="ru-RU" smtClean="0"/>
               <a:pPr lvl="0"/>
-              <a:t>09.06.2024</a:t>
+              <a:t>10.06.2024</a:t>
             </a:fld>
             <a:endParaRPr lang="ru-RU"/>
           </a:p>
@@ -8269,7 +8270,7 @@
             <a:fld id="{9140A572-9E5C-4529-890C-631624C958F8}" type="datetime1">
               <a:rPr lang="ru-RU" smtClean="0"/>
               <a:pPr lvl="0"/>
-              <a:t>09.06.2024</a:t>
+              <a:t>10.06.2024</a:t>
             </a:fld>
             <a:endParaRPr lang="ru-RU"/>
           </a:p>
@@ -8391,7 +8392,7 @@
             <a:fld id="{D96BD53F-DB76-47EB-902E-458B38ECFFF0}" type="datetime1">
               <a:rPr lang="ru-RU" smtClean="0"/>
               <a:pPr lvl="0"/>
-              <a:t>09.06.2024</a:t>
+              <a:t>10.06.2024</a:t>
             </a:fld>
             <a:endParaRPr lang="ru-RU"/>
           </a:p>
@@ -8490,7 +8491,7 @@
             <a:fld id="{647B4488-D861-484C-8E8D-837AB3D48256}" type="datetime1">
               <a:rPr lang="ru-RU" smtClean="0"/>
               <a:pPr lvl="0"/>
-              <a:t>09.06.2024</a:t>
+              <a:t>10.06.2024</a:t>
             </a:fld>
             <a:endParaRPr lang="ru-RU"/>
           </a:p>
@@ -8743,7 +8744,7 @@
             <a:fld id="{D36D8137-88A6-4518-B99C-174159A3F9C5}" type="datetime1">
               <a:rPr lang="ru-RU" smtClean="0"/>
               <a:pPr lvl="0"/>
-              <a:t>09.06.2024</a:t>
+              <a:t>10.06.2024</a:t>
             </a:fld>
             <a:endParaRPr lang="ru-RU"/>
           </a:p>
@@ -9027,7 +9028,7 @@
             <a:fld id="{A31CA203-A175-4912-9ED7-529DBF6E373C}" type="datetime1">
               <a:rPr lang="ru-RU" smtClean="0"/>
               <a:pPr lvl="0"/>
-              <a:t>09.06.2024</a:t>
+              <a:t>10.06.2024</a:t>
             </a:fld>
             <a:endParaRPr lang="ru-RU"/>
           </a:p>
@@ -9152,7 +9153,7 @@
           <a:noFill/>
           <a:extLst>
             <a:ext uri="{909E8E84-426E-40dd-AFC4-6F175D3DCCD1}">
-              <a14:hiddenFill xmlns:a14="http://schemas.microsoft.com/office/drawing/2010/main" xmlns="">
+              <a14:hiddenFill xmlns="" xmlns:a14="http://schemas.microsoft.com/office/drawing/2010/main">
                 <a:solidFill>
                   <a:srgbClr val="FFFFFF"/>
                 </a:solidFill>
@@ -9226,7 +9227,7 @@
               </a:ln>
               <a:extLst>
                 <a:ext uri="{91240B29-F687-4f45-9708-019B960494DF}">
-                  <a14:hiddenLine xmlns:a14="http://schemas.microsoft.com/office/drawing/2010/main" xmlns="" w="9525">
+                  <a14:hiddenLine xmlns="" xmlns:a14="http://schemas.microsoft.com/office/drawing/2010/main" w="9525">
                     <a:solidFill>
                       <a:srgbClr val="000000"/>
                     </a:solidFill>
@@ -9316,7 +9317,7 @@
               </a:ln>
               <a:extLst>
                 <a:ext uri="{91240B29-F687-4f45-9708-019B960494DF}">
-                  <a14:hiddenLine xmlns:a14="http://schemas.microsoft.com/office/drawing/2010/main" xmlns="" w="9525">
+                  <a14:hiddenLine xmlns="" xmlns:a14="http://schemas.microsoft.com/office/drawing/2010/main" w="9525">
                     <a:solidFill>
                       <a:srgbClr val="000000"/>
                     </a:solidFill>
@@ -9406,7 +9407,7 @@
               </a:ln>
               <a:extLst>
                 <a:ext uri="{91240B29-F687-4f45-9708-019B960494DF}">
-                  <a14:hiddenLine xmlns:a14="http://schemas.microsoft.com/office/drawing/2010/main" xmlns="" w="9525">
+                  <a14:hiddenLine xmlns="" xmlns:a14="http://schemas.microsoft.com/office/drawing/2010/main" w="9525">
                     <a:solidFill>
                       <a:srgbClr val="000000"/>
                     </a:solidFill>
@@ -9468,7 +9469,7 @@
               </a:ln>
               <a:extLst>
                 <a:ext uri="{91240B29-F687-4f45-9708-019B960494DF}">
-                  <a14:hiddenLine xmlns:a14="http://schemas.microsoft.com/office/drawing/2010/main" xmlns="" w="9525">
+                  <a14:hiddenLine xmlns="" xmlns:a14="http://schemas.microsoft.com/office/drawing/2010/main" w="9525">
                     <a:solidFill>
                       <a:srgbClr val="000000"/>
                     </a:solidFill>
@@ -9558,7 +9559,7 @@
               </a:ln>
               <a:extLst>
                 <a:ext uri="{91240B29-F687-4f45-9708-019B960494DF}">
-                  <a14:hiddenLine xmlns:a14="http://schemas.microsoft.com/office/drawing/2010/main" xmlns="" w="9525">
+                  <a14:hiddenLine xmlns="" xmlns:a14="http://schemas.microsoft.com/office/drawing/2010/main" w="9525">
                     <a:solidFill>
                       <a:srgbClr val="000000"/>
                     </a:solidFill>
@@ -9620,7 +9621,7 @@
               </a:ln>
               <a:extLst>
                 <a:ext uri="{91240B29-F687-4f45-9708-019B960494DF}">
-                  <a14:hiddenLine xmlns:a14="http://schemas.microsoft.com/office/drawing/2010/main" xmlns="" w="9525">
+                  <a14:hiddenLine xmlns="" xmlns:a14="http://schemas.microsoft.com/office/drawing/2010/main" w="9525">
                     <a:solidFill>
                       <a:srgbClr val="000000"/>
                     </a:solidFill>
@@ -9682,7 +9683,7 @@
               </a:ln>
               <a:extLst>
                 <a:ext uri="{91240B29-F687-4f45-9708-019B960494DF}">
-                  <a14:hiddenLine xmlns:a14="http://schemas.microsoft.com/office/drawing/2010/main" xmlns="" w="9525">
+                  <a14:hiddenLine xmlns="" xmlns:a14="http://schemas.microsoft.com/office/drawing/2010/main" w="9525">
                     <a:solidFill>
                       <a:srgbClr val="000000"/>
                     </a:solidFill>
@@ -9772,7 +9773,7 @@
               </a:ln>
               <a:extLst>
                 <a:ext uri="{91240B29-F687-4f45-9708-019B960494DF}">
-                  <a14:hiddenLine xmlns:a14="http://schemas.microsoft.com/office/drawing/2010/main" xmlns="" w="9525">
+                  <a14:hiddenLine xmlns="" xmlns:a14="http://schemas.microsoft.com/office/drawing/2010/main" w="9525">
                     <a:solidFill>
                       <a:srgbClr val="000000"/>
                     </a:solidFill>
@@ -9862,7 +9863,7 @@
               </a:ln>
               <a:extLst>
                 <a:ext uri="{91240B29-F687-4f45-9708-019B960494DF}">
-                  <a14:hiddenLine xmlns:a14="http://schemas.microsoft.com/office/drawing/2010/main" xmlns="" w="9525">
+                  <a14:hiddenLine xmlns="" xmlns:a14="http://schemas.microsoft.com/office/drawing/2010/main" w="9525">
                     <a:solidFill>
                       <a:srgbClr val="000000"/>
                     </a:solidFill>
@@ -9924,7 +9925,7 @@
               </a:ln>
               <a:extLst>
                 <a:ext uri="{91240B29-F687-4f45-9708-019B960494DF}">
-                  <a14:hiddenLine xmlns:a14="http://schemas.microsoft.com/office/drawing/2010/main" xmlns="" w="9525">
+                  <a14:hiddenLine xmlns="" xmlns:a14="http://schemas.microsoft.com/office/drawing/2010/main" w="9525">
                     <a:solidFill>
                       <a:srgbClr val="000000"/>
                     </a:solidFill>
@@ -10034,7 +10035,7 @@
               </a:ln>
               <a:extLst>
                 <a:ext uri="{91240B29-F687-4f45-9708-019B960494DF}">
-                  <a14:hiddenLine xmlns:a14="http://schemas.microsoft.com/office/drawing/2010/main" xmlns="" w="9525">
+                  <a14:hiddenLine xmlns="" xmlns:a14="http://schemas.microsoft.com/office/drawing/2010/main" w="9525">
                     <a:solidFill>
                       <a:srgbClr val="000000"/>
                     </a:solidFill>
@@ -10118,7 +10119,7 @@
               </a:ln>
               <a:extLst>
                 <a:ext uri="{91240B29-F687-4f45-9708-019B960494DF}">
-                  <a14:hiddenLine xmlns:a14="http://schemas.microsoft.com/office/drawing/2010/main" xmlns="" w="9525">
+                  <a14:hiddenLine xmlns="" xmlns:a14="http://schemas.microsoft.com/office/drawing/2010/main" w="9525">
                     <a:solidFill>
                       <a:srgbClr val="000000"/>
                     </a:solidFill>
@@ -10180,7 +10181,7 @@
               </a:ln>
               <a:extLst>
                 <a:ext uri="{91240B29-F687-4f45-9708-019B960494DF}">
-                  <a14:hiddenLine xmlns:a14="http://schemas.microsoft.com/office/drawing/2010/main" xmlns="" w="9525">
+                  <a14:hiddenLine xmlns="" xmlns:a14="http://schemas.microsoft.com/office/drawing/2010/main" w="9525">
                     <a:solidFill>
                       <a:srgbClr val="000000"/>
                     </a:solidFill>
@@ -10242,7 +10243,7 @@
               </a:ln>
               <a:extLst>
                 <a:ext uri="{91240B29-F687-4f45-9708-019B960494DF}">
-                  <a14:hiddenLine xmlns:a14="http://schemas.microsoft.com/office/drawing/2010/main" xmlns="" w="9525">
+                  <a14:hiddenLine xmlns="" xmlns:a14="http://schemas.microsoft.com/office/drawing/2010/main" w="9525">
                     <a:solidFill>
                       <a:srgbClr val="000000"/>
                     </a:solidFill>
@@ -10332,7 +10333,7 @@
               </a:ln>
               <a:extLst>
                 <a:ext uri="{91240B29-F687-4f45-9708-019B960494DF}">
-                  <a14:hiddenLine xmlns:a14="http://schemas.microsoft.com/office/drawing/2010/main" xmlns="" w="9525">
+                  <a14:hiddenLine xmlns="" xmlns:a14="http://schemas.microsoft.com/office/drawing/2010/main" w="9525">
                     <a:solidFill>
                       <a:srgbClr val="000000"/>
                     </a:solidFill>
@@ -10366,7 +10367,7 @@
               </a:ln>
               <a:extLst>
                 <a:ext uri="{91240B29-F687-4f45-9708-019B960494DF}">
-                  <a14:hiddenLine xmlns:a14="http://schemas.microsoft.com/office/drawing/2010/main" xmlns="" w="9525">
+                  <a14:hiddenLine xmlns="" xmlns:a14="http://schemas.microsoft.com/office/drawing/2010/main" w="9525">
                     <a:solidFill>
                       <a:srgbClr val="000000"/>
                     </a:solidFill>
@@ -10431,7 +10432,7 @@
               </a:ln>
               <a:extLst>
                 <a:ext uri="{91240B29-F687-4f45-9708-019B960494DF}">
-                  <a14:hiddenLine xmlns:a14="http://schemas.microsoft.com/office/drawing/2010/main" xmlns="" w="9525">
+                  <a14:hiddenLine xmlns="" xmlns:a14="http://schemas.microsoft.com/office/drawing/2010/main" w="9525">
                     <a:solidFill>
                       <a:srgbClr val="000000"/>
                     </a:solidFill>
@@ -10521,7 +10522,7 @@
               </a:ln>
               <a:extLst>
                 <a:ext uri="{91240B29-F687-4f45-9708-019B960494DF}">
-                  <a14:hiddenLine xmlns:a14="http://schemas.microsoft.com/office/drawing/2010/main" xmlns="" w="9525">
+                  <a14:hiddenLine xmlns="" xmlns:a14="http://schemas.microsoft.com/office/drawing/2010/main" w="9525">
                     <a:solidFill>
                       <a:srgbClr val="000000"/>
                     </a:solidFill>
@@ -10583,7 +10584,7 @@
               </a:ln>
               <a:extLst>
                 <a:ext uri="{91240B29-F687-4f45-9708-019B960494DF}">
-                  <a14:hiddenLine xmlns:a14="http://schemas.microsoft.com/office/drawing/2010/main" xmlns="" w="9525">
+                  <a14:hiddenLine xmlns="" xmlns:a14="http://schemas.microsoft.com/office/drawing/2010/main" w="9525">
                     <a:solidFill>
                       <a:srgbClr val="000000"/>
                     </a:solidFill>
@@ -10673,7 +10674,7 @@
               </a:ln>
               <a:extLst>
                 <a:ext uri="{91240B29-F687-4f45-9708-019B960494DF}">
-                  <a14:hiddenLine xmlns:a14="http://schemas.microsoft.com/office/drawing/2010/main" xmlns="" w="9525">
+                  <a14:hiddenLine xmlns="" xmlns:a14="http://schemas.microsoft.com/office/drawing/2010/main" w="9525">
                     <a:solidFill>
                       <a:srgbClr val="000000"/>
                     </a:solidFill>
@@ -10738,7 +10739,7 @@
               </a:ln>
               <a:extLst>
                 <a:ext uri="{91240B29-F687-4f45-9708-019B960494DF}">
-                  <a14:hiddenLine xmlns:a14="http://schemas.microsoft.com/office/drawing/2010/main" xmlns="" w="9525">
+                  <a14:hiddenLine xmlns="" xmlns:a14="http://schemas.microsoft.com/office/drawing/2010/main" w="9525">
                     <a:solidFill>
                       <a:srgbClr val="000000"/>
                     </a:solidFill>
@@ -10800,7 +10801,7 @@
               </a:ln>
               <a:extLst>
                 <a:ext uri="{91240B29-F687-4f45-9708-019B960494DF}">
-                  <a14:hiddenLine xmlns:a14="http://schemas.microsoft.com/office/drawing/2010/main" xmlns="" w="9525">
+                  <a14:hiddenLine xmlns="" xmlns:a14="http://schemas.microsoft.com/office/drawing/2010/main" w="9525">
                     <a:solidFill>
                       <a:srgbClr val="000000"/>
                     </a:solidFill>
@@ -10890,7 +10891,7 @@
               </a:ln>
               <a:extLst>
                 <a:ext uri="{91240B29-F687-4f45-9708-019B960494DF}">
-                  <a14:hiddenLine xmlns:a14="http://schemas.microsoft.com/office/drawing/2010/main" xmlns="" w="9525">
+                  <a14:hiddenLine xmlns="" xmlns:a14="http://schemas.microsoft.com/office/drawing/2010/main" w="9525">
                     <a:solidFill>
                       <a:srgbClr val="000000"/>
                     </a:solidFill>
@@ -10980,7 +10981,7 @@
               </a:ln>
               <a:extLst>
                 <a:ext uri="{91240B29-F687-4f45-9708-019B960494DF}">
-                  <a14:hiddenLine xmlns:a14="http://schemas.microsoft.com/office/drawing/2010/main" xmlns="" w="9525">
+                  <a14:hiddenLine xmlns="" xmlns:a14="http://schemas.microsoft.com/office/drawing/2010/main" w="9525">
                     <a:solidFill>
                       <a:srgbClr val="000000"/>
                     </a:solidFill>
@@ -11045,7 +11046,7 @@
               </a:ln>
               <a:extLst>
                 <a:ext uri="{91240B29-F687-4f45-9708-019B960494DF}">
-                  <a14:hiddenLine xmlns:a14="http://schemas.microsoft.com/office/drawing/2010/main" xmlns="" w="9525">
+                  <a14:hiddenLine xmlns="" xmlns:a14="http://schemas.microsoft.com/office/drawing/2010/main" w="9525">
                     <a:solidFill>
                       <a:srgbClr val="000000"/>
                     </a:solidFill>
@@ -11165,7 +11166,7 @@
               </a:ln>
               <a:extLst>
                 <a:ext uri="{91240B29-F687-4f45-9708-019B960494DF}">
-                  <a14:hiddenLine xmlns:a14="http://schemas.microsoft.com/office/drawing/2010/main" xmlns="" w="9525">
+                  <a14:hiddenLine xmlns="" xmlns:a14="http://schemas.microsoft.com/office/drawing/2010/main" w="9525">
                     <a:solidFill>
                       <a:srgbClr val="000000"/>
                     </a:solidFill>
@@ -11246,7 +11247,7 @@
               </a:ln>
               <a:extLst>
                 <a:ext uri="{91240B29-F687-4f45-9708-019B960494DF}">
-                  <a14:hiddenLine xmlns:a14="http://schemas.microsoft.com/office/drawing/2010/main" xmlns="" w="9525">
+                  <a14:hiddenLine xmlns="" xmlns:a14="http://schemas.microsoft.com/office/drawing/2010/main" w="9525">
                     <a:solidFill>
                       <a:srgbClr val="000000"/>
                     </a:solidFill>
@@ -11361,7 +11362,7 @@
               </a:ln>
               <a:extLst>
                 <a:ext uri="{91240B29-F687-4f45-9708-019B960494DF}">
-                  <a14:hiddenLine xmlns:a14="http://schemas.microsoft.com/office/drawing/2010/main" xmlns="" w="9525">
+                  <a14:hiddenLine xmlns="" xmlns:a14="http://schemas.microsoft.com/office/drawing/2010/main" w="9525">
                     <a:solidFill>
                       <a:srgbClr val="000000"/>
                     </a:solidFill>
@@ -11451,7 +11452,7 @@
               </a:ln>
               <a:extLst>
                 <a:ext uri="{91240B29-F687-4f45-9708-019B960494DF}">
-                  <a14:hiddenLine xmlns:a14="http://schemas.microsoft.com/office/drawing/2010/main" xmlns="" w="9525">
+                  <a14:hiddenLine xmlns="" xmlns:a14="http://schemas.microsoft.com/office/drawing/2010/main" w="9525">
                     <a:solidFill>
                       <a:srgbClr val="000000"/>
                     </a:solidFill>
@@ -11516,7 +11517,7 @@
               </a:ln>
               <a:extLst>
                 <a:ext uri="{91240B29-F687-4f45-9708-019B960494DF}">
-                  <a14:hiddenLine xmlns:a14="http://schemas.microsoft.com/office/drawing/2010/main" xmlns="" w="9525">
+                  <a14:hiddenLine xmlns="" xmlns:a14="http://schemas.microsoft.com/office/drawing/2010/main" w="9525">
                     <a:solidFill>
                       <a:srgbClr val="000000"/>
                     </a:solidFill>
@@ -11606,7 +11607,7 @@
               </a:ln>
               <a:extLst>
                 <a:ext uri="{91240B29-F687-4f45-9708-019B960494DF}">
-                  <a14:hiddenLine xmlns:a14="http://schemas.microsoft.com/office/drawing/2010/main" xmlns="" w="9525">
+                  <a14:hiddenLine xmlns="" xmlns:a14="http://schemas.microsoft.com/office/drawing/2010/main" w="9525">
                     <a:solidFill>
                       <a:srgbClr val="000000"/>
                     </a:solidFill>
@@ -11674,7 +11675,7 @@
               </a:ln>
               <a:extLst>
                 <a:ext uri="{91240B29-F687-4f45-9708-019B960494DF}">
-                  <a14:hiddenLine xmlns:a14="http://schemas.microsoft.com/office/drawing/2010/main" xmlns="" w="9525">
+                  <a14:hiddenLine xmlns="" xmlns:a14="http://schemas.microsoft.com/office/drawing/2010/main" w="9525">
                     <a:solidFill>
                       <a:srgbClr val="000000"/>
                     </a:solidFill>
@@ -11764,7 +11765,7 @@
               </a:ln>
               <a:extLst>
                 <a:ext uri="{91240B29-F687-4f45-9708-019B960494DF}">
-                  <a14:hiddenLine xmlns:a14="http://schemas.microsoft.com/office/drawing/2010/main" xmlns="" w="9525">
+                  <a14:hiddenLine xmlns="" xmlns:a14="http://schemas.microsoft.com/office/drawing/2010/main" w="9525">
                     <a:solidFill>
                       <a:srgbClr val="000000"/>
                     </a:solidFill>
@@ -11832,7 +11833,7 @@
               </a:ln>
               <a:extLst>
                 <a:ext uri="{91240B29-F687-4f45-9708-019B960494DF}">
-                  <a14:hiddenLine xmlns:a14="http://schemas.microsoft.com/office/drawing/2010/main" xmlns="" w="9525">
+                  <a14:hiddenLine xmlns="" xmlns:a14="http://schemas.microsoft.com/office/drawing/2010/main" w="9525">
                     <a:solidFill>
                       <a:srgbClr val="000000"/>
                     </a:solidFill>
@@ -11922,7 +11923,7 @@
               </a:ln>
               <a:extLst>
                 <a:ext uri="{91240B29-F687-4f45-9708-019B960494DF}">
-                  <a14:hiddenLine xmlns:a14="http://schemas.microsoft.com/office/drawing/2010/main" xmlns="" w="9525">
+                  <a14:hiddenLine xmlns="" xmlns:a14="http://schemas.microsoft.com/office/drawing/2010/main" w="9525">
                     <a:solidFill>
                       <a:srgbClr val="000000"/>
                     </a:solidFill>
@@ -11956,7 +11957,7 @@
               </a:ln>
               <a:extLst>
                 <a:ext uri="{91240B29-F687-4f45-9708-019B960494DF}">
-                  <a14:hiddenLine xmlns:a14="http://schemas.microsoft.com/office/drawing/2010/main" xmlns="" w="9525">
+                  <a14:hiddenLine xmlns="" xmlns:a14="http://schemas.microsoft.com/office/drawing/2010/main" w="9525">
                     <a:solidFill>
                       <a:srgbClr val="000000"/>
                     </a:solidFill>
@@ -12098,7 +12099,7 @@
             <a:fld id="{3C094329-D99E-4201-8B47-41520771E845}" type="datetime1">
               <a:rPr lang="ru-RU" smtClean="0"/>
               <a:pPr lvl="0"/>
-              <a:t>09.06.2024</a:t>
+              <a:t>10.06.2024</a:t>
             </a:fld>
             <a:endParaRPr lang="ru-RU"/>
           </a:p>
@@ -13042,18 +13043,37 @@
           <a:p>
             <a:pPr algn="ctr"/>
             <a:r>
-              <a:rPr lang="lv-LV" dirty="0"/>
-              <a:t>USE </a:t>
-            </a:r>
-            <a:r>
-              <a:rPr lang="lv-LV" dirty="0" err="1"/>
+              <a:rPr lang="lv-LV" dirty="0" err="1">
+                <a:latin typeface="Times New Roman" panose="02020603050405020304" pitchFamily="18" charset="0"/>
+                <a:cs typeface="Times New Roman" panose="02020603050405020304" pitchFamily="18" charset="0"/>
+              </a:rPr>
+              <a:t>Use</a:t>
+            </a:r>
+            <a:r>
+              <a:rPr lang="lv-LV" dirty="0">
+                <a:latin typeface="Times New Roman" panose="02020603050405020304" pitchFamily="18" charset="0"/>
+                <a:cs typeface="Times New Roman" panose="02020603050405020304" pitchFamily="18" charset="0"/>
+              </a:rPr>
+              <a:t> </a:t>
+            </a:r>
+            <a:r>
+              <a:rPr lang="lv-LV" dirty="0" err="1">
+                <a:latin typeface="Times New Roman" panose="02020603050405020304" pitchFamily="18" charset="0"/>
+                <a:cs typeface="Times New Roman" panose="02020603050405020304" pitchFamily="18" charset="0"/>
+              </a:rPr>
               <a:t>Case</a:t>
             </a:r>
             <a:r>
-              <a:rPr lang="lv-LV" dirty="0"/>
+              <a:rPr lang="lv-LV" dirty="0">
+                <a:latin typeface="Times New Roman" panose="02020603050405020304" pitchFamily="18" charset="0"/>
+                <a:cs typeface="Times New Roman" panose="02020603050405020304" pitchFamily="18" charset="0"/>
+              </a:rPr>
               <a:t> diagramma</a:t>
             </a:r>
-            <a:endParaRPr lang="ru-RU" dirty="0"/>
+            <a:endParaRPr lang="ru-RU" dirty="0">
+              <a:latin typeface="Times New Roman" panose="02020603050405020304" pitchFamily="18" charset="0"/>
+              <a:cs typeface="Times New Roman" panose="02020603050405020304" pitchFamily="18" charset="0"/>
+            </a:endParaRPr>
           </a:p>
         </p:txBody>
       </p:sp>
@@ -13128,6 +13148,113 @@
           <p:cNvPr id="2" name="Заголовок 1">
             <a:extLst>
               <a:ext uri="{FF2B5EF4-FFF2-40B4-BE49-F238E27FC236}">
+                <a16:creationId xmlns:a16="http://schemas.microsoft.com/office/drawing/2014/main" id="{37AFE4C0-ADF0-44D6-838D-B1A560211373}"/>
+              </a:ext>
+            </a:extLst>
+          </p:cNvPr>
+          <p:cNvSpPr>
+            <a:spLocks noGrp="1"/>
+          </p:cNvSpPr>
+          <p:nvPr>
+            <p:ph type="title"/>
+          </p:nvPr>
+        </p:nvSpPr>
+        <p:spPr>
+          <a:xfrm>
+            <a:off x="1143001" y="-207392"/>
+            <a:ext cx="9905998" cy="1478570"/>
+          </a:xfrm>
+        </p:spPr>
+        <p:txBody>
+          <a:bodyPr/>
+          <a:lstStyle/>
+          <a:p>
+            <a:pPr algn="ctr"/>
+            <a:r>
+              <a:rPr lang="lv-LV" dirty="0">
+                <a:latin typeface="Times New Roman" panose="02020603050405020304" pitchFamily="18" charset="0"/>
+                <a:cs typeface="Times New Roman" panose="02020603050405020304" pitchFamily="18" charset="0"/>
+              </a:rPr>
+              <a:t>Aktivitāšu diagramma</a:t>
+            </a:r>
+            <a:endParaRPr lang="ru-RU" dirty="0">
+              <a:latin typeface="Times New Roman" panose="02020603050405020304" pitchFamily="18" charset="0"/>
+              <a:cs typeface="Times New Roman" panose="02020603050405020304" pitchFamily="18" charset="0"/>
+            </a:endParaRPr>
+          </a:p>
+        </p:txBody>
+      </p:sp>
+      <p:pic>
+        <p:nvPicPr>
+          <p:cNvPr id="5" name="Рисунок 4">
+            <a:extLst>
+              <a:ext uri="{FF2B5EF4-FFF2-40B4-BE49-F238E27FC236}">
+                <a16:creationId xmlns:a16="http://schemas.microsoft.com/office/drawing/2014/main" id="{56F848C4-BE2D-4E0C-9A17-91AAF70FF8F6}"/>
+              </a:ext>
+            </a:extLst>
+          </p:cNvPr>
+          <p:cNvPicPr>
+            <a:picLocks noChangeAspect="1"/>
+          </p:cNvPicPr>
+          <p:nvPr/>
+        </p:nvPicPr>
+        <p:blipFill>
+          <a:blip r:embed="rId2">
+            <a:extLst>
+              <a:ext uri="{28A0092B-C50C-407E-A947-70E740481C1C}">
+                <a14:useLocalDpi xmlns:a14="http://schemas.microsoft.com/office/drawing/2010/main" val="0"/>
+              </a:ext>
+            </a:extLst>
+          </a:blip>
+          <a:stretch>
+            <a:fillRect/>
+          </a:stretch>
+        </p:blipFill>
+        <p:spPr>
+          <a:xfrm>
+            <a:off x="3562461" y="734627"/>
+            <a:ext cx="2946494" cy="6123373"/>
+          </a:xfrm>
+          <a:prstGeom prst="rect">
+            <a:avLst/>
+          </a:prstGeom>
+        </p:spPr>
+      </p:pic>
+    </p:spTree>
+    <p:extLst>
+      <p:ext uri="{BB962C8B-B14F-4D97-AF65-F5344CB8AC3E}">
+        <p14:creationId xmlns:p14="http://schemas.microsoft.com/office/powerpoint/2010/main" val="4187030000"/>
+      </p:ext>
+    </p:extLst>
+  </p:cSld>
+  <p:clrMapOvr>
+    <a:masterClrMapping/>
+  </p:clrMapOvr>
+</p:sld>
+</file>
+
+<file path=ppt/slides/slide15.xml><?xml version="1.0" encoding="utf-8"?>
+<p:sld xmlns:a="http://schemas.openxmlformats.org/drawingml/2006/main" xmlns:r="http://schemas.openxmlformats.org/officeDocument/2006/relationships" xmlns:p="http://schemas.openxmlformats.org/presentationml/2006/main">
+  <p:cSld>
+    <p:spTree>
+      <p:nvGrpSpPr>
+        <p:cNvPr id="1" name=""/>
+        <p:cNvGrpSpPr/>
+        <p:nvPr/>
+      </p:nvGrpSpPr>
+      <p:grpSpPr>
+        <a:xfrm>
+          <a:off x="0" y="0"/>
+          <a:ext cx="0" cy="0"/>
+          <a:chOff x="0" y="0"/>
+          <a:chExt cx="0" cy="0"/>
+        </a:xfrm>
+      </p:grpSpPr>
+      <p:sp>
+        <p:nvSpPr>
+          <p:cNvPr id="2" name="Заголовок 1">
+            <a:extLst>
+              <a:ext uri="{FF2B5EF4-FFF2-40B4-BE49-F238E27FC236}">
                 <a16:creationId xmlns:a16="http://schemas.microsoft.com/office/drawing/2014/main" id="{8DA1AA53-4164-491F-8C6B-3CD9547A1C09}"/>
               </a:ext>
             </a:extLst>
@@ -13146,10 +13273,16 @@
           <a:p>
             <a:pPr algn="ctr"/>
             <a:r>
-              <a:rPr lang="lv-LV" dirty="0"/>
+              <a:rPr lang="lv-LV" dirty="0">
+                <a:latin typeface="Times New Roman" panose="02020603050405020304" pitchFamily="18" charset="0"/>
+                <a:cs typeface="Times New Roman" panose="02020603050405020304" pitchFamily="18" charset="0"/>
+              </a:rPr>
               <a:t>Par eksāmenu</a:t>
             </a:r>
-            <a:endParaRPr lang="ru-RU" dirty="0"/>
+            <a:endParaRPr lang="ru-RU" dirty="0">
+              <a:latin typeface="Times New Roman" panose="02020603050405020304" pitchFamily="18" charset="0"/>
+              <a:cs typeface="Times New Roman" panose="02020603050405020304" pitchFamily="18" charset="0"/>
+            </a:endParaRPr>
           </a:p>
         </p:txBody>
       </p:sp>
@@ -13171,7 +13304,7 @@
         </p:nvSpPr>
         <p:spPr>
           <a:xfrm>
-            <a:off x="1141410" y="1964350"/>
+            <a:off x="925101" y="1541563"/>
             <a:ext cx="4649783" cy="823912"/>
           </a:xfrm>
         </p:spPr>
@@ -13181,43 +13314,44 @@
           <a:p>
             <a:pPr algn="ctr"/>
             <a:r>
-              <a:rPr lang="en-US" dirty="0"/>
-              <a:t>Pater</a:t>
-            </a:r>
-            <a:r>
-              <a:rPr lang="lv-LV" dirty="0" err="1"/>
+              <a:rPr lang="en-US" dirty="0">
+                <a:latin typeface="Times New Roman" panose="02020603050405020304" pitchFamily="18" charset="0"/>
+                <a:cs typeface="Times New Roman" panose="02020603050405020304" pitchFamily="18" charset="0"/>
+              </a:rPr>
+              <a:t>Pat</a:t>
+            </a:r>
+            <a:r>
+              <a:rPr lang="lv-LV" dirty="0">
+                <a:latin typeface="Times New Roman" panose="02020603050405020304" pitchFamily="18" charset="0"/>
+                <a:cs typeface="Times New Roman" panose="02020603050405020304" pitchFamily="18" charset="0"/>
+              </a:rPr>
+              <a:t>ē</a:t>
+            </a:r>
+            <a:r>
+              <a:rPr lang="en-US" dirty="0">
+                <a:latin typeface="Times New Roman" panose="02020603050405020304" pitchFamily="18" charset="0"/>
+                <a:cs typeface="Times New Roman" panose="02020603050405020304" pitchFamily="18" charset="0"/>
+              </a:rPr>
+              <a:t>r</a:t>
+            </a:r>
+            <a:r>
+              <a:rPr lang="lv-LV" dirty="0" err="1">
+                <a:latin typeface="Times New Roman" panose="02020603050405020304" pitchFamily="18" charset="0"/>
+                <a:cs typeface="Times New Roman" panose="02020603050405020304" pitchFamily="18" charset="0"/>
+              </a:rPr>
               <a:t>ētais</a:t>
             </a:r>
             <a:r>
-              <a:rPr lang="lv-LV" dirty="0"/>
+              <a:rPr lang="lv-LV" dirty="0">
+                <a:latin typeface="Times New Roman" panose="02020603050405020304" pitchFamily="18" charset="0"/>
+                <a:cs typeface="Times New Roman" panose="02020603050405020304" pitchFamily="18" charset="0"/>
+              </a:rPr>
               <a:t> laiks</a:t>
             </a:r>
-            <a:endParaRPr lang="ru-RU" dirty="0"/>
-          </a:p>
-        </p:txBody>
-      </p:sp>
-      <p:sp>
-        <p:nvSpPr>
-          <p:cNvPr id="11" name="Объект 10">
-            <a:extLst>
-              <a:ext uri="{FF2B5EF4-FFF2-40B4-BE49-F238E27FC236}">
-                <a16:creationId xmlns:a16="http://schemas.microsoft.com/office/drawing/2014/main" id="{78908FBF-9D49-426C-854C-0D3674CBF2A8}"/>
-              </a:ext>
-            </a:extLst>
-          </p:cNvPr>
-          <p:cNvSpPr>
-            <a:spLocks noGrp="1"/>
-          </p:cNvSpPr>
-          <p:nvPr>
-            <p:ph sz="half" idx="2"/>
-          </p:nvPr>
-        </p:nvSpPr>
-        <p:spPr/>
-        <p:txBody>
-          <a:bodyPr/>
-          <a:lstStyle/>
-          <a:p>
-            <a:endParaRPr lang="ru-RU"/>
+            <a:endParaRPr lang="ru-RU" dirty="0">
+              <a:latin typeface="Times New Roman" panose="02020603050405020304" pitchFamily="18" charset="0"/>
+              <a:cs typeface="Times New Roman" panose="02020603050405020304" pitchFamily="18" charset="0"/>
+            </a:endParaRPr>
           </a:p>
         </p:txBody>
       </p:sp>
@@ -13239,7 +13373,7 @@
         </p:nvSpPr>
         <p:spPr>
           <a:xfrm>
-            <a:off x="6400808" y="2030719"/>
+            <a:off x="6172200" y="1685131"/>
             <a:ext cx="4646602" cy="823912"/>
           </a:xfrm>
         </p:spPr>
@@ -13247,7 +13381,18 @@
           <a:bodyPr/>
           <a:lstStyle/>
           <a:p>
-            <a:endParaRPr lang="ru-RU" dirty="0"/>
+            <a:pPr algn="ctr"/>
+            <a:r>
+              <a:rPr lang="lv-LV" dirty="0">
+                <a:latin typeface="Times New Roman" panose="02020603050405020304" pitchFamily="18" charset="0"/>
+                <a:cs typeface="Times New Roman" panose="02020603050405020304" pitchFamily="18" charset="0"/>
+              </a:rPr>
+              <a:t>Šķērsli</a:t>
+            </a:r>
+            <a:endParaRPr lang="ru-RU" dirty="0">
+              <a:latin typeface="Times New Roman" panose="02020603050405020304" pitchFamily="18" charset="0"/>
+              <a:cs typeface="Times New Roman" panose="02020603050405020304" pitchFamily="18" charset="0"/>
+            </a:endParaRPr>
           </a:p>
         </p:txBody>
       </p:sp>
@@ -13272,7 +13417,107 @@
           <a:bodyPr/>
           <a:lstStyle/>
           <a:p>
-            <a:endParaRPr lang="ru-RU"/>
+            <a:r>
+              <a:rPr lang="lv-LV" dirty="0"/>
+              <a:t>Tas bija EXE faila veidošana</a:t>
+            </a:r>
+          </a:p>
+          <a:p>
+            <a:pPr marL="0" indent="0">
+              <a:buNone/>
+            </a:pPr>
+            <a:endParaRPr lang="ru-RU" dirty="0"/>
+          </a:p>
+        </p:txBody>
+      </p:sp>
+      <p:pic>
+        <p:nvPicPr>
+          <p:cNvPr id="1026" name="Picture 2" descr="What's the time?">
+            <a:extLst>
+              <a:ext uri="{FF2B5EF4-FFF2-40B4-BE49-F238E27FC236}">
+                <a16:creationId xmlns:a16="http://schemas.microsoft.com/office/drawing/2014/main" id="{AE0EA115-3C46-46CE-8E0B-1D9DD0C3B573}"/>
+              </a:ext>
+            </a:extLst>
+          </p:cNvPr>
+          <p:cNvPicPr>
+            <a:picLocks noGrp="1" noChangeAspect="1" noChangeArrowheads="1"/>
+          </p:cNvPicPr>
+          <p:nvPr>
+            <p:ph sz="half" idx="2"/>
+          </p:nvPr>
+        </p:nvPicPr>
+        <p:blipFill>
+          <a:blip r:embed="rId2">
+            <a:extLst>
+              <a:ext uri="{28A0092B-C50C-407E-A947-70E740481C1C}">
+                <a14:useLocalDpi xmlns:a14="http://schemas.microsoft.com/office/drawing/2010/main" val="0"/>
+              </a:ext>
+            </a:extLst>
+          </a:blip>
+          <a:srcRect/>
+          <a:stretch>
+            <a:fillRect/>
+          </a:stretch>
+        </p:blipFill>
+        <p:spPr bwMode="auto">
+          <a:xfrm>
+            <a:off x="2790742" y="4438449"/>
+            <a:ext cx="2063142" cy="2063142"/>
+          </a:xfrm>
+          <a:prstGeom prst="rect">
+            <a:avLst/>
+          </a:prstGeom>
+          <a:noFill/>
+          <a:extLst>
+            <a:ext uri="{909E8E84-426E-40DD-AFC4-6F175D3DCCD1}">
+              <a14:hiddenFill xmlns:a14="http://schemas.microsoft.com/office/drawing/2010/main">
+                <a:solidFill>
+                  <a:srgbClr val="FFFFFF"/>
+                </a:solidFill>
+              </a14:hiddenFill>
+            </a:ext>
+          </a:extLst>
+        </p:spPr>
+      </p:pic>
+      <p:sp>
+        <p:nvSpPr>
+          <p:cNvPr id="3" name="TextBox 2">
+            <a:extLst>
+              <a:ext uri="{FF2B5EF4-FFF2-40B4-BE49-F238E27FC236}">
+                <a16:creationId xmlns:a16="http://schemas.microsoft.com/office/drawing/2014/main" id="{7524D3DD-5770-4E1E-9A9E-2E9E109513EA}"/>
+              </a:ext>
+            </a:extLst>
+          </p:cNvPr>
+          <p:cNvSpPr txBox="1"/>
+          <p:nvPr/>
+        </p:nvSpPr>
+        <p:spPr>
+          <a:xfrm>
+            <a:off x="925101" y="2566219"/>
+            <a:ext cx="4521970" cy="523220"/>
+          </a:xfrm>
+          <a:prstGeom prst="rect">
+            <a:avLst/>
+          </a:prstGeom>
+          <a:noFill/>
+        </p:spPr>
+        <p:txBody>
+          <a:bodyPr wrap="square" rtlCol="0">
+            <a:spAutoFit/>
+          </a:bodyPr>
+          <a:lstStyle/>
+          <a:p>
+            <a:r>
+              <a:rPr lang="lv-LV" sz="2800" dirty="0">
+                <a:latin typeface="Times New Roman" panose="02020603050405020304" pitchFamily="18" charset="0"/>
+                <a:cs typeface="Times New Roman" panose="02020603050405020304" pitchFamily="18" charset="0"/>
+              </a:rPr>
+              <a:t>Apmēram 18.stundas</a:t>
+            </a:r>
+            <a:endParaRPr lang="ru-RU" sz="2800" dirty="0">
+              <a:latin typeface="Times New Roman" panose="02020603050405020304" pitchFamily="18" charset="0"/>
+              <a:cs typeface="Times New Roman" panose="02020603050405020304" pitchFamily="18" charset="0"/>
+            </a:endParaRPr>
           </a:p>
         </p:txBody>
       </p:sp>
@@ -13289,7 +13534,7 @@
 </p:sld>
 </file>
 
-<file path=ppt/slides/slide15.xml><?xml version="1.0" encoding="utf-8"?>
+<file path=ppt/slides/slide16.xml><?xml version="1.0" encoding="utf-8"?>
 <p:sld xmlns:a="http://schemas.openxmlformats.org/drawingml/2006/main" xmlns:r="http://schemas.openxmlformats.org/officeDocument/2006/relationships" xmlns:p="http://schemas.openxmlformats.org/presentationml/2006/main">
   <p:cSld>
     <p:spTree>
@@ -13410,6 +13655,15 @@
               </a:rPr>
               <a:t>https://medium.com/@rezapurnama1997/pros-cons-using-while-loops-in-python-5b9bf9b464be</a:t>
             </a:r>
+            <a:endParaRPr lang="lv-LV" dirty="0"/>
+          </a:p>
+          <a:p>
+            <a:r>
+              <a:rPr lang="en-US" dirty="0">
+                <a:hlinkClick r:id="rId7"/>
+              </a:rPr>
+              <a:t>https://replit.com/@hobbycrazy136/Eksamena-kods</a:t>
+            </a:r>
             <a:endParaRPr lang="ru-RU" dirty="0"/>
           </a:p>
         </p:txBody>
@@ -13427,7 +13681,7 @@
 </p:sld>
 </file>
 
-<file path=ppt/slides/slide16.xml><?xml version="1.0" encoding="utf-8"?>
+<file path=ppt/slides/slide17.xml><?xml version="1.0" encoding="utf-8"?>
 <p:sld xmlns:a="http://schemas.openxmlformats.org/drawingml/2006/main" xmlns:r="http://schemas.openxmlformats.org/officeDocument/2006/relationships" xmlns:p="http://schemas.openxmlformats.org/presentationml/2006/main">
   <p:cSld>
     <p:spTree>
@@ -13643,6 +13897,8 @@
                 <a:solidFill>
                   <a:schemeClr val="tx1"/>
                 </a:solidFill>
+                <a:latin typeface="Times New Roman" panose="02020603050405020304" pitchFamily="18" charset="0"/>
+                <a:cs typeface="Times New Roman" panose="02020603050405020304" pitchFamily="18" charset="0"/>
               </a:rPr>
               <a:t>Maksims Bizjuks 2PT</a:t>
             </a:r>
@@ -13650,6 +13906,8 @@
               <a:solidFill>
                 <a:schemeClr val="tx1"/>
               </a:solidFill>
+              <a:latin typeface="Times New Roman" panose="02020603050405020304" pitchFamily="18" charset="0"/>
+              <a:cs typeface="Times New Roman" panose="02020603050405020304" pitchFamily="18" charset="0"/>
             </a:endParaRPr>
           </a:p>
         </p:txBody>
@@ -14821,7 +15079,10 @@
           <a:lstStyle/>
           <a:p>
             <a:r>
-              <a:rPr lang="lv-LV" dirty="0"/>
+              <a:rPr lang="lv-LV" dirty="0">
+                <a:latin typeface="Times New Roman" panose="02020603050405020304" pitchFamily="18" charset="0"/>
+                <a:cs typeface="Times New Roman" panose="02020603050405020304" pitchFamily="18" charset="0"/>
+              </a:rPr>
               <a:t>Bezgalīgi cikli</a:t>
             </a:r>
           </a:p>
@@ -14830,18 +15091,30 @@
           </a:p>
           <a:p>
             <a:r>
-              <a:rPr lang="sv-SE" dirty="0"/>
+              <a:rPr lang="sv-SE" dirty="0">
+                <a:latin typeface="Times New Roman" panose="02020603050405020304" pitchFamily="18" charset="0"/>
+                <a:cs typeface="Times New Roman" panose="02020603050405020304" pitchFamily="18" charset="0"/>
+              </a:rPr>
               <a:t>Cikl</a:t>
             </a:r>
             <a:r>
-              <a:rPr lang="lv-LV" dirty="0"/>
+              <a:rPr lang="lv-LV" dirty="0">
+                <a:latin typeface="Times New Roman" panose="02020603050405020304" pitchFamily="18" charset="0"/>
+                <a:cs typeface="Times New Roman" panose="02020603050405020304" pitchFamily="18" charset="0"/>
+              </a:rPr>
               <a:t>s</a:t>
             </a:r>
             <a:r>
-              <a:rPr lang="sv-SE" dirty="0"/>
+              <a:rPr lang="sv-SE" dirty="0">
+                <a:latin typeface="Times New Roman" panose="02020603050405020304" pitchFamily="18" charset="0"/>
+                <a:cs typeface="Times New Roman" panose="02020603050405020304" pitchFamily="18" charset="0"/>
+              </a:rPr>
               <a:t> while var radīt problēmas, ja indeksa garums ir nepareizs.</a:t>
             </a:r>
-            <a:endParaRPr lang="ru-RU" dirty="0"/>
+            <a:endParaRPr lang="ru-RU" dirty="0">
+              <a:latin typeface="Times New Roman" panose="02020603050405020304" pitchFamily="18" charset="0"/>
+              <a:cs typeface="Times New Roman" panose="02020603050405020304" pitchFamily="18" charset="0"/>
+            </a:endParaRPr>
           </a:p>
         </p:txBody>
       </p:sp>

--- a/Bizjuks_Eksamens.pptx
+++ b/Bizjuks_Eksamens.pptx
@@ -185,7 +185,7 @@
           <a:noFill/>
           <a:extLst>
             <a:ext uri="{909E8E84-426E-40dd-AFC4-6F175D3DCCD1}">
-              <a14:hiddenFill xmlns="" xmlns:a14="http://schemas.microsoft.com/office/drawing/2010/main">
+              <a14:hiddenFill xmlns:a14="http://schemas.microsoft.com/office/drawing/2010/main" xmlns="">
                 <a:solidFill>
                   <a:srgbClr val="FFFFFF"/>
                 </a:solidFill>
@@ -244,7 +244,7 @@
             </a:ln>
             <a:extLst>
               <a:ext uri="{91240B29-F687-4f45-9708-019B960494DF}">
-                <a14:hiddenLine xmlns="" xmlns:a14="http://schemas.microsoft.com/office/drawing/2010/main" w="9525">
+                <a14:hiddenLine xmlns:a14="http://schemas.microsoft.com/office/drawing/2010/main" xmlns="" w="9525">
                   <a:solidFill>
                     <a:srgbClr val="000000"/>
                   </a:solidFill>
@@ -334,7 +334,7 @@
             </a:ln>
             <a:extLst>
               <a:ext uri="{91240B29-F687-4f45-9708-019B960494DF}">
-                <a14:hiddenLine xmlns="" xmlns:a14="http://schemas.microsoft.com/office/drawing/2010/main" w="9525">
+                <a14:hiddenLine xmlns:a14="http://schemas.microsoft.com/office/drawing/2010/main" xmlns="" w="9525">
                   <a:solidFill>
                     <a:srgbClr val="000000"/>
                   </a:solidFill>
@@ -424,7 +424,7 @@
             </a:ln>
             <a:extLst>
               <a:ext uri="{91240B29-F687-4f45-9708-019B960494DF}">
-                <a14:hiddenLine xmlns="" xmlns:a14="http://schemas.microsoft.com/office/drawing/2010/main" w="9525">
+                <a14:hiddenLine xmlns:a14="http://schemas.microsoft.com/office/drawing/2010/main" xmlns="" w="9525">
                   <a:solidFill>
                     <a:srgbClr val="000000"/>
                   </a:solidFill>
@@ -458,7 +458,7 @@
             </a:ln>
             <a:extLst>
               <a:ext uri="{91240B29-F687-4f45-9708-019B960494DF}">
-                <a14:hiddenLine xmlns="" xmlns:a14="http://schemas.microsoft.com/office/drawing/2010/main" w="9525">
+                <a14:hiddenLine xmlns:a14="http://schemas.microsoft.com/office/drawing/2010/main" xmlns="" w="9525">
                   <a:solidFill>
                     <a:srgbClr val="000000"/>
                   </a:solidFill>
@@ -548,7 +548,7 @@
             </a:ln>
             <a:extLst>
               <a:ext uri="{91240B29-F687-4f45-9708-019B960494DF}">
-                <a14:hiddenLine xmlns="" xmlns:a14="http://schemas.microsoft.com/office/drawing/2010/main" w="9525">
+                <a14:hiddenLine xmlns:a14="http://schemas.microsoft.com/office/drawing/2010/main" xmlns="" w="9525">
                   <a:solidFill>
                     <a:srgbClr val="000000"/>
                   </a:solidFill>
@@ -610,7 +610,7 @@
             </a:ln>
             <a:extLst>
               <a:ext uri="{91240B29-F687-4f45-9708-019B960494DF}">
-                <a14:hiddenLine xmlns="" xmlns:a14="http://schemas.microsoft.com/office/drawing/2010/main" w="9525">
+                <a14:hiddenLine xmlns:a14="http://schemas.microsoft.com/office/drawing/2010/main" xmlns="" w="9525">
                   <a:solidFill>
                     <a:srgbClr val="000000"/>
                   </a:solidFill>
@@ -672,7 +672,7 @@
             </a:ln>
             <a:extLst>
               <a:ext uri="{91240B29-F687-4f45-9708-019B960494DF}">
-                <a14:hiddenLine xmlns="" xmlns:a14="http://schemas.microsoft.com/office/drawing/2010/main" w="9525">
+                <a14:hiddenLine xmlns:a14="http://schemas.microsoft.com/office/drawing/2010/main" xmlns="" w="9525">
                   <a:solidFill>
                     <a:srgbClr val="000000"/>
                   </a:solidFill>
@@ -762,7 +762,7 @@
             </a:ln>
             <a:extLst>
               <a:ext uri="{91240B29-F687-4f45-9708-019B960494DF}">
-                <a14:hiddenLine xmlns="" xmlns:a14="http://schemas.microsoft.com/office/drawing/2010/main" w="9525">
+                <a14:hiddenLine xmlns:a14="http://schemas.microsoft.com/office/drawing/2010/main" xmlns="" w="9525">
                   <a:solidFill>
                     <a:srgbClr val="000000"/>
                   </a:solidFill>
@@ -824,7 +824,7 @@
             </a:ln>
             <a:extLst>
               <a:ext uri="{91240B29-F687-4f45-9708-019B960494DF}">
-                <a14:hiddenLine xmlns="" xmlns:a14="http://schemas.microsoft.com/office/drawing/2010/main" w="9525">
+                <a14:hiddenLine xmlns:a14="http://schemas.microsoft.com/office/drawing/2010/main" xmlns="" w="9525">
                   <a:solidFill>
                     <a:srgbClr val="000000"/>
                   </a:solidFill>
@@ -886,7 +886,7 @@
             </a:ln>
             <a:extLst>
               <a:ext uri="{91240B29-F687-4f45-9708-019B960494DF}">
-                <a14:hiddenLine xmlns="" xmlns:a14="http://schemas.microsoft.com/office/drawing/2010/main" w="9525">
+                <a14:hiddenLine xmlns:a14="http://schemas.microsoft.com/office/drawing/2010/main" xmlns="" w="9525">
                   <a:solidFill>
                     <a:srgbClr val="000000"/>
                   </a:solidFill>
@@ -976,7 +976,7 @@
             </a:ln>
             <a:extLst>
               <a:ext uri="{91240B29-F687-4f45-9708-019B960494DF}">
-                <a14:hiddenLine xmlns="" xmlns:a14="http://schemas.microsoft.com/office/drawing/2010/main" w="9525">
+                <a14:hiddenLine xmlns:a14="http://schemas.microsoft.com/office/drawing/2010/main" xmlns="" w="9525">
                   <a:solidFill>
                     <a:srgbClr val="000000"/>
                   </a:solidFill>
@@ -1066,7 +1066,7 @@
             </a:ln>
             <a:extLst>
               <a:ext uri="{91240B29-F687-4f45-9708-019B960494DF}">
-                <a14:hiddenLine xmlns="" xmlns:a14="http://schemas.microsoft.com/office/drawing/2010/main" w="9525">
+                <a14:hiddenLine xmlns:a14="http://schemas.microsoft.com/office/drawing/2010/main" xmlns="" w="9525">
                   <a:solidFill>
                     <a:srgbClr val="000000"/>
                   </a:solidFill>
@@ -1128,7 +1128,7 @@
             </a:ln>
             <a:extLst>
               <a:ext uri="{91240B29-F687-4f45-9708-019B960494DF}">
-                <a14:hiddenLine xmlns="" xmlns:a14="http://schemas.microsoft.com/office/drawing/2010/main" w="9525">
+                <a14:hiddenLine xmlns:a14="http://schemas.microsoft.com/office/drawing/2010/main" xmlns="" w="9525">
                   <a:solidFill>
                     <a:srgbClr val="000000"/>
                   </a:solidFill>
@@ -1238,7 +1238,7 @@
             </a:ln>
             <a:extLst>
               <a:ext uri="{91240B29-F687-4f45-9708-019B960494DF}">
-                <a14:hiddenLine xmlns="" xmlns:a14="http://schemas.microsoft.com/office/drawing/2010/main" w="9525">
+                <a14:hiddenLine xmlns:a14="http://schemas.microsoft.com/office/drawing/2010/main" xmlns="" w="9525">
                   <a:solidFill>
                     <a:srgbClr val="000000"/>
                   </a:solidFill>
@@ -1300,7 +1300,7 @@
             </a:ln>
             <a:extLst>
               <a:ext uri="{91240B29-F687-4f45-9708-019B960494DF}">
-                <a14:hiddenLine xmlns="" xmlns:a14="http://schemas.microsoft.com/office/drawing/2010/main" w="9525">
+                <a14:hiddenLine xmlns:a14="http://schemas.microsoft.com/office/drawing/2010/main" xmlns="" w="9525">
                   <a:solidFill>
                     <a:srgbClr val="000000"/>
                   </a:solidFill>
@@ -1390,7 +1390,7 @@
             </a:ln>
             <a:extLst>
               <a:ext uri="{91240B29-F687-4f45-9708-019B960494DF}">
-                <a14:hiddenLine xmlns="" xmlns:a14="http://schemas.microsoft.com/office/drawing/2010/main" w="9525">
+                <a14:hiddenLine xmlns:a14="http://schemas.microsoft.com/office/drawing/2010/main" xmlns="" w="9525">
                   <a:solidFill>
                     <a:srgbClr val="000000"/>
                   </a:solidFill>
@@ -1480,7 +1480,7 @@
             </a:ln>
             <a:extLst>
               <a:ext uri="{91240B29-F687-4f45-9708-019B960494DF}">
-                <a14:hiddenLine xmlns="" xmlns:a14="http://schemas.microsoft.com/office/drawing/2010/main" w="9525">
+                <a14:hiddenLine xmlns:a14="http://schemas.microsoft.com/office/drawing/2010/main" xmlns="" w="9525">
                   <a:solidFill>
                     <a:srgbClr val="000000"/>
                   </a:solidFill>
@@ -1542,7 +1542,7 @@
             </a:ln>
             <a:extLst>
               <a:ext uri="{91240B29-F687-4f45-9708-019B960494DF}">
-                <a14:hiddenLine xmlns="" xmlns:a14="http://schemas.microsoft.com/office/drawing/2010/main" w="9525">
+                <a14:hiddenLine xmlns:a14="http://schemas.microsoft.com/office/drawing/2010/main" xmlns="" w="9525">
                   <a:solidFill>
                     <a:srgbClr val="000000"/>
                   </a:solidFill>
@@ -1632,7 +1632,7 @@
             </a:ln>
             <a:extLst>
               <a:ext uri="{91240B29-F687-4f45-9708-019B960494DF}">
-                <a14:hiddenLine xmlns="" xmlns:a14="http://schemas.microsoft.com/office/drawing/2010/main" w="9525">
+                <a14:hiddenLine xmlns:a14="http://schemas.microsoft.com/office/drawing/2010/main" xmlns="" w="9525">
                   <a:solidFill>
                     <a:srgbClr val="000000"/>
                   </a:solidFill>
@@ -1722,7 +1722,7 @@
             </a:ln>
             <a:extLst>
               <a:ext uri="{91240B29-F687-4f45-9708-019B960494DF}">
-                <a14:hiddenLine xmlns="" xmlns:a14="http://schemas.microsoft.com/office/drawing/2010/main" w="9525">
+                <a14:hiddenLine xmlns:a14="http://schemas.microsoft.com/office/drawing/2010/main" xmlns="" w="9525">
                   <a:solidFill>
                     <a:srgbClr val="000000"/>
                   </a:solidFill>
@@ -1778,7 +1778,7 @@
             </a:ln>
             <a:extLst>
               <a:ext uri="{91240B29-F687-4f45-9708-019B960494DF}">
-                <a14:hiddenLine xmlns="" xmlns:a14="http://schemas.microsoft.com/office/drawing/2010/main" w="9525">
+                <a14:hiddenLine xmlns:a14="http://schemas.microsoft.com/office/drawing/2010/main" xmlns="" w="9525">
                   <a:solidFill>
                     <a:srgbClr val="000000"/>
                   </a:solidFill>
@@ -1868,7 +1868,7 @@
             </a:ln>
             <a:extLst>
               <a:ext uri="{91240B29-F687-4f45-9708-019B960494DF}">
-                <a14:hiddenLine xmlns="" xmlns:a14="http://schemas.microsoft.com/office/drawing/2010/main" w="9525">
+                <a14:hiddenLine xmlns:a14="http://schemas.microsoft.com/office/drawing/2010/main" xmlns="" w="9525">
                   <a:solidFill>
                     <a:srgbClr val="000000"/>
                   </a:solidFill>
@@ -1924,7 +1924,7 @@
             </a:ln>
             <a:extLst>
               <a:ext uri="{91240B29-F687-4f45-9708-019B960494DF}">
-                <a14:hiddenLine xmlns="" xmlns:a14="http://schemas.microsoft.com/office/drawing/2010/main" w="9525">
+                <a14:hiddenLine xmlns:a14="http://schemas.microsoft.com/office/drawing/2010/main" xmlns="" w="9525">
                   <a:solidFill>
                     <a:srgbClr val="000000"/>
                   </a:solidFill>
@@ -2014,7 +2014,7 @@
             </a:ln>
             <a:extLst>
               <a:ext uri="{91240B29-F687-4f45-9708-019B960494DF}">
-                <a14:hiddenLine xmlns="" xmlns:a14="http://schemas.microsoft.com/office/drawing/2010/main" w="9525">
+                <a14:hiddenLine xmlns:a14="http://schemas.microsoft.com/office/drawing/2010/main" xmlns="" w="9525">
                   <a:solidFill>
                     <a:srgbClr val="000000"/>
                   </a:solidFill>
@@ -2082,7 +2082,7 @@
             </a:ln>
             <a:extLst>
               <a:ext uri="{91240B29-F687-4f45-9708-019B960494DF}">
-                <a14:hiddenLine xmlns="" xmlns:a14="http://schemas.microsoft.com/office/drawing/2010/main" w="9525">
+                <a14:hiddenLine xmlns:a14="http://schemas.microsoft.com/office/drawing/2010/main" xmlns="" w="9525">
                   <a:solidFill>
                     <a:srgbClr val="000000"/>
                   </a:solidFill>
@@ -2172,7 +2172,7 @@
             </a:ln>
             <a:extLst>
               <a:ext uri="{91240B29-F687-4f45-9708-019B960494DF}">
-                <a14:hiddenLine xmlns="" xmlns:a14="http://schemas.microsoft.com/office/drawing/2010/main" w="9525">
+                <a14:hiddenLine xmlns:a14="http://schemas.microsoft.com/office/drawing/2010/main" xmlns="" w="9525">
                   <a:solidFill>
                     <a:srgbClr val="000000"/>
                   </a:solidFill>
@@ -2240,7 +2240,7 @@
             </a:ln>
             <a:extLst>
               <a:ext uri="{91240B29-F687-4f45-9708-019B960494DF}">
-                <a14:hiddenLine xmlns="" xmlns:a14="http://schemas.microsoft.com/office/drawing/2010/main" w="9525">
+                <a14:hiddenLine xmlns:a14="http://schemas.microsoft.com/office/drawing/2010/main" xmlns="" w="9525">
                   <a:solidFill>
                     <a:srgbClr val="000000"/>
                   </a:solidFill>
@@ -2330,7 +2330,7 @@
             </a:ln>
             <a:extLst>
               <a:ext uri="{91240B29-F687-4f45-9708-019B960494DF}">
-                <a14:hiddenLine xmlns="" xmlns:a14="http://schemas.microsoft.com/office/drawing/2010/main" w="9525">
+                <a14:hiddenLine xmlns:a14="http://schemas.microsoft.com/office/drawing/2010/main" xmlns="" w="9525">
                   <a:solidFill>
                     <a:srgbClr val="000000"/>
                   </a:solidFill>
@@ -2364,7 +2364,7 @@
             </a:ln>
             <a:extLst>
               <a:ext uri="{91240B29-F687-4f45-9708-019B960494DF}">
-                <a14:hiddenLine xmlns="" xmlns:a14="http://schemas.microsoft.com/office/drawing/2010/main" w="9525">
+                <a14:hiddenLine xmlns:a14="http://schemas.microsoft.com/office/drawing/2010/main" xmlns="" w="9525">
                   <a:solidFill>
                     <a:srgbClr val="000000"/>
                   </a:solidFill>
@@ -2454,7 +2454,7 @@
             </a:ln>
             <a:extLst>
               <a:ext uri="{91240B29-F687-4f45-9708-019B960494DF}">
-                <a14:hiddenLine xmlns="" xmlns:a14="http://schemas.microsoft.com/office/drawing/2010/main" w="9525">
+                <a14:hiddenLine xmlns:a14="http://schemas.microsoft.com/office/drawing/2010/main" xmlns="" w="9525">
                   <a:solidFill>
                     <a:srgbClr val="000000"/>
                   </a:solidFill>
@@ -2516,7 +2516,7 @@
             </a:ln>
             <a:extLst>
               <a:ext uri="{91240B29-F687-4f45-9708-019B960494DF}">
-                <a14:hiddenLine xmlns="" xmlns:a14="http://schemas.microsoft.com/office/drawing/2010/main" w="9525">
+                <a14:hiddenLine xmlns:a14="http://schemas.microsoft.com/office/drawing/2010/main" xmlns="" w="9525">
                   <a:solidFill>
                     <a:srgbClr val="000000"/>
                   </a:solidFill>
@@ -2578,7 +2578,7 @@
             </a:ln>
             <a:extLst>
               <a:ext uri="{91240B29-F687-4f45-9708-019B960494DF}">
-                <a14:hiddenLine xmlns="" xmlns:a14="http://schemas.microsoft.com/office/drawing/2010/main" w="9525">
+                <a14:hiddenLine xmlns:a14="http://schemas.microsoft.com/office/drawing/2010/main" xmlns="" w="9525">
                   <a:solidFill>
                     <a:srgbClr val="000000"/>
                   </a:solidFill>
@@ -2668,7 +2668,7 @@
             </a:ln>
             <a:extLst>
               <a:ext uri="{91240B29-F687-4f45-9708-019B960494DF}">
-                <a14:hiddenLine xmlns="" xmlns:a14="http://schemas.microsoft.com/office/drawing/2010/main" w="9525">
+                <a14:hiddenLine xmlns:a14="http://schemas.microsoft.com/office/drawing/2010/main" xmlns="" w="9525">
                   <a:solidFill>
                     <a:srgbClr val="000000"/>
                   </a:solidFill>
@@ -2736,7 +2736,7 @@
             </a:ln>
             <a:extLst>
               <a:ext uri="{91240B29-F687-4f45-9708-019B960494DF}">
-                <a14:hiddenLine xmlns="" xmlns:a14="http://schemas.microsoft.com/office/drawing/2010/main" w="9525">
+                <a14:hiddenLine xmlns:a14="http://schemas.microsoft.com/office/drawing/2010/main" xmlns="" w="9525">
                   <a:solidFill>
                     <a:srgbClr val="000000"/>
                   </a:solidFill>
@@ -2798,7 +2798,7 @@
             </a:ln>
             <a:extLst>
               <a:ext uri="{91240B29-F687-4f45-9708-019B960494DF}">
-                <a14:hiddenLine xmlns="" xmlns:a14="http://schemas.microsoft.com/office/drawing/2010/main" w="9525">
+                <a14:hiddenLine xmlns:a14="http://schemas.microsoft.com/office/drawing/2010/main" xmlns="" w="9525">
                   <a:solidFill>
                     <a:srgbClr val="000000"/>
                   </a:solidFill>
@@ -2888,7 +2888,7 @@
             </a:ln>
             <a:extLst>
               <a:ext uri="{91240B29-F687-4f45-9708-019B960494DF}">
-                <a14:hiddenLine xmlns="" xmlns:a14="http://schemas.microsoft.com/office/drawing/2010/main" w="9525">
+                <a14:hiddenLine xmlns:a14="http://schemas.microsoft.com/office/drawing/2010/main" xmlns="" w="9525">
                   <a:solidFill>
                     <a:srgbClr val="000000"/>
                   </a:solidFill>
@@ -2950,7 +2950,7 @@
             </a:ln>
             <a:extLst>
               <a:ext uri="{91240B29-F687-4f45-9708-019B960494DF}">
-                <a14:hiddenLine xmlns="" xmlns:a14="http://schemas.microsoft.com/office/drawing/2010/main" w="9525">
+                <a14:hiddenLine xmlns:a14="http://schemas.microsoft.com/office/drawing/2010/main" xmlns="" w="9525">
                   <a:solidFill>
                     <a:srgbClr val="000000"/>
                   </a:solidFill>
@@ -3040,7 +3040,7 @@
             </a:ln>
             <a:extLst>
               <a:ext uri="{91240B29-F687-4f45-9708-019B960494DF}">
-                <a14:hiddenLine xmlns="" xmlns:a14="http://schemas.microsoft.com/office/drawing/2010/main" w="9525">
+                <a14:hiddenLine xmlns:a14="http://schemas.microsoft.com/office/drawing/2010/main" xmlns="" w="9525">
                   <a:solidFill>
                     <a:srgbClr val="000000"/>
                   </a:solidFill>
@@ -3102,7 +3102,7 @@
             </a:ln>
             <a:extLst>
               <a:ext uri="{91240B29-F687-4f45-9708-019B960494DF}">
-                <a14:hiddenLine xmlns="" xmlns:a14="http://schemas.microsoft.com/office/drawing/2010/main" w="9525">
+                <a14:hiddenLine xmlns:a14="http://schemas.microsoft.com/office/drawing/2010/main" xmlns="" w="9525">
                   <a:solidFill>
                     <a:srgbClr val="000000"/>
                   </a:solidFill>
@@ -3192,7 +3192,7 @@
             </a:ln>
             <a:extLst>
               <a:ext uri="{91240B29-F687-4f45-9708-019B960494DF}">
-                <a14:hiddenLine xmlns="" xmlns:a14="http://schemas.microsoft.com/office/drawing/2010/main" w="9525">
+                <a14:hiddenLine xmlns:a14="http://schemas.microsoft.com/office/drawing/2010/main" xmlns="" w="9525">
                   <a:solidFill>
                     <a:srgbClr val="000000"/>
                   </a:solidFill>
@@ -3226,7 +3226,7 @@
             </a:ln>
             <a:extLst>
               <a:ext uri="{91240B29-F687-4f45-9708-019B960494DF}">
-                <a14:hiddenLine xmlns="" xmlns:a14="http://schemas.microsoft.com/office/drawing/2010/main" w="9525">
+                <a14:hiddenLine xmlns:a14="http://schemas.microsoft.com/office/drawing/2010/main" xmlns="" w="9525">
                   <a:solidFill>
                     <a:srgbClr val="000000"/>
                   </a:solidFill>
@@ -3291,7 +3291,7 @@
             </a:ln>
             <a:extLst>
               <a:ext uri="{91240B29-F687-4f45-9708-019B960494DF}">
-                <a14:hiddenLine xmlns="" xmlns:a14="http://schemas.microsoft.com/office/drawing/2010/main" w="9525">
+                <a14:hiddenLine xmlns:a14="http://schemas.microsoft.com/office/drawing/2010/main" xmlns="" w="9525">
                   <a:solidFill>
                     <a:srgbClr val="000000"/>
                   </a:solidFill>
@@ -3381,7 +3381,7 @@
             </a:ln>
             <a:extLst>
               <a:ext uri="{91240B29-F687-4f45-9708-019B960494DF}">
-                <a14:hiddenLine xmlns="" xmlns:a14="http://schemas.microsoft.com/office/drawing/2010/main" w="9525">
+                <a14:hiddenLine xmlns:a14="http://schemas.microsoft.com/office/drawing/2010/main" xmlns="" w="9525">
                   <a:solidFill>
                     <a:srgbClr val="000000"/>
                   </a:solidFill>
@@ -3443,7 +3443,7 @@
             </a:ln>
             <a:extLst>
               <a:ext uri="{91240B29-F687-4f45-9708-019B960494DF}">
-                <a14:hiddenLine xmlns="" xmlns:a14="http://schemas.microsoft.com/office/drawing/2010/main" w="9525">
+                <a14:hiddenLine xmlns:a14="http://schemas.microsoft.com/office/drawing/2010/main" xmlns="" w="9525">
                   <a:solidFill>
                     <a:srgbClr val="000000"/>
                   </a:solidFill>
@@ -3533,7 +3533,7 @@
             </a:ln>
             <a:extLst>
               <a:ext uri="{91240B29-F687-4f45-9708-019B960494DF}">
-                <a14:hiddenLine xmlns="" xmlns:a14="http://schemas.microsoft.com/office/drawing/2010/main" w="9525">
+                <a14:hiddenLine xmlns:a14="http://schemas.microsoft.com/office/drawing/2010/main" xmlns="" w="9525">
                   <a:solidFill>
                     <a:srgbClr val="000000"/>
                   </a:solidFill>
@@ -3623,7 +3623,7 @@
             </a:ln>
             <a:extLst>
               <a:ext uri="{91240B29-F687-4f45-9708-019B960494DF}">
-                <a14:hiddenLine xmlns="" xmlns:a14="http://schemas.microsoft.com/office/drawing/2010/main" w="9525">
+                <a14:hiddenLine xmlns:a14="http://schemas.microsoft.com/office/drawing/2010/main" xmlns="" w="9525">
                   <a:solidFill>
                     <a:srgbClr val="000000"/>
                   </a:solidFill>
@@ -3688,7 +3688,7 @@
             </a:ln>
             <a:extLst>
               <a:ext uri="{91240B29-F687-4f45-9708-019B960494DF}">
-                <a14:hiddenLine xmlns="" xmlns:a14="http://schemas.microsoft.com/office/drawing/2010/main" w="9525">
+                <a14:hiddenLine xmlns:a14="http://schemas.microsoft.com/office/drawing/2010/main" xmlns="" w="9525">
                   <a:solidFill>
                     <a:srgbClr val="000000"/>
                   </a:solidFill>
@@ -3750,7 +3750,7 @@
             </a:ln>
             <a:extLst>
               <a:ext uri="{91240B29-F687-4f45-9708-019B960494DF}">
-                <a14:hiddenLine xmlns="" xmlns:a14="http://schemas.microsoft.com/office/drawing/2010/main" w="9525">
+                <a14:hiddenLine xmlns:a14="http://schemas.microsoft.com/office/drawing/2010/main" xmlns="" w="9525">
                   <a:solidFill>
                     <a:srgbClr val="000000"/>
                   </a:solidFill>
@@ -3840,7 +3840,7 @@
             </a:ln>
             <a:extLst>
               <a:ext uri="{91240B29-F687-4f45-9708-019B960494DF}">
-                <a14:hiddenLine xmlns="" xmlns:a14="http://schemas.microsoft.com/office/drawing/2010/main" w="9525">
+                <a14:hiddenLine xmlns:a14="http://schemas.microsoft.com/office/drawing/2010/main" xmlns="" w="9525">
                   <a:solidFill>
                     <a:srgbClr val="000000"/>
                   </a:solidFill>
@@ -3930,7 +3930,7 @@
             </a:ln>
             <a:extLst>
               <a:ext uri="{91240B29-F687-4f45-9708-019B960494DF}">
-                <a14:hiddenLine xmlns="" xmlns:a14="http://schemas.microsoft.com/office/drawing/2010/main" w="9525">
+                <a14:hiddenLine xmlns:a14="http://schemas.microsoft.com/office/drawing/2010/main" xmlns="" w="9525">
                   <a:solidFill>
                     <a:srgbClr val="000000"/>
                   </a:solidFill>
@@ -3992,7 +3992,7 @@
             </a:ln>
             <a:extLst>
               <a:ext uri="{91240B29-F687-4f45-9708-019B960494DF}">
-                <a14:hiddenLine xmlns="" xmlns:a14="http://schemas.microsoft.com/office/drawing/2010/main" w="9525">
+                <a14:hiddenLine xmlns:a14="http://schemas.microsoft.com/office/drawing/2010/main" xmlns="" w="9525">
                   <a:solidFill>
                     <a:srgbClr val="000000"/>
                   </a:solidFill>
@@ -4112,7 +4112,7 @@
             </a:ln>
             <a:extLst>
               <a:ext uri="{91240B29-F687-4f45-9708-019B960494DF}">
-                <a14:hiddenLine xmlns="" xmlns:a14="http://schemas.microsoft.com/office/drawing/2010/main" w="9525">
+                <a14:hiddenLine xmlns:a14="http://schemas.microsoft.com/office/drawing/2010/main" xmlns="" w="9525">
                   <a:solidFill>
                     <a:srgbClr val="000000"/>
                   </a:solidFill>
@@ -4180,7 +4180,7 @@
             </a:ln>
             <a:extLst>
               <a:ext uri="{91240B29-F687-4f45-9708-019B960494DF}">
-                <a14:hiddenLine xmlns="" xmlns:a14="http://schemas.microsoft.com/office/drawing/2010/main" w="9525">
+                <a14:hiddenLine xmlns:a14="http://schemas.microsoft.com/office/drawing/2010/main" xmlns="" w="9525">
                   <a:solidFill>
                     <a:srgbClr val="000000"/>
                   </a:solidFill>
@@ -4270,7 +4270,7 @@
             </a:ln>
             <a:extLst>
               <a:ext uri="{91240B29-F687-4f45-9708-019B960494DF}">
-                <a14:hiddenLine xmlns="" xmlns:a14="http://schemas.microsoft.com/office/drawing/2010/main" w="9525">
+                <a14:hiddenLine xmlns:a14="http://schemas.microsoft.com/office/drawing/2010/main" xmlns="" w="9525">
                   <a:solidFill>
                     <a:srgbClr val="000000"/>
                   </a:solidFill>
@@ -9153,7 +9153,7 @@
           <a:noFill/>
           <a:extLst>
             <a:ext uri="{909E8E84-426E-40dd-AFC4-6F175D3DCCD1}">
-              <a14:hiddenFill xmlns="" xmlns:a14="http://schemas.microsoft.com/office/drawing/2010/main">
+              <a14:hiddenFill xmlns:a14="http://schemas.microsoft.com/office/drawing/2010/main" xmlns="">
                 <a:solidFill>
                   <a:srgbClr val="FFFFFF"/>
                 </a:solidFill>
@@ -9227,7 +9227,7 @@
               </a:ln>
               <a:extLst>
                 <a:ext uri="{91240B29-F687-4f45-9708-019B960494DF}">
-                  <a14:hiddenLine xmlns="" xmlns:a14="http://schemas.microsoft.com/office/drawing/2010/main" w="9525">
+                  <a14:hiddenLine xmlns:a14="http://schemas.microsoft.com/office/drawing/2010/main" xmlns="" w="9525">
                     <a:solidFill>
                       <a:srgbClr val="000000"/>
                     </a:solidFill>
@@ -9317,7 +9317,7 @@
               </a:ln>
               <a:extLst>
                 <a:ext uri="{91240B29-F687-4f45-9708-019B960494DF}">
-                  <a14:hiddenLine xmlns="" xmlns:a14="http://schemas.microsoft.com/office/drawing/2010/main" w="9525">
+                  <a14:hiddenLine xmlns:a14="http://schemas.microsoft.com/office/drawing/2010/main" xmlns="" w="9525">
                     <a:solidFill>
                       <a:srgbClr val="000000"/>
                     </a:solidFill>
@@ -9407,7 +9407,7 @@
               </a:ln>
               <a:extLst>
                 <a:ext uri="{91240B29-F687-4f45-9708-019B960494DF}">
-                  <a14:hiddenLine xmlns="" xmlns:a14="http://schemas.microsoft.com/office/drawing/2010/main" w="9525">
+                  <a14:hiddenLine xmlns:a14="http://schemas.microsoft.com/office/drawing/2010/main" xmlns="" w="9525">
                     <a:solidFill>
                       <a:srgbClr val="000000"/>
                     </a:solidFill>
@@ -9469,7 +9469,7 @@
               </a:ln>
               <a:extLst>
                 <a:ext uri="{91240B29-F687-4f45-9708-019B960494DF}">
-                  <a14:hiddenLine xmlns="" xmlns:a14="http://schemas.microsoft.com/office/drawing/2010/main" w="9525">
+                  <a14:hiddenLine xmlns:a14="http://schemas.microsoft.com/office/drawing/2010/main" xmlns="" w="9525">
                     <a:solidFill>
                       <a:srgbClr val="000000"/>
                     </a:solidFill>
@@ -9559,7 +9559,7 @@
               </a:ln>
               <a:extLst>
                 <a:ext uri="{91240B29-F687-4f45-9708-019B960494DF}">
-                  <a14:hiddenLine xmlns="" xmlns:a14="http://schemas.microsoft.com/office/drawing/2010/main" w="9525">
+                  <a14:hiddenLine xmlns:a14="http://schemas.microsoft.com/office/drawing/2010/main" xmlns="" w="9525">
                     <a:solidFill>
                       <a:srgbClr val="000000"/>
                     </a:solidFill>
@@ -9621,7 +9621,7 @@
               </a:ln>
               <a:extLst>
                 <a:ext uri="{91240B29-F687-4f45-9708-019B960494DF}">
-                  <a14:hiddenLine xmlns="" xmlns:a14="http://schemas.microsoft.com/office/drawing/2010/main" w="9525">
+                  <a14:hiddenLine xmlns:a14="http://schemas.microsoft.com/office/drawing/2010/main" xmlns="" w="9525">
                     <a:solidFill>
                       <a:srgbClr val="000000"/>
                     </a:solidFill>
@@ -9683,7 +9683,7 @@
               </a:ln>
               <a:extLst>
                 <a:ext uri="{91240B29-F687-4f45-9708-019B960494DF}">
-                  <a14:hiddenLine xmlns="" xmlns:a14="http://schemas.microsoft.com/office/drawing/2010/main" w="9525">
+                  <a14:hiddenLine xmlns:a14="http://schemas.microsoft.com/office/drawing/2010/main" xmlns="" w="9525">
                     <a:solidFill>
                       <a:srgbClr val="000000"/>
                     </a:solidFill>
@@ -9773,7 +9773,7 @@
               </a:ln>
               <a:extLst>
                 <a:ext uri="{91240B29-F687-4f45-9708-019B960494DF}">
-                  <a14:hiddenLine xmlns="" xmlns:a14="http://schemas.microsoft.com/office/drawing/2010/main" w="9525">
+                  <a14:hiddenLine xmlns:a14="http://schemas.microsoft.com/office/drawing/2010/main" xmlns="" w="9525">
                     <a:solidFill>
                       <a:srgbClr val="000000"/>
                     </a:solidFill>
@@ -9863,7 +9863,7 @@
               </a:ln>
               <a:extLst>
                 <a:ext uri="{91240B29-F687-4f45-9708-019B960494DF}">
-                  <a14:hiddenLine xmlns="" xmlns:a14="http://schemas.microsoft.com/office/drawing/2010/main" w="9525">
+                  <a14:hiddenLine xmlns:a14="http://schemas.microsoft.com/office/drawing/2010/main" xmlns="" w="9525">
                     <a:solidFill>
                       <a:srgbClr val="000000"/>
                     </a:solidFill>
@@ -9925,7 +9925,7 @@
               </a:ln>
               <a:extLst>
                 <a:ext uri="{91240B29-F687-4f45-9708-019B960494DF}">
-                  <a14:hiddenLine xmlns="" xmlns:a14="http://schemas.microsoft.com/office/drawing/2010/main" w="9525">
+                  <a14:hiddenLine xmlns:a14="http://schemas.microsoft.com/office/drawing/2010/main" xmlns="" w="9525">
                     <a:solidFill>
                       <a:srgbClr val="000000"/>
                     </a:solidFill>
@@ -10035,7 +10035,7 @@
               </a:ln>
               <a:extLst>
                 <a:ext uri="{91240B29-F687-4f45-9708-019B960494DF}">
-                  <a14:hiddenLine xmlns="" xmlns:a14="http://schemas.microsoft.com/office/drawing/2010/main" w="9525">
+                  <a14:hiddenLine xmlns:a14="http://schemas.microsoft.com/office/drawing/2010/main" xmlns="" w="9525">
                     <a:solidFill>
                       <a:srgbClr val="000000"/>
                     </a:solidFill>
@@ -10119,7 +10119,7 @@
               </a:ln>
               <a:extLst>
                 <a:ext uri="{91240B29-F687-4f45-9708-019B960494DF}">
-                  <a14:hiddenLine xmlns="" xmlns:a14="http://schemas.microsoft.com/office/drawing/2010/main" w="9525">
+                  <a14:hiddenLine xmlns:a14="http://schemas.microsoft.com/office/drawing/2010/main" xmlns="" w="9525">
                     <a:solidFill>
                       <a:srgbClr val="000000"/>
                     </a:solidFill>
@@ -10181,7 +10181,7 @@
               </a:ln>
               <a:extLst>
                 <a:ext uri="{91240B29-F687-4f45-9708-019B960494DF}">
-                  <a14:hiddenLine xmlns="" xmlns:a14="http://schemas.microsoft.com/office/drawing/2010/main" w="9525">
+                  <a14:hiddenLine xmlns:a14="http://schemas.microsoft.com/office/drawing/2010/main" xmlns="" w="9525">
                     <a:solidFill>
                       <a:srgbClr val="000000"/>
                     </a:solidFill>
@@ -10243,7 +10243,7 @@
               </a:ln>
               <a:extLst>
                 <a:ext uri="{91240B29-F687-4f45-9708-019B960494DF}">
-                  <a14:hiddenLine xmlns="" xmlns:a14="http://schemas.microsoft.com/office/drawing/2010/main" w="9525">
+                  <a14:hiddenLine xmlns:a14="http://schemas.microsoft.com/office/drawing/2010/main" xmlns="" w="9525">
                     <a:solidFill>
                       <a:srgbClr val="000000"/>
                     </a:solidFill>
@@ -10333,7 +10333,7 @@
               </a:ln>
               <a:extLst>
                 <a:ext uri="{91240B29-F687-4f45-9708-019B960494DF}">
-                  <a14:hiddenLine xmlns="" xmlns:a14="http://schemas.microsoft.com/office/drawing/2010/main" w="9525">
+                  <a14:hiddenLine xmlns:a14="http://schemas.microsoft.com/office/drawing/2010/main" xmlns="" w="9525">
                     <a:solidFill>
                       <a:srgbClr val="000000"/>
                     </a:solidFill>
@@ -10367,7 +10367,7 @@
               </a:ln>
               <a:extLst>
                 <a:ext uri="{91240B29-F687-4f45-9708-019B960494DF}">
-                  <a14:hiddenLine xmlns="" xmlns:a14="http://schemas.microsoft.com/office/drawing/2010/main" w="9525">
+                  <a14:hiddenLine xmlns:a14="http://schemas.microsoft.com/office/drawing/2010/main" xmlns="" w="9525">
                     <a:solidFill>
                       <a:srgbClr val="000000"/>
                     </a:solidFill>
@@ -10432,7 +10432,7 @@
               </a:ln>
               <a:extLst>
                 <a:ext uri="{91240B29-F687-4f45-9708-019B960494DF}">
-                  <a14:hiddenLine xmlns="" xmlns:a14="http://schemas.microsoft.com/office/drawing/2010/main" w="9525">
+                  <a14:hiddenLine xmlns:a14="http://schemas.microsoft.com/office/drawing/2010/main" xmlns="" w="9525">
                     <a:solidFill>
                       <a:srgbClr val="000000"/>
                     </a:solidFill>
@@ -10522,7 +10522,7 @@
               </a:ln>
               <a:extLst>
                 <a:ext uri="{91240B29-F687-4f45-9708-019B960494DF}">
-                  <a14:hiddenLine xmlns="" xmlns:a14="http://schemas.microsoft.com/office/drawing/2010/main" w="9525">
+                  <a14:hiddenLine xmlns:a14="http://schemas.microsoft.com/office/drawing/2010/main" xmlns="" w="9525">
                     <a:solidFill>
                       <a:srgbClr val="000000"/>
                     </a:solidFill>
@@ -10584,7 +10584,7 @@
               </a:ln>
               <a:extLst>
                 <a:ext uri="{91240B29-F687-4f45-9708-019B960494DF}">
-                  <a14:hiddenLine xmlns="" xmlns:a14="http://schemas.microsoft.com/office/drawing/2010/main" w="9525">
+                  <a14:hiddenLine xmlns:a14="http://schemas.microsoft.com/office/drawing/2010/main" xmlns="" w="9525">
                     <a:solidFill>
                       <a:srgbClr val="000000"/>
                     </a:solidFill>
@@ -10674,7 +10674,7 @@
               </a:ln>
               <a:extLst>
                 <a:ext uri="{91240B29-F687-4f45-9708-019B960494DF}">
-                  <a14:hiddenLine xmlns="" xmlns:a14="http://schemas.microsoft.com/office/drawing/2010/main" w="9525">
+                  <a14:hiddenLine xmlns:a14="http://schemas.microsoft.com/office/drawing/2010/main" xmlns="" w="9525">
                     <a:solidFill>
                       <a:srgbClr val="000000"/>
                     </a:solidFill>
@@ -10739,7 +10739,7 @@
               </a:ln>
               <a:extLst>
                 <a:ext uri="{91240B29-F687-4f45-9708-019B960494DF}">
-                  <a14:hiddenLine xmlns="" xmlns:a14="http://schemas.microsoft.com/office/drawing/2010/main" w="9525">
+                  <a14:hiddenLine xmlns:a14="http://schemas.microsoft.com/office/drawing/2010/main" xmlns="" w="9525">
                     <a:solidFill>
                       <a:srgbClr val="000000"/>
                     </a:solidFill>
@@ -10801,7 +10801,7 @@
               </a:ln>
               <a:extLst>
                 <a:ext uri="{91240B29-F687-4f45-9708-019B960494DF}">
-                  <a14:hiddenLine xmlns="" xmlns:a14="http://schemas.microsoft.com/office/drawing/2010/main" w="9525">
+                  <a14:hiddenLine xmlns:a14="http://schemas.microsoft.com/office/drawing/2010/main" xmlns="" w="9525">
                     <a:solidFill>
                       <a:srgbClr val="000000"/>
                     </a:solidFill>
@@ -10891,7 +10891,7 @@
               </a:ln>
               <a:extLst>
                 <a:ext uri="{91240B29-F687-4f45-9708-019B960494DF}">
-                  <a14:hiddenLine xmlns="" xmlns:a14="http://schemas.microsoft.com/office/drawing/2010/main" w="9525">
+                  <a14:hiddenLine xmlns:a14="http://schemas.microsoft.com/office/drawing/2010/main" xmlns="" w="9525">
                     <a:solidFill>
                       <a:srgbClr val="000000"/>
                     </a:solidFill>
@@ -10981,7 +10981,7 @@
               </a:ln>
               <a:extLst>
                 <a:ext uri="{91240B29-F687-4f45-9708-019B960494DF}">
-                  <a14:hiddenLine xmlns="" xmlns:a14="http://schemas.microsoft.com/office/drawing/2010/main" w="9525">
+                  <a14:hiddenLine xmlns:a14="http://schemas.microsoft.com/office/drawing/2010/main" xmlns="" w="9525">
                     <a:solidFill>
                       <a:srgbClr val="000000"/>
                     </a:solidFill>
@@ -11046,7 +11046,7 @@
               </a:ln>
               <a:extLst>
                 <a:ext uri="{91240B29-F687-4f45-9708-019B960494DF}">
-                  <a14:hiddenLine xmlns="" xmlns:a14="http://schemas.microsoft.com/office/drawing/2010/main" w="9525">
+                  <a14:hiddenLine xmlns:a14="http://schemas.microsoft.com/office/drawing/2010/main" xmlns="" w="9525">
                     <a:solidFill>
                       <a:srgbClr val="000000"/>
                     </a:solidFill>
@@ -11166,7 +11166,7 @@
               </a:ln>
               <a:extLst>
                 <a:ext uri="{91240B29-F687-4f45-9708-019B960494DF}">
-                  <a14:hiddenLine xmlns="" xmlns:a14="http://schemas.microsoft.com/office/drawing/2010/main" w="9525">
+                  <a14:hiddenLine xmlns:a14="http://schemas.microsoft.com/office/drawing/2010/main" xmlns="" w="9525">
                     <a:solidFill>
                       <a:srgbClr val="000000"/>
                     </a:solidFill>
@@ -11247,7 +11247,7 @@
               </a:ln>
               <a:extLst>
                 <a:ext uri="{91240B29-F687-4f45-9708-019B960494DF}">
-                  <a14:hiddenLine xmlns="" xmlns:a14="http://schemas.microsoft.com/office/drawing/2010/main" w="9525">
+                  <a14:hiddenLine xmlns:a14="http://schemas.microsoft.com/office/drawing/2010/main" xmlns="" w="9525">
                     <a:solidFill>
                       <a:srgbClr val="000000"/>
                     </a:solidFill>
@@ -11362,7 +11362,7 @@
               </a:ln>
               <a:extLst>
                 <a:ext uri="{91240B29-F687-4f45-9708-019B960494DF}">
-                  <a14:hiddenLine xmlns="" xmlns:a14="http://schemas.microsoft.com/office/drawing/2010/main" w="9525">
+                  <a14:hiddenLine xmlns:a14="http://schemas.microsoft.com/office/drawing/2010/main" xmlns="" w="9525">
                     <a:solidFill>
                       <a:srgbClr val="000000"/>
                     </a:solidFill>
@@ -11452,7 +11452,7 @@
               </a:ln>
               <a:extLst>
                 <a:ext uri="{91240B29-F687-4f45-9708-019B960494DF}">
-                  <a14:hiddenLine xmlns="" xmlns:a14="http://schemas.microsoft.com/office/drawing/2010/main" w="9525">
+                  <a14:hiddenLine xmlns:a14="http://schemas.microsoft.com/office/drawing/2010/main" xmlns="" w="9525">
                     <a:solidFill>
                       <a:srgbClr val="000000"/>
                     </a:solidFill>
@@ -11517,7 +11517,7 @@
               </a:ln>
               <a:extLst>
                 <a:ext uri="{91240B29-F687-4f45-9708-019B960494DF}">
-                  <a14:hiddenLine xmlns="" xmlns:a14="http://schemas.microsoft.com/office/drawing/2010/main" w="9525">
+                  <a14:hiddenLine xmlns:a14="http://schemas.microsoft.com/office/drawing/2010/main" xmlns="" w="9525">
                     <a:solidFill>
                       <a:srgbClr val="000000"/>
                     </a:solidFill>
@@ -11607,7 +11607,7 @@
               </a:ln>
               <a:extLst>
                 <a:ext uri="{91240B29-F687-4f45-9708-019B960494DF}">
-                  <a14:hiddenLine xmlns="" xmlns:a14="http://schemas.microsoft.com/office/drawing/2010/main" w="9525">
+                  <a14:hiddenLine xmlns:a14="http://schemas.microsoft.com/office/drawing/2010/main" xmlns="" w="9525">
                     <a:solidFill>
                       <a:srgbClr val="000000"/>
                     </a:solidFill>
@@ -11675,7 +11675,7 @@
               </a:ln>
               <a:extLst>
                 <a:ext uri="{91240B29-F687-4f45-9708-019B960494DF}">
-                  <a14:hiddenLine xmlns="" xmlns:a14="http://schemas.microsoft.com/office/drawing/2010/main" w="9525">
+                  <a14:hiddenLine xmlns:a14="http://schemas.microsoft.com/office/drawing/2010/main" xmlns="" w="9525">
                     <a:solidFill>
                       <a:srgbClr val="000000"/>
                     </a:solidFill>
@@ -11765,7 +11765,7 @@
               </a:ln>
               <a:extLst>
                 <a:ext uri="{91240B29-F687-4f45-9708-019B960494DF}">
-                  <a14:hiddenLine xmlns="" xmlns:a14="http://schemas.microsoft.com/office/drawing/2010/main" w="9525">
+                  <a14:hiddenLine xmlns:a14="http://schemas.microsoft.com/office/drawing/2010/main" xmlns="" w="9525">
                     <a:solidFill>
                       <a:srgbClr val="000000"/>
                     </a:solidFill>
@@ -11833,7 +11833,7 @@
               </a:ln>
               <a:extLst>
                 <a:ext uri="{91240B29-F687-4f45-9708-019B960494DF}">
-                  <a14:hiddenLine xmlns="" xmlns:a14="http://schemas.microsoft.com/office/drawing/2010/main" w="9525">
+                  <a14:hiddenLine xmlns:a14="http://schemas.microsoft.com/office/drawing/2010/main" xmlns="" w="9525">
                     <a:solidFill>
                       <a:srgbClr val="000000"/>
                     </a:solidFill>
@@ -11923,7 +11923,7 @@
               </a:ln>
               <a:extLst>
                 <a:ext uri="{91240B29-F687-4f45-9708-019B960494DF}">
-                  <a14:hiddenLine xmlns="" xmlns:a14="http://schemas.microsoft.com/office/drawing/2010/main" w="9525">
+                  <a14:hiddenLine xmlns:a14="http://schemas.microsoft.com/office/drawing/2010/main" xmlns="" w="9525">
                     <a:solidFill>
                       <a:srgbClr val="000000"/>
                     </a:solidFill>
@@ -11957,7 +11957,7 @@
               </a:ln>
               <a:extLst>
                 <a:ext uri="{91240B29-F687-4f45-9708-019B960494DF}">
-                  <a14:hiddenLine xmlns="" xmlns:a14="http://schemas.microsoft.com/office/drawing/2010/main" w="9525">
+                  <a14:hiddenLine xmlns:a14="http://schemas.microsoft.com/office/drawing/2010/main" xmlns="" w="9525">
                     <a:solidFill>
                       <a:srgbClr val="000000"/>
                     </a:solidFill>
@@ -13412,13 +13412,21 @@
             <p:ph sz="quarter" idx="4"/>
           </p:nvPr>
         </p:nvSpPr>
-        <p:spPr/>
+        <p:spPr>
+          <a:xfrm>
+            <a:off x="6391689" y="2590911"/>
+            <a:ext cx="4875210" cy="2717801"/>
+          </a:xfrm>
+        </p:spPr>
         <p:txBody>
           <a:bodyPr/>
           <a:lstStyle/>
           <a:p>
             <a:r>
-              <a:rPr lang="lv-LV" dirty="0"/>
+              <a:rPr lang="lv-LV" dirty="0">
+                <a:latin typeface="Times New Roman" panose="02020603050405020304" pitchFamily="18" charset="0"/>
+                <a:cs typeface="Times New Roman" panose="02020603050405020304" pitchFamily="18" charset="0"/>
+              </a:rPr>
               <a:t>Tas bija EXE faila veidošana</a:t>
             </a:r>
           </a:p>
@@ -14525,14 +14533,14 @@
                 <a:latin typeface="Times New Roman" panose="02020603050405020304" pitchFamily="18" charset="0"/>
                 <a:cs typeface="Times New Roman" panose="02020603050405020304" pitchFamily="18" charset="0"/>
               </a:rPr>
-              <a:t>. </a:t>
-            </a:r>
-            <a:r>
-              <a:rPr lang="en-US" dirty="0" err="1">
+              <a:t>. Ci</a:t>
+            </a:r>
+            <a:r>
+              <a:rPr lang="lv-LV" dirty="0" err="1">
                 <a:latin typeface="Times New Roman" panose="02020603050405020304" pitchFamily="18" charset="0"/>
                 <a:cs typeface="Times New Roman" panose="02020603050405020304" pitchFamily="18" charset="0"/>
               </a:rPr>
-              <a:t>Cilpas</a:t>
+              <a:t>kla</a:t>
             </a:r>
             <a:r>
               <a:rPr lang="en-US" dirty="0">
@@ -14883,7 +14891,7 @@
                 <a:latin typeface="Times New Roman" panose="02020603050405020304" pitchFamily="18" charset="0"/>
                 <a:cs typeface="Times New Roman" panose="02020603050405020304" pitchFamily="18" charset="0"/>
               </a:rPr>
-              <a:t>āte – cikls ir ļoti efektīvs, jo tās ļauj automatizēt atkārtotus uzdevumus, nerakstot vienu un to pašu kodu atkal un atkal.</a:t>
+              <a:t>āte – Cikls ir ļoti efektīvs, jo tās ļauj automatizēt atkārtotus uzdevumus, nerakstot vienu un to pašu kodu atkal un atkal.</a:t>
             </a:r>
           </a:p>
           <a:p>
@@ -14919,7 +14927,7 @@
                 <a:latin typeface="Times New Roman" panose="02020603050405020304" pitchFamily="18" charset="0"/>
                 <a:cs typeface="Times New Roman" panose="02020603050405020304" pitchFamily="18" charset="0"/>
               </a:rPr>
-              <a:t>while</a:t>
+              <a:t>While</a:t>
             </a:r>
             <a:r>
               <a:rPr lang="lv-LV" dirty="0">
